--- a/lec2.pptx
+++ b/lec2.pptx
@@ -5,7 +5,7 @@
     <p:sldMasterId id="2147483745" r:id="rId1"/>
   </p:sldMasterIdLst>
   <p:notesMasterIdLst>
-    <p:notesMasterId r:id="rId15"/>
+    <p:notesMasterId r:id="rId16"/>
   </p:notesMasterIdLst>
   <p:sldIdLst>
     <p:sldId id="256" r:id="rId2"/>
@@ -21,6 +21,7 @@
     <p:sldId id="285" r:id="rId12"/>
     <p:sldId id="286" r:id="rId13"/>
     <p:sldId id="284" r:id="rId14"/>
+    <p:sldId id="287" r:id="rId15"/>
   </p:sldIdLst>
   <p:sldSz cx="12192000" cy="6858000"/>
   <p:notesSz cx="6858000" cy="9144000"/>
@@ -119,6 +120,11 @@
       </a:defRPr>
     </a:lvl9pPr>
   </p:defaultTextStyle>
+  <p:extLst>
+    <p:ext uri="{EFAFB233-063F-42B5-8137-9DF3F51BA10A}">
+      <p15:sldGuideLst xmlns:p15="http://schemas.microsoft.com/office/powerpoint/2012/main"/>
+    </p:ext>
+  </p:extLst>
 </p:presentation>
 </file>
 
@@ -8558,6 +8564,158 @@
 </p:sld>
 </file>
 
+<file path=ppt/slides/slide14.xml><?xml version="1.0" encoding="utf-8"?>
+<p:sld xmlns:a="http://schemas.openxmlformats.org/drawingml/2006/main" xmlns:r="http://schemas.openxmlformats.org/officeDocument/2006/relationships" xmlns:p="http://schemas.openxmlformats.org/presentationml/2006/main">
+  <p:cSld>
+    <p:spTree>
+      <p:nvGrpSpPr>
+        <p:cNvPr id="1" name=""/>
+        <p:cNvGrpSpPr/>
+        <p:nvPr/>
+      </p:nvGrpSpPr>
+      <p:grpSpPr>
+        <a:xfrm>
+          <a:off x="0" y="0"/>
+          <a:ext cx="0" cy="0"/>
+          <a:chOff x="0" y="0"/>
+          <a:chExt cx="0" cy="0"/>
+        </a:xfrm>
+      </p:grpSpPr>
+      <p:sp>
+        <p:nvSpPr>
+          <p:cNvPr id="2" name="TextBox 1">
+            <a:extLst>
+              <a:ext uri="{FF2B5EF4-FFF2-40B4-BE49-F238E27FC236}">
+                <a16:creationId xmlns:a16="http://schemas.microsoft.com/office/drawing/2014/main" id="{B0C3FB8B-85C2-43F1-A4C3-8E05561DC480}"/>
+              </a:ext>
+            </a:extLst>
+          </p:cNvPr>
+          <p:cNvSpPr txBox="1"/>
+          <p:nvPr/>
+        </p:nvSpPr>
+        <p:spPr>
+          <a:xfrm>
+            <a:off x="436099" y="562708"/>
+            <a:ext cx="2475914" cy="523220"/>
+          </a:xfrm>
+          <a:prstGeom prst="rect">
+            <a:avLst/>
+          </a:prstGeom>
+          <a:noFill/>
+        </p:spPr>
+        <p:txBody>
+          <a:bodyPr wrap="square" rtlCol="1">
+            <a:spAutoFit/>
+          </a:bodyPr>
+          <a:lstStyle/>
+          <a:p>
+            <a:r>
+              <a:rPr lang="en-US" sz="2800" b="1" dirty="0">
+                <a:solidFill>
+                  <a:schemeClr val="accent2">
+                    <a:lumMod val="50000"/>
+                  </a:schemeClr>
+                </a:solidFill>
+              </a:rPr>
+              <a:t>Solution:</a:t>
+            </a:r>
+            <a:endParaRPr lang="ar-SA" sz="2800" b="1" dirty="0">
+              <a:solidFill>
+                <a:schemeClr val="accent2">
+                  <a:lumMod val="50000"/>
+                </a:schemeClr>
+              </a:solidFill>
+            </a:endParaRPr>
+          </a:p>
+        </p:txBody>
+      </p:sp>
+      <p:pic>
+        <p:nvPicPr>
+          <p:cNvPr id="3" name="Picture 2">
+            <a:extLst>
+              <a:ext uri="{FF2B5EF4-FFF2-40B4-BE49-F238E27FC236}">
+                <a16:creationId xmlns:a16="http://schemas.microsoft.com/office/drawing/2014/main" id="{B15AB6CA-7F23-4DB0-9E3C-C467DC0C4739}"/>
+              </a:ext>
+            </a:extLst>
+          </p:cNvPr>
+          <p:cNvPicPr>
+            <a:picLocks noChangeAspect="1"/>
+          </p:cNvPicPr>
+          <p:nvPr/>
+        </p:nvPicPr>
+        <p:blipFill>
+          <a:blip r:embed="rId2"/>
+          <a:stretch>
+            <a:fillRect/>
+          </a:stretch>
+        </p:blipFill>
+        <p:spPr>
+          <a:xfrm>
+            <a:off x="703385" y="1252025"/>
+            <a:ext cx="6884746" cy="4520047"/>
+          </a:xfrm>
+          <a:prstGeom prst="rect">
+            <a:avLst/>
+          </a:prstGeom>
+        </p:spPr>
+      </p:pic>
+      <p:sp>
+        <p:nvSpPr>
+          <p:cNvPr id="4" name="TextBox 3">
+            <a:extLst>
+              <a:ext uri="{FF2B5EF4-FFF2-40B4-BE49-F238E27FC236}">
+                <a16:creationId xmlns:a16="http://schemas.microsoft.com/office/drawing/2014/main" id="{91D48931-2677-42F2-8876-FCF2DB37B273}"/>
+              </a:ext>
+            </a:extLst>
+          </p:cNvPr>
+          <p:cNvSpPr txBox="1"/>
+          <p:nvPr/>
+        </p:nvSpPr>
+        <p:spPr>
+          <a:xfrm>
+            <a:off x="703385" y="6295292"/>
+            <a:ext cx="3334043" cy="369332"/>
+          </a:xfrm>
+          <a:prstGeom prst="rect">
+            <a:avLst/>
+          </a:prstGeom>
+          <a:noFill/>
+        </p:spPr>
+        <p:txBody>
+          <a:bodyPr wrap="square" rtlCol="1">
+            <a:spAutoFit/>
+          </a:bodyPr>
+          <a:lstStyle/>
+          <a:p>
+            <a:r>
+              <a:rPr lang="en-US" dirty="0"/>
+              <a:t>Open </a:t>
+            </a:r>
+            <a:r>
+              <a:rPr lang="en-US" dirty="0" err="1"/>
+              <a:t>task.m</a:t>
+            </a:r>
+            <a:r>
+              <a:rPr lang="en-US" dirty="0"/>
+              <a:t> file </a:t>
+            </a:r>
+            <a:endParaRPr lang="ar-SA" dirty="0"/>
+          </a:p>
+        </p:txBody>
+      </p:sp>
+    </p:spTree>
+    <p:extLst>
+      <p:ext uri="{BB962C8B-B14F-4D97-AF65-F5344CB8AC3E}">
+        <p14:creationId xmlns:p14="http://schemas.microsoft.com/office/powerpoint/2010/main" val="2771995604"/>
+      </p:ext>
+    </p:extLst>
+  </p:cSld>
+  <p:clrMapOvr>
+    <a:masterClrMapping/>
+  </p:clrMapOvr>
+</p:sld>
+</file>
+
 <file path=ppt/slides/slide2.xml><?xml version="1.0" encoding="utf-8"?>
 <p:sld xmlns:a="http://schemas.openxmlformats.org/drawingml/2006/main" xmlns:r="http://schemas.openxmlformats.org/officeDocument/2006/relationships" xmlns:p="http://schemas.openxmlformats.org/presentationml/2006/main">
   <p:cSld>
@@ -8640,7 +8798,7 @@
         <p:spPr>
           <a:xfrm>
             <a:off x="590843" y="1359264"/>
-            <a:ext cx="1544012" cy="369332"/>
+            <a:ext cx="1688283" cy="461665"/>
           </a:xfrm>
           <a:prstGeom prst="rect">
             <a:avLst/>
@@ -8657,10 +8815,7 @@
               <a:buChar char="Ø"/>
             </a:pPr>
             <a:r>
-              <a:rPr lang="en-US">
-                <a:solidFill>
-                  <a:srgbClr val="004B87"/>
-                </a:solidFill>
+              <a:rPr lang="en-US" sz="2400" dirty="0">
                 <a:effectLst>
                   <a:outerShdw blurRad="38100" dist="38100" dir="2700000" algn="tl">
                     <a:srgbClr val="000000">
@@ -8668,14 +8823,12 @@
                     </a:srgbClr>
                   </a:outerShdw>
                 </a:effectLst>
-                <a:latin typeface="Arial" panose="020B0604020202020204" pitchFamily="34" charset="0"/>
+                <a:latin typeface="Times New Roman" panose="02020603050405020304" pitchFamily="18" charset="0"/>
+                <a:cs typeface="Times New Roman" panose="02020603050405020304" pitchFamily="18" charset="0"/>
               </a:rPr>
               <a:t>Samples</a:t>
             </a:r>
-            <a:endParaRPr lang="ar-SA" dirty="0">
-              <a:solidFill>
-                <a:srgbClr val="004B87"/>
-              </a:solidFill>
+            <a:endParaRPr lang="ar-SA" sz="2400" dirty="0">
               <a:effectLst>
                 <a:outerShdw blurRad="38100" dist="38100" dir="2700000" algn="tl">
                   <a:srgbClr val="000000">
@@ -8683,7 +8836,8 @@
                   </a:srgbClr>
                 </a:outerShdw>
               </a:effectLst>
-              <a:latin typeface="Arial" panose="020B0604020202020204" pitchFamily="34" charset="0"/>
+              <a:latin typeface="Times New Roman" panose="02020603050405020304" pitchFamily="18" charset="0"/>
+              <a:cs typeface="Times New Roman" panose="02020603050405020304" pitchFamily="18" charset="0"/>
             </a:endParaRPr>
           </a:p>
         </p:txBody>
@@ -8703,7 +8857,7 @@
         <p:spPr>
           <a:xfrm>
             <a:off x="590843" y="1833120"/>
-            <a:ext cx="6096000" cy="646331"/>
+            <a:ext cx="6096000" cy="738664"/>
           </a:xfrm>
           <a:prstGeom prst="rect">
             <a:avLst/>
@@ -8720,10 +8874,7 @@
               <a:buChar char="Ø"/>
             </a:pPr>
             <a:r>
-              <a:rPr lang="en-US" dirty="0">
-                <a:solidFill>
-                  <a:srgbClr val="004B87"/>
-                </a:solidFill>
+              <a:rPr lang="en-US" sz="2400" dirty="0">
                 <a:effectLst>
                   <a:outerShdw blurRad="38100" dist="38100" dir="2700000" algn="tl">
                     <a:srgbClr val="000000">
@@ -8731,7 +8882,8 @@
                     </a:srgbClr>
                   </a:outerShdw>
                 </a:effectLst>
-                <a:latin typeface="Arial" panose="020B0604020202020204" pitchFamily="34" charset="0"/>
+                <a:latin typeface="Times New Roman" panose="02020603050405020304" pitchFamily="18" charset="0"/>
+                <a:cs typeface="Times New Roman" panose="02020603050405020304" pitchFamily="18" charset="0"/>
               </a:rPr>
               <a:t>Basic operations  on discreet signals</a:t>
             </a:r>

--- a/lec2.pptx
+++ b/lec2.pptx
@@ -5,7 +5,7 @@
     <p:sldMasterId id="2147483745" r:id="rId1"/>
   </p:sldMasterIdLst>
   <p:notesMasterIdLst>
-    <p:notesMasterId r:id="rId16"/>
+    <p:notesMasterId r:id="rId29"/>
   </p:notesMasterIdLst>
   <p:sldIdLst>
     <p:sldId id="256" r:id="rId2"/>
@@ -22,6 +22,19 @@
     <p:sldId id="286" r:id="rId13"/>
     <p:sldId id="284" r:id="rId14"/>
     <p:sldId id="287" r:id="rId15"/>
+    <p:sldId id="258" r:id="rId16"/>
+    <p:sldId id="259" r:id="rId17"/>
+    <p:sldId id="262" r:id="rId18"/>
+    <p:sldId id="261" r:id="rId19"/>
+    <p:sldId id="263" r:id="rId20"/>
+    <p:sldId id="264" r:id="rId21"/>
+    <p:sldId id="260" r:id="rId22"/>
+    <p:sldId id="265" r:id="rId23"/>
+    <p:sldId id="266" r:id="rId24"/>
+    <p:sldId id="267" r:id="rId25"/>
+    <p:sldId id="272" r:id="rId26"/>
+    <p:sldId id="288" r:id="rId27"/>
+    <p:sldId id="289" r:id="rId28"/>
   </p:sldIdLst>
   <p:sldSz cx="12192000" cy="6858000"/>
   <p:notesSz cx="6858000" cy="9144000"/>
@@ -8716,6 +8729,2206 @@
 </p:sld>
 </file>
 
+<file path=ppt/slides/slide15.xml><?xml version="1.0" encoding="utf-8"?>
+<p:sld xmlns:a="http://schemas.openxmlformats.org/drawingml/2006/main" xmlns:r="http://schemas.openxmlformats.org/officeDocument/2006/relationships" xmlns:p="http://schemas.openxmlformats.org/presentationml/2006/main">
+  <p:cSld>
+    <p:spTree>
+      <p:nvGrpSpPr>
+        <p:cNvPr id="1" name=""/>
+        <p:cNvGrpSpPr/>
+        <p:nvPr/>
+      </p:nvGrpSpPr>
+      <p:grpSpPr>
+        <a:xfrm>
+          <a:off x="0" y="0"/>
+          <a:ext cx="0" cy="0"/>
+          <a:chOff x="0" y="0"/>
+          <a:chExt cx="0" cy="0"/>
+        </a:xfrm>
+      </p:grpSpPr>
+      <p:sp>
+        <p:nvSpPr>
+          <p:cNvPr id="2" name="Rectangle 1">
+            <a:extLst>
+              <a:ext uri="{FF2B5EF4-FFF2-40B4-BE49-F238E27FC236}">
+                <a16:creationId xmlns:a16="http://schemas.microsoft.com/office/drawing/2014/main" id="{166214D4-2A4D-412E-B659-13924F7DD5F1}"/>
+              </a:ext>
+            </a:extLst>
+          </p:cNvPr>
+          <p:cNvSpPr/>
+          <p:nvPr/>
+        </p:nvSpPr>
+        <p:spPr>
+          <a:xfrm>
+            <a:off x="662609" y="378088"/>
+            <a:ext cx="5224507" cy="523220"/>
+          </a:xfrm>
+          <a:prstGeom prst="rect">
+            <a:avLst/>
+          </a:prstGeom>
+        </p:spPr>
+        <p:txBody>
+          <a:bodyPr wrap="none">
+            <a:spAutoFit/>
+          </a:bodyPr>
+          <a:lstStyle/>
+          <a:p>
+            <a:pPr marL="285750" indent="-285750">
+              <a:buFont typeface="Wingdings" panose="05000000000000000000" pitchFamily="2" charset="2"/>
+              <a:buChar char="Ø"/>
+            </a:pPr>
+            <a:r>
+              <a:rPr lang="en-US" sz="2800" dirty="0">
+                <a:solidFill>
+                  <a:schemeClr val="accent2">
+                    <a:lumMod val="75000"/>
+                  </a:schemeClr>
+                </a:solidFill>
+                <a:latin typeface="Britannic Bold" panose="020B0903060703020204" pitchFamily="34" charset="0"/>
+              </a:rPr>
+              <a:t> SAMPLING RATE CONVERSION</a:t>
+            </a:r>
+            <a:endParaRPr lang="ar-SA" sz="2800" dirty="0">
+              <a:solidFill>
+                <a:schemeClr val="accent2">
+                  <a:lumMod val="75000"/>
+                </a:schemeClr>
+              </a:solidFill>
+              <a:latin typeface="Britannic Bold" panose="020B0903060703020204" pitchFamily="34" charset="0"/>
+            </a:endParaRPr>
+          </a:p>
+        </p:txBody>
+      </p:sp>
+      <p:sp>
+        <p:nvSpPr>
+          <p:cNvPr id="5" name="Rectangle 1">
+            <a:extLst>
+              <a:ext uri="{FF2B5EF4-FFF2-40B4-BE49-F238E27FC236}">
+                <a16:creationId xmlns:a16="http://schemas.microsoft.com/office/drawing/2014/main" id="{D4FBE452-6FF4-49C6-8392-8108210F0B03}"/>
+              </a:ext>
+            </a:extLst>
+          </p:cNvPr>
+          <p:cNvSpPr>
+            <a:spLocks noChangeArrowheads="1"/>
+          </p:cNvSpPr>
+          <p:nvPr/>
+        </p:nvSpPr>
+        <p:spPr bwMode="auto">
+          <a:xfrm>
+            <a:off x="2357438" y="3735388"/>
+            <a:ext cx="12192000" cy="0"/>
+          </a:xfrm>
+          <a:prstGeom prst="rect">
+            <a:avLst/>
+          </a:prstGeom>
+          <a:noFill/>
+          <a:ln>
+            <a:noFill/>
+          </a:ln>
+          <a:effectLst/>
+          <a:extLst>
+            <a:ext uri="{909E8E84-426E-40DD-AFC4-6F175D3DCCD1}">
+              <a14:hiddenFill xmlns:a14="http://schemas.microsoft.com/office/drawing/2010/main">
+                <a:solidFill>
+                  <a:schemeClr val="accent1"/>
+                </a:solidFill>
+              </a14:hiddenFill>
+            </a:ext>
+            <a:ext uri="{91240B29-F687-4F45-9708-019B960494DF}">
+              <a14:hiddenLine xmlns:a14="http://schemas.microsoft.com/office/drawing/2010/main" w="9525">
+                <a:solidFill>
+                  <a:schemeClr val="tx1"/>
+                </a:solidFill>
+                <a:miter lim="800000"/>
+                <a:headEnd/>
+                <a:tailEnd/>
+              </a14:hiddenLine>
+            </a:ext>
+            <a:ext uri="{AF507438-7753-43E0-B8FC-AC1667EBCBE1}">
+              <a14:hiddenEffects xmlns:a14="http://schemas.microsoft.com/office/drawing/2010/main">
+                <a:effectLst>
+                  <a:outerShdw dist="35921" dir="2700000" algn="ctr" rotWithShape="0">
+                    <a:schemeClr val="bg2"/>
+                  </a:outerShdw>
+                </a:effectLst>
+              </a14:hiddenEffects>
+            </a:ext>
+          </a:extLst>
+        </p:spPr>
+        <p:txBody>
+          <a:bodyPr vert="horz" wrap="none" lIns="91440" tIns="45720" rIns="91440" bIns="45720" numCol="1" anchor="ctr" anchorCtr="0" compatLnSpc="1">
+            <a:prstTxWarp prst="textNoShape">
+              <a:avLst/>
+            </a:prstTxWarp>
+            <a:spAutoFit/>
+          </a:bodyPr>
+          <a:lstStyle/>
+          <a:p>
+            <a:pPr marL="0" marR="0" lvl="0" indent="0" algn="l" defTabSz="914400" rtl="0" eaLnBrk="0" fontAlgn="base" latinLnBrk="0" hangingPunct="0">
+              <a:lnSpc>
+                <a:spcPct val="100000"/>
+              </a:lnSpc>
+              <a:spcBef>
+                <a:spcPct val="0"/>
+              </a:spcBef>
+              <a:spcAft>
+                <a:spcPct val="0"/>
+              </a:spcAft>
+              <a:buClrTx/>
+              <a:buSzTx/>
+              <a:buFontTx/>
+              <a:buNone/>
+              <a:tabLst/>
+            </a:pPr>
+            <a:br>
+              <a:rPr kumimoji="0" lang="ar-SA" altLang="ar-SA" sz="1800" b="0" i="0" u="none" strike="noStrike" cap="none" normalizeH="0" baseline="0">
+                <a:ln>
+                  <a:noFill/>
+                </a:ln>
+                <a:solidFill>
+                  <a:schemeClr val="tx1"/>
+                </a:solidFill>
+                <a:effectLst/>
+                <a:latin typeface="Arial" panose="020B0604020202020204" pitchFamily="34" charset="0"/>
+              </a:rPr>
+            </a:br>
+            <a:endParaRPr kumimoji="0" lang="ar-SA" altLang="ar-SA" sz="1800" b="0" i="0" u="none" strike="noStrike" cap="none" normalizeH="0" baseline="0">
+              <a:ln>
+                <a:noFill/>
+              </a:ln>
+              <a:solidFill>
+                <a:schemeClr val="tx1"/>
+              </a:solidFill>
+              <a:effectLst/>
+              <a:latin typeface="Arial" panose="020B0604020202020204" pitchFamily="34" charset="0"/>
+            </a:endParaRPr>
+          </a:p>
+        </p:txBody>
+      </p:sp>
+      <p:sp>
+        <p:nvSpPr>
+          <p:cNvPr id="6" name="TextBox 5">
+            <a:extLst>
+              <a:ext uri="{FF2B5EF4-FFF2-40B4-BE49-F238E27FC236}">
+                <a16:creationId xmlns:a16="http://schemas.microsoft.com/office/drawing/2014/main" id="{DE1F0C48-60F5-4ED4-9501-3C179CDAC2B9}"/>
+              </a:ext>
+            </a:extLst>
+          </p:cNvPr>
+          <p:cNvSpPr txBox="1"/>
+          <p:nvPr/>
+        </p:nvSpPr>
+        <p:spPr>
+          <a:xfrm>
+            <a:off x="662609" y="1245704"/>
+            <a:ext cx="8256104" cy="1631216"/>
+          </a:xfrm>
+          <a:prstGeom prst="rect">
+            <a:avLst/>
+          </a:prstGeom>
+          <a:noFill/>
+        </p:spPr>
+        <p:txBody>
+          <a:bodyPr wrap="square" rtlCol="1">
+            <a:spAutoFit/>
+          </a:bodyPr>
+          <a:lstStyle/>
+          <a:p>
+            <a:pPr marL="285750" indent="-285750">
+              <a:buFont typeface="Arial" panose="020B0604020202020204" pitchFamily="34" charset="0"/>
+              <a:buChar char="•"/>
+            </a:pPr>
+            <a:r>
+              <a:rPr lang="en-US" sz="2000" dirty="0">
+                <a:solidFill>
+                  <a:srgbClr val="000000"/>
+                </a:solidFill>
+                <a:latin typeface="Arial" panose="020B0604020202020204" pitchFamily="34" charset="0"/>
+                <a:cs typeface="Arial" panose="020B0604020202020204" pitchFamily="34" charset="0"/>
+              </a:rPr>
+              <a:t>Sampling rate conversion is employed to generate a new sequence with a sampling rate higher or lower than that of a given sequence.</a:t>
+            </a:r>
+          </a:p>
+          <a:p>
+            <a:endParaRPr lang="en-US" sz="2000" dirty="0">
+              <a:solidFill>
+                <a:srgbClr val="000000"/>
+              </a:solidFill>
+              <a:latin typeface="Arial" panose="020B0604020202020204" pitchFamily="34" charset="0"/>
+              <a:cs typeface="Arial" panose="020B0604020202020204" pitchFamily="34" charset="0"/>
+            </a:endParaRPr>
+          </a:p>
+          <a:p>
+            <a:endParaRPr lang="en-US" sz="2000" dirty="0">
+              <a:latin typeface="Arial" panose="020B0604020202020204" pitchFamily="34" charset="0"/>
+              <a:cs typeface="Arial" panose="020B0604020202020204" pitchFamily="34" charset="0"/>
+            </a:endParaRPr>
+          </a:p>
+          <a:p>
+            <a:endParaRPr lang="ar-SA" sz="2000" dirty="0">
+              <a:latin typeface="Arial" panose="020B0604020202020204" pitchFamily="34" charset="0"/>
+              <a:cs typeface="Arial" panose="020B0604020202020204" pitchFamily="34" charset="0"/>
+            </a:endParaRPr>
+          </a:p>
+        </p:txBody>
+      </p:sp>
+      <p:sp>
+        <p:nvSpPr>
+          <p:cNvPr id="8" name="Rectangle 2">
+            <a:extLst>
+              <a:ext uri="{FF2B5EF4-FFF2-40B4-BE49-F238E27FC236}">
+                <a16:creationId xmlns:a16="http://schemas.microsoft.com/office/drawing/2014/main" id="{09E1894B-C399-4A3D-A523-98C6B8CA57B0}"/>
+              </a:ext>
+            </a:extLst>
+          </p:cNvPr>
+          <p:cNvSpPr>
+            <a:spLocks noChangeArrowheads="1"/>
+          </p:cNvSpPr>
+          <p:nvPr/>
+        </p:nvSpPr>
+        <p:spPr bwMode="auto">
+          <a:xfrm>
+            <a:off x="2357438" y="3414713"/>
+            <a:ext cx="12192000" cy="0"/>
+          </a:xfrm>
+          <a:prstGeom prst="rect">
+            <a:avLst/>
+          </a:prstGeom>
+          <a:noFill/>
+          <a:ln>
+            <a:noFill/>
+          </a:ln>
+          <a:effectLst/>
+          <a:extLst>
+            <a:ext uri="{909E8E84-426E-40DD-AFC4-6F175D3DCCD1}">
+              <a14:hiddenFill xmlns:a14="http://schemas.microsoft.com/office/drawing/2010/main">
+                <a:solidFill>
+                  <a:schemeClr val="accent1"/>
+                </a:solidFill>
+              </a14:hiddenFill>
+            </a:ext>
+            <a:ext uri="{91240B29-F687-4F45-9708-019B960494DF}">
+              <a14:hiddenLine xmlns:a14="http://schemas.microsoft.com/office/drawing/2010/main" w="9525">
+                <a:solidFill>
+                  <a:schemeClr val="tx1"/>
+                </a:solidFill>
+                <a:miter lim="800000"/>
+                <a:headEnd/>
+                <a:tailEnd/>
+              </a14:hiddenLine>
+            </a:ext>
+            <a:ext uri="{AF507438-7753-43E0-B8FC-AC1667EBCBE1}">
+              <a14:hiddenEffects xmlns:a14="http://schemas.microsoft.com/office/drawing/2010/main">
+                <a:effectLst>
+                  <a:outerShdw dist="35921" dir="2700000" algn="ctr" rotWithShape="0">
+                    <a:schemeClr val="bg2"/>
+                  </a:outerShdw>
+                </a:effectLst>
+              </a14:hiddenEffects>
+            </a:ext>
+          </a:extLst>
+        </p:spPr>
+        <p:txBody>
+          <a:bodyPr vert="horz" wrap="none" lIns="91440" tIns="45720" rIns="91440" bIns="45720" numCol="1" anchor="ctr" anchorCtr="0" compatLnSpc="1">
+            <a:prstTxWarp prst="textNoShape">
+              <a:avLst/>
+            </a:prstTxWarp>
+            <a:spAutoFit/>
+          </a:bodyPr>
+          <a:lstStyle/>
+          <a:p>
+            <a:pPr marL="0" marR="0" lvl="0" indent="0" algn="l" defTabSz="914400" rtl="0" eaLnBrk="0" fontAlgn="base" latinLnBrk="0" hangingPunct="0">
+              <a:lnSpc>
+                <a:spcPct val="100000"/>
+              </a:lnSpc>
+              <a:spcBef>
+                <a:spcPct val="0"/>
+              </a:spcBef>
+              <a:spcAft>
+                <a:spcPct val="0"/>
+              </a:spcAft>
+              <a:buClrTx/>
+              <a:buSzTx/>
+              <a:buFontTx/>
+              <a:buNone/>
+              <a:tabLst/>
+            </a:pPr>
+            <a:br>
+              <a:rPr kumimoji="0" lang="ar-SA" altLang="ar-SA" sz="1800" b="0" i="0" u="none" strike="noStrike" cap="none" normalizeH="0" baseline="0">
+                <a:ln>
+                  <a:noFill/>
+                </a:ln>
+                <a:solidFill>
+                  <a:schemeClr val="tx1"/>
+                </a:solidFill>
+                <a:effectLst/>
+                <a:latin typeface="Arial" panose="020B0604020202020204" pitchFamily="34" charset="0"/>
+              </a:rPr>
+            </a:br>
+            <a:endParaRPr kumimoji="0" lang="ar-SA" altLang="ar-SA" sz="1800" b="0" i="0" u="none" strike="noStrike" cap="none" normalizeH="0" baseline="0">
+              <a:ln>
+                <a:noFill/>
+              </a:ln>
+              <a:solidFill>
+                <a:schemeClr val="tx1"/>
+              </a:solidFill>
+              <a:effectLst/>
+              <a:latin typeface="Arial" panose="020B0604020202020204" pitchFamily="34" charset="0"/>
+            </a:endParaRPr>
+          </a:p>
+        </p:txBody>
+      </p:sp>
+      <p:sp>
+        <p:nvSpPr>
+          <p:cNvPr id="9" name="TextBox 8">
+            <a:extLst>
+              <a:ext uri="{FF2B5EF4-FFF2-40B4-BE49-F238E27FC236}">
+                <a16:creationId xmlns:a16="http://schemas.microsoft.com/office/drawing/2014/main" id="{FF89C9E1-8E31-41E8-88F0-AEDDBCBBA139}"/>
+              </a:ext>
+            </a:extLst>
+          </p:cNvPr>
+          <p:cNvSpPr txBox="1"/>
+          <p:nvPr/>
+        </p:nvSpPr>
+        <p:spPr>
+          <a:xfrm>
+            <a:off x="662609" y="2223107"/>
+            <a:ext cx="8256104" cy="1938992"/>
+          </a:xfrm>
+          <a:prstGeom prst="rect">
+            <a:avLst/>
+          </a:prstGeom>
+          <a:noFill/>
+        </p:spPr>
+        <p:txBody>
+          <a:bodyPr wrap="square" rtlCol="1">
+            <a:spAutoFit/>
+          </a:bodyPr>
+          <a:lstStyle/>
+          <a:p>
+            <a:pPr marL="285750" indent="-285750">
+              <a:buFont typeface="Arial" panose="020B0604020202020204" pitchFamily="34" charset="0"/>
+              <a:buChar char="•"/>
+            </a:pPr>
+            <a:r>
+              <a:rPr lang="en-US" sz="2000" dirty="0">
+                <a:solidFill>
+                  <a:srgbClr val="000000"/>
+                </a:solidFill>
+                <a:latin typeface="Arial" panose="020B0604020202020204" pitchFamily="34" charset="0"/>
+                <a:cs typeface="Arial" panose="020B0604020202020204" pitchFamily="34" charset="0"/>
+              </a:rPr>
+              <a:t>If x[n] is a sequence with a sampling rate of F Hz and it is used to generate another sequence y[n] with desired sampling rate F’ Hz, then the sampling rate alteration is given by : </a:t>
+            </a:r>
+            <a:r>
+              <a:rPr lang="en-US" sz="2000" dirty="0">
+                <a:solidFill>
+                  <a:srgbClr val="0070C0"/>
+                </a:solidFill>
+                <a:latin typeface="Arial" panose="020B0604020202020204" pitchFamily="34" charset="0"/>
+                <a:cs typeface="Arial" panose="020B0604020202020204" pitchFamily="34" charset="0"/>
+              </a:rPr>
+              <a:t>F’/F = R</a:t>
+            </a:r>
+          </a:p>
+          <a:p>
+            <a:endParaRPr lang="en-US" sz="2000" dirty="0">
+              <a:solidFill>
+                <a:srgbClr val="000000"/>
+              </a:solidFill>
+              <a:latin typeface="Arial" panose="020B0604020202020204" pitchFamily="34" charset="0"/>
+              <a:cs typeface="Arial" panose="020B0604020202020204" pitchFamily="34" charset="0"/>
+            </a:endParaRPr>
+          </a:p>
+          <a:p>
+            <a:endParaRPr lang="en-US" sz="2000" dirty="0">
+              <a:latin typeface="Arial" panose="020B0604020202020204" pitchFamily="34" charset="0"/>
+              <a:cs typeface="Arial" panose="020B0604020202020204" pitchFamily="34" charset="0"/>
+            </a:endParaRPr>
+          </a:p>
+          <a:p>
+            <a:endParaRPr lang="ar-SA" sz="2000" dirty="0">
+              <a:latin typeface="Arial" panose="020B0604020202020204" pitchFamily="34" charset="0"/>
+              <a:cs typeface="Arial" panose="020B0604020202020204" pitchFamily="34" charset="0"/>
+            </a:endParaRPr>
+          </a:p>
+        </p:txBody>
+      </p:sp>
+      <p:sp>
+        <p:nvSpPr>
+          <p:cNvPr id="11" name="Rectangle 3">
+            <a:extLst>
+              <a:ext uri="{FF2B5EF4-FFF2-40B4-BE49-F238E27FC236}">
+                <a16:creationId xmlns:a16="http://schemas.microsoft.com/office/drawing/2014/main" id="{A691CE6E-0CFC-46D0-9CC1-7534E6DAC8FF}"/>
+              </a:ext>
+            </a:extLst>
+          </p:cNvPr>
+          <p:cNvSpPr>
+            <a:spLocks noChangeArrowheads="1"/>
+          </p:cNvSpPr>
+          <p:nvPr/>
+        </p:nvSpPr>
+        <p:spPr bwMode="auto">
+          <a:xfrm>
+            <a:off x="2357438" y="3735388"/>
+            <a:ext cx="12192000" cy="0"/>
+          </a:xfrm>
+          <a:prstGeom prst="rect">
+            <a:avLst/>
+          </a:prstGeom>
+          <a:noFill/>
+          <a:ln>
+            <a:noFill/>
+          </a:ln>
+          <a:effectLst/>
+          <a:extLst>
+            <a:ext uri="{909E8E84-426E-40DD-AFC4-6F175D3DCCD1}">
+              <a14:hiddenFill xmlns:a14="http://schemas.microsoft.com/office/drawing/2010/main">
+                <a:solidFill>
+                  <a:schemeClr val="accent1"/>
+                </a:solidFill>
+              </a14:hiddenFill>
+            </a:ext>
+            <a:ext uri="{91240B29-F687-4F45-9708-019B960494DF}">
+              <a14:hiddenLine xmlns:a14="http://schemas.microsoft.com/office/drawing/2010/main" w="9525">
+                <a:solidFill>
+                  <a:schemeClr val="tx1"/>
+                </a:solidFill>
+                <a:miter lim="800000"/>
+                <a:headEnd/>
+                <a:tailEnd/>
+              </a14:hiddenLine>
+            </a:ext>
+            <a:ext uri="{AF507438-7753-43E0-B8FC-AC1667EBCBE1}">
+              <a14:hiddenEffects xmlns:a14="http://schemas.microsoft.com/office/drawing/2010/main">
+                <a:effectLst>
+                  <a:outerShdw dist="35921" dir="2700000" algn="ctr" rotWithShape="0">
+                    <a:schemeClr val="bg2"/>
+                  </a:outerShdw>
+                </a:effectLst>
+              </a14:hiddenEffects>
+            </a:ext>
+          </a:extLst>
+        </p:spPr>
+        <p:txBody>
+          <a:bodyPr vert="horz" wrap="none" lIns="91440" tIns="45720" rIns="91440" bIns="45720" numCol="1" anchor="ctr" anchorCtr="0" compatLnSpc="1">
+            <a:prstTxWarp prst="textNoShape">
+              <a:avLst/>
+            </a:prstTxWarp>
+            <a:spAutoFit/>
+          </a:bodyPr>
+          <a:lstStyle/>
+          <a:p>
+            <a:pPr marL="0" marR="0" lvl="0" indent="0" algn="l" defTabSz="914400" rtl="0" eaLnBrk="0" fontAlgn="base" latinLnBrk="0" hangingPunct="0">
+              <a:lnSpc>
+                <a:spcPct val="100000"/>
+              </a:lnSpc>
+              <a:spcBef>
+                <a:spcPct val="0"/>
+              </a:spcBef>
+              <a:spcAft>
+                <a:spcPct val="0"/>
+              </a:spcAft>
+              <a:buClrTx/>
+              <a:buSzTx/>
+              <a:buFontTx/>
+              <a:buNone/>
+              <a:tabLst/>
+            </a:pPr>
+            <a:br>
+              <a:rPr kumimoji="0" lang="ar-SA" altLang="ar-SA" sz="1800" b="0" i="0" u="none" strike="noStrike" cap="none" normalizeH="0" baseline="0">
+                <a:ln>
+                  <a:noFill/>
+                </a:ln>
+                <a:solidFill>
+                  <a:schemeClr val="tx1"/>
+                </a:solidFill>
+                <a:effectLst/>
+                <a:latin typeface="Arial" panose="020B0604020202020204" pitchFamily="34" charset="0"/>
+              </a:rPr>
+            </a:br>
+            <a:endParaRPr kumimoji="0" lang="ar-SA" altLang="ar-SA" sz="1800" b="0" i="0" u="none" strike="noStrike" cap="none" normalizeH="0" baseline="0">
+              <a:ln>
+                <a:noFill/>
+              </a:ln>
+              <a:solidFill>
+                <a:schemeClr val="tx1"/>
+              </a:solidFill>
+              <a:effectLst/>
+              <a:latin typeface="Arial" panose="020B0604020202020204" pitchFamily="34" charset="0"/>
+            </a:endParaRPr>
+          </a:p>
+        </p:txBody>
+      </p:sp>
+      <p:sp>
+        <p:nvSpPr>
+          <p:cNvPr id="12" name="TextBox 11">
+            <a:extLst>
+              <a:ext uri="{FF2B5EF4-FFF2-40B4-BE49-F238E27FC236}">
+                <a16:creationId xmlns:a16="http://schemas.microsoft.com/office/drawing/2014/main" id="{8DCC8D07-74B2-43AC-A190-38364B48579F}"/>
+              </a:ext>
+            </a:extLst>
+          </p:cNvPr>
+          <p:cNvSpPr txBox="1"/>
+          <p:nvPr/>
+        </p:nvSpPr>
+        <p:spPr>
+          <a:xfrm>
+            <a:off x="1257507" y="3416786"/>
+            <a:ext cx="8577055" cy="1938992"/>
+          </a:xfrm>
+          <a:prstGeom prst="rect">
+            <a:avLst/>
+          </a:prstGeom>
+          <a:noFill/>
+        </p:spPr>
+        <p:txBody>
+          <a:bodyPr wrap="square" rtlCol="1">
+            <a:spAutoFit/>
+          </a:bodyPr>
+          <a:lstStyle/>
+          <a:p>
+            <a:pPr marL="342900" indent="-342900">
+              <a:buFont typeface="+mj-lt"/>
+              <a:buAutoNum type="arabicPeriod"/>
+            </a:pPr>
+            <a:r>
+              <a:rPr lang="en-US" sz="2000" dirty="0">
+                <a:solidFill>
+                  <a:srgbClr val="002060"/>
+                </a:solidFill>
+                <a:latin typeface="Arial" panose="020B0604020202020204" pitchFamily="34" charset="0"/>
+                <a:cs typeface="Arial" panose="020B0604020202020204" pitchFamily="34" charset="0"/>
+              </a:rPr>
+              <a:t>If R &gt; 1, the process is called interpolation and results in a sequence with higher sampling rate.</a:t>
+            </a:r>
+          </a:p>
+          <a:p>
+            <a:pPr marL="342900" indent="-342900">
+              <a:buFont typeface="+mj-lt"/>
+              <a:buAutoNum type="arabicPeriod"/>
+            </a:pPr>
+            <a:r>
+              <a:rPr lang="en-US" sz="2000" dirty="0">
+                <a:solidFill>
+                  <a:srgbClr val="002060"/>
+                </a:solidFill>
+                <a:latin typeface="Arial" panose="020B0604020202020204" pitchFamily="34" charset="0"/>
+                <a:cs typeface="Arial" panose="020B0604020202020204" pitchFamily="34" charset="0"/>
+              </a:rPr>
+              <a:t>If R&lt; 1, the process is called decimation and results in a sequence with lower sampling rate.</a:t>
+            </a:r>
+          </a:p>
+          <a:p>
+            <a:endParaRPr lang="en-US" sz="2000" dirty="0">
+              <a:solidFill>
+                <a:srgbClr val="002060"/>
+              </a:solidFill>
+              <a:latin typeface="Arial" panose="020B0604020202020204" pitchFamily="34" charset="0"/>
+              <a:cs typeface="Arial" panose="020B0604020202020204" pitchFamily="34" charset="0"/>
+            </a:endParaRPr>
+          </a:p>
+          <a:p>
+            <a:endParaRPr lang="ar-SA" sz="2000" dirty="0">
+              <a:solidFill>
+                <a:srgbClr val="002060"/>
+              </a:solidFill>
+              <a:latin typeface="Arial" panose="020B0604020202020204" pitchFamily="34" charset="0"/>
+              <a:cs typeface="Arial" panose="020B0604020202020204" pitchFamily="34" charset="0"/>
+            </a:endParaRPr>
+          </a:p>
+        </p:txBody>
+      </p:sp>
+      <p:sp>
+        <p:nvSpPr>
+          <p:cNvPr id="14" name="Rectangle 4">
+            <a:extLst>
+              <a:ext uri="{FF2B5EF4-FFF2-40B4-BE49-F238E27FC236}">
+                <a16:creationId xmlns:a16="http://schemas.microsoft.com/office/drawing/2014/main" id="{FD5ABD8B-F980-4105-BD03-E866B2208111}"/>
+              </a:ext>
+            </a:extLst>
+          </p:cNvPr>
+          <p:cNvSpPr>
+            <a:spLocks noChangeArrowheads="1"/>
+          </p:cNvSpPr>
+          <p:nvPr/>
+        </p:nvSpPr>
+        <p:spPr bwMode="auto">
+          <a:xfrm>
+            <a:off x="1257507" y="4909483"/>
+            <a:ext cx="12192000" cy="0"/>
+          </a:xfrm>
+          <a:prstGeom prst="rect">
+            <a:avLst/>
+          </a:prstGeom>
+          <a:noFill/>
+          <a:ln>
+            <a:noFill/>
+          </a:ln>
+          <a:effectLst/>
+          <a:extLst>
+            <a:ext uri="{909E8E84-426E-40DD-AFC4-6F175D3DCCD1}">
+              <a14:hiddenFill xmlns:a14="http://schemas.microsoft.com/office/drawing/2010/main">
+                <a:solidFill>
+                  <a:schemeClr val="accent1"/>
+                </a:solidFill>
+              </a14:hiddenFill>
+            </a:ext>
+            <a:ext uri="{91240B29-F687-4F45-9708-019B960494DF}">
+              <a14:hiddenLine xmlns:a14="http://schemas.microsoft.com/office/drawing/2010/main" w="9525">
+                <a:solidFill>
+                  <a:schemeClr val="tx1"/>
+                </a:solidFill>
+                <a:miter lim="800000"/>
+                <a:headEnd/>
+                <a:tailEnd/>
+              </a14:hiddenLine>
+            </a:ext>
+            <a:ext uri="{AF507438-7753-43E0-B8FC-AC1667EBCBE1}">
+              <a14:hiddenEffects xmlns:a14="http://schemas.microsoft.com/office/drawing/2010/main">
+                <a:effectLst>
+                  <a:outerShdw dist="35921" dir="2700000" algn="ctr" rotWithShape="0">
+                    <a:schemeClr val="bg2"/>
+                  </a:outerShdw>
+                </a:effectLst>
+              </a14:hiddenEffects>
+            </a:ext>
+          </a:extLst>
+        </p:spPr>
+        <p:txBody>
+          <a:bodyPr vert="horz" wrap="none" lIns="91440" tIns="45720" rIns="91440" bIns="45720" numCol="1" anchor="ctr" anchorCtr="0" compatLnSpc="1">
+            <a:prstTxWarp prst="textNoShape">
+              <a:avLst/>
+            </a:prstTxWarp>
+            <a:spAutoFit/>
+          </a:bodyPr>
+          <a:lstStyle/>
+          <a:p>
+            <a:pPr marL="0" marR="0" lvl="0" indent="0" algn="l" defTabSz="914400" rtl="0" eaLnBrk="0" fontAlgn="base" latinLnBrk="0" hangingPunct="0">
+              <a:lnSpc>
+                <a:spcPct val="100000"/>
+              </a:lnSpc>
+              <a:spcBef>
+                <a:spcPct val="0"/>
+              </a:spcBef>
+              <a:spcAft>
+                <a:spcPct val="0"/>
+              </a:spcAft>
+              <a:buClrTx/>
+              <a:buSzTx/>
+              <a:buFontTx/>
+              <a:buNone/>
+              <a:tabLst/>
+            </a:pPr>
+            <a:br>
+              <a:rPr kumimoji="0" lang="ar-SA" altLang="ar-SA" sz="1800" b="0" i="0" u="none" strike="noStrike" cap="none" normalizeH="0" baseline="0">
+                <a:ln>
+                  <a:noFill/>
+                </a:ln>
+                <a:solidFill>
+                  <a:schemeClr val="tx1"/>
+                </a:solidFill>
+                <a:effectLst/>
+                <a:latin typeface="Arial" panose="020B0604020202020204" pitchFamily="34" charset="0"/>
+              </a:rPr>
+            </a:br>
+            <a:endParaRPr kumimoji="0" lang="ar-SA" altLang="ar-SA" sz="1800" b="0" i="0" u="none" strike="noStrike" cap="none" normalizeH="0" baseline="0">
+              <a:ln>
+                <a:noFill/>
+              </a:ln>
+              <a:solidFill>
+                <a:schemeClr val="tx1"/>
+              </a:solidFill>
+              <a:effectLst/>
+              <a:latin typeface="Arial" panose="020B0604020202020204" pitchFamily="34" charset="0"/>
+            </a:endParaRPr>
+          </a:p>
+        </p:txBody>
+      </p:sp>
+    </p:spTree>
+    <p:extLst>
+      <p:ext uri="{BB962C8B-B14F-4D97-AF65-F5344CB8AC3E}">
+        <p14:creationId xmlns:p14="http://schemas.microsoft.com/office/powerpoint/2010/main" val="2241201368"/>
+      </p:ext>
+    </p:extLst>
+  </p:cSld>
+  <p:clrMapOvr>
+    <a:masterClrMapping/>
+  </p:clrMapOvr>
+</p:sld>
+</file>
+
+<file path=ppt/slides/slide16.xml><?xml version="1.0" encoding="utf-8"?>
+<p:sld xmlns:a="http://schemas.openxmlformats.org/drawingml/2006/main" xmlns:r="http://schemas.openxmlformats.org/officeDocument/2006/relationships" xmlns:p="http://schemas.openxmlformats.org/presentationml/2006/main">
+  <p:cSld>
+    <p:spTree>
+      <p:nvGrpSpPr>
+        <p:cNvPr id="1" name=""/>
+        <p:cNvGrpSpPr/>
+        <p:nvPr/>
+      </p:nvGrpSpPr>
+      <p:grpSpPr>
+        <a:xfrm>
+          <a:off x="0" y="0"/>
+          <a:ext cx="0" cy="0"/>
+          <a:chOff x="0" y="0"/>
+          <a:chExt cx="0" cy="0"/>
+        </a:xfrm>
+      </p:grpSpPr>
+      <p:sp>
+        <p:nvSpPr>
+          <p:cNvPr id="3" name="Rectangle 1">
+            <a:extLst>
+              <a:ext uri="{FF2B5EF4-FFF2-40B4-BE49-F238E27FC236}">
+                <a16:creationId xmlns:a16="http://schemas.microsoft.com/office/drawing/2014/main" id="{2D6540E3-9C70-49AE-BBD3-5FF16CE56113}"/>
+              </a:ext>
+            </a:extLst>
+          </p:cNvPr>
+          <p:cNvSpPr>
+            <a:spLocks noChangeArrowheads="1"/>
+          </p:cNvSpPr>
+          <p:nvPr/>
+        </p:nvSpPr>
+        <p:spPr bwMode="auto">
+          <a:xfrm>
+            <a:off x="2357438" y="3948113"/>
+            <a:ext cx="12192000" cy="0"/>
+          </a:xfrm>
+          <a:prstGeom prst="rect">
+            <a:avLst/>
+          </a:prstGeom>
+          <a:noFill/>
+          <a:ln>
+            <a:noFill/>
+          </a:ln>
+          <a:effectLst/>
+          <a:extLst>
+            <a:ext uri="{909E8E84-426E-40DD-AFC4-6F175D3DCCD1}">
+              <a14:hiddenFill xmlns:a14="http://schemas.microsoft.com/office/drawing/2010/main">
+                <a:solidFill>
+                  <a:schemeClr val="accent1"/>
+                </a:solidFill>
+              </a14:hiddenFill>
+            </a:ext>
+            <a:ext uri="{91240B29-F687-4F45-9708-019B960494DF}">
+              <a14:hiddenLine xmlns:a14="http://schemas.microsoft.com/office/drawing/2010/main" w="9525">
+                <a:solidFill>
+                  <a:schemeClr val="tx1"/>
+                </a:solidFill>
+                <a:miter lim="800000"/>
+                <a:headEnd/>
+                <a:tailEnd/>
+              </a14:hiddenLine>
+            </a:ext>
+            <a:ext uri="{AF507438-7753-43E0-B8FC-AC1667EBCBE1}">
+              <a14:hiddenEffects xmlns:a14="http://schemas.microsoft.com/office/drawing/2010/main">
+                <a:effectLst>
+                  <a:outerShdw dist="35921" dir="2700000" algn="ctr" rotWithShape="0">
+                    <a:schemeClr val="bg2"/>
+                  </a:outerShdw>
+                </a:effectLst>
+              </a14:hiddenEffects>
+            </a:ext>
+          </a:extLst>
+        </p:spPr>
+        <p:txBody>
+          <a:bodyPr vert="horz" wrap="none" lIns="91440" tIns="45720" rIns="91440" bIns="45720" numCol="1" anchor="ctr" anchorCtr="0" compatLnSpc="1">
+            <a:prstTxWarp prst="textNoShape">
+              <a:avLst/>
+            </a:prstTxWarp>
+            <a:spAutoFit/>
+          </a:bodyPr>
+          <a:lstStyle/>
+          <a:p>
+            <a:pPr marL="0" marR="0" lvl="0" indent="0" algn="l" defTabSz="914400" rtl="0" eaLnBrk="0" fontAlgn="base" latinLnBrk="0" hangingPunct="0">
+              <a:lnSpc>
+                <a:spcPct val="100000"/>
+              </a:lnSpc>
+              <a:spcBef>
+                <a:spcPct val="0"/>
+              </a:spcBef>
+              <a:spcAft>
+                <a:spcPct val="0"/>
+              </a:spcAft>
+              <a:buClrTx/>
+              <a:buSzTx/>
+              <a:buFontTx/>
+              <a:buNone/>
+              <a:tabLst/>
+            </a:pPr>
+            <a:br>
+              <a:rPr kumimoji="0" lang="ar-SA" altLang="ar-SA" sz="1800" b="0" i="0" u="none" strike="noStrike" cap="none" normalizeH="0" baseline="0">
+                <a:ln>
+                  <a:noFill/>
+                </a:ln>
+                <a:solidFill>
+                  <a:schemeClr val="tx1"/>
+                </a:solidFill>
+                <a:effectLst/>
+                <a:latin typeface="Arial" panose="020B0604020202020204" pitchFamily="34" charset="0"/>
+              </a:rPr>
+            </a:br>
+            <a:endParaRPr kumimoji="0" lang="ar-SA" altLang="ar-SA" sz="1800" b="0" i="0" u="none" strike="noStrike" cap="none" normalizeH="0" baseline="0">
+              <a:ln>
+                <a:noFill/>
+              </a:ln>
+              <a:solidFill>
+                <a:schemeClr val="tx1"/>
+              </a:solidFill>
+              <a:effectLst/>
+              <a:latin typeface="Arial" panose="020B0604020202020204" pitchFamily="34" charset="0"/>
+            </a:endParaRPr>
+          </a:p>
+        </p:txBody>
+      </p:sp>
+      <p:sp>
+        <p:nvSpPr>
+          <p:cNvPr id="4" name="TextBox 3">
+            <a:extLst>
+              <a:ext uri="{FF2B5EF4-FFF2-40B4-BE49-F238E27FC236}">
+                <a16:creationId xmlns:a16="http://schemas.microsoft.com/office/drawing/2014/main" id="{9F4859E1-24D2-46C6-A848-2AA58EFFB264}"/>
+              </a:ext>
+            </a:extLst>
+          </p:cNvPr>
+          <p:cNvSpPr txBox="1"/>
+          <p:nvPr/>
+        </p:nvSpPr>
+        <p:spPr>
+          <a:xfrm>
+            <a:off x="649357" y="543339"/>
+            <a:ext cx="5221356" cy="738664"/>
+          </a:xfrm>
+          <a:prstGeom prst="rect">
+            <a:avLst/>
+          </a:prstGeom>
+          <a:noFill/>
+        </p:spPr>
+        <p:txBody>
+          <a:bodyPr wrap="square" rtlCol="1">
+            <a:spAutoFit/>
+          </a:bodyPr>
+          <a:lstStyle/>
+          <a:p>
+            <a:pPr marL="342900" indent="-342900">
+              <a:buFont typeface="+mj-lt"/>
+              <a:buAutoNum type="arabicPeriod"/>
+            </a:pPr>
+            <a:r>
+              <a:rPr lang="en-US" sz="2400" dirty="0">
+                <a:solidFill>
+                  <a:schemeClr val="accent2">
+                    <a:lumMod val="50000"/>
+                  </a:schemeClr>
+                </a:solidFill>
+              </a:rPr>
+              <a:t>DOWNSAMPLE:</a:t>
+            </a:r>
+          </a:p>
+          <a:p>
+            <a:endParaRPr lang="ar-SA" dirty="0"/>
+          </a:p>
+        </p:txBody>
+      </p:sp>
+      <p:sp>
+        <p:nvSpPr>
+          <p:cNvPr id="6" name="Rectangle 2">
+            <a:extLst>
+              <a:ext uri="{FF2B5EF4-FFF2-40B4-BE49-F238E27FC236}">
+                <a16:creationId xmlns:a16="http://schemas.microsoft.com/office/drawing/2014/main" id="{9B8FBB0F-C424-43D0-A0A0-2A8BA1119B35}"/>
+              </a:ext>
+            </a:extLst>
+          </p:cNvPr>
+          <p:cNvSpPr>
+            <a:spLocks noChangeArrowheads="1"/>
+          </p:cNvSpPr>
+          <p:nvPr/>
+        </p:nvSpPr>
+        <p:spPr bwMode="auto">
+          <a:xfrm>
+            <a:off x="2357438" y="3629025"/>
+            <a:ext cx="12192000" cy="0"/>
+          </a:xfrm>
+          <a:prstGeom prst="rect">
+            <a:avLst/>
+          </a:prstGeom>
+          <a:noFill/>
+          <a:ln>
+            <a:noFill/>
+          </a:ln>
+          <a:effectLst/>
+          <a:extLst>
+            <a:ext uri="{909E8E84-426E-40DD-AFC4-6F175D3DCCD1}">
+              <a14:hiddenFill xmlns:a14="http://schemas.microsoft.com/office/drawing/2010/main">
+                <a:solidFill>
+                  <a:schemeClr val="accent1"/>
+                </a:solidFill>
+              </a14:hiddenFill>
+            </a:ext>
+            <a:ext uri="{91240B29-F687-4F45-9708-019B960494DF}">
+              <a14:hiddenLine xmlns:a14="http://schemas.microsoft.com/office/drawing/2010/main" w="9525">
+                <a:solidFill>
+                  <a:schemeClr val="tx1"/>
+                </a:solidFill>
+                <a:miter lim="800000"/>
+                <a:headEnd/>
+                <a:tailEnd/>
+              </a14:hiddenLine>
+            </a:ext>
+            <a:ext uri="{AF507438-7753-43E0-B8FC-AC1667EBCBE1}">
+              <a14:hiddenEffects xmlns:a14="http://schemas.microsoft.com/office/drawing/2010/main">
+                <a:effectLst>
+                  <a:outerShdw dist="35921" dir="2700000" algn="ctr" rotWithShape="0">
+                    <a:schemeClr val="bg2"/>
+                  </a:outerShdw>
+                </a:effectLst>
+              </a14:hiddenEffects>
+            </a:ext>
+          </a:extLst>
+        </p:spPr>
+        <p:txBody>
+          <a:bodyPr vert="horz" wrap="none" lIns="91440" tIns="45720" rIns="91440" bIns="45720" numCol="1" anchor="ctr" anchorCtr="0" compatLnSpc="1">
+            <a:prstTxWarp prst="textNoShape">
+              <a:avLst/>
+            </a:prstTxWarp>
+            <a:spAutoFit/>
+          </a:bodyPr>
+          <a:lstStyle/>
+          <a:p>
+            <a:pPr marL="0" marR="0" lvl="0" indent="0" algn="l" defTabSz="914400" rtl="0" eaLnBrk="0" fontAlgn="base" latinLnBrk="0" hangingPunct="0">
+              <a:lnSpc>
+                <a:spcPct val="100000"/>
+              </a:lnSpc>
+              <a:spcBef>
+                <a:spcPct val="0"/>
+              </a:spcBef>
+              <a:spcAft>
+                <a:spcPct val="0"/>
+              </a:spcAft>
+              <a:buClrTx/>
+              <a:buSzTx/>
+              <a:buFontTx/>
+              <a:buNone/>
+              <a:tabLst/>
+            </a:pPr>
+            <a:br>
+              <a:rPr kumimoji="0" lang="ar-SA" altLang="ar-SA" sz="1800" b="0" i="0" u="none" strike="noStrike" cap="none" normalizeH="0" baseline="0">
+                <a:ln>
+                  <a:noFill/>
+                </a:ln>
+                <a:solidFill>
+                  <a:schemeClr val="tx1"/>
+                </a:solidFill>
+                <a:effectLst/>
+                <a:latin typeface="Arial" panose="020B0604020202020204" pitchFamily="34" charset="0"/>
+              </a:rPr>
+            </a:br>
+            <a:endParaRPr kumimoji="0" lang="ar-SA" altLang="ar-SA" sz="1800" b="0" i="0" u="none" strike="noStrike" cap="none" normalizeH="0" baseline="0">
+              <a:ln>
+                <a:noFill/>
+              </a:ln>
+              <a:solidFill>
+                <a:schemeClr val="tx1"/>
+              </a:solidFill>
+              <a:effectLst/>
+              <a:latin typeface="Arial" panose="020B0604020202020204" pitchFamily="34" charset="0"/>
+            </a:endParaRPr>
+          </a:p>
+        </p:txBody>
+      </p:sp>
+      <p:sp>
+        <p:nvSpPr>
+          <p:cNvPr id="7" name="TextBox 6">
+            <a:extLst>
+              <a:ext uri="{FF2B5EF4-FFF2-40B4-BE49-F238E27FC236}">
+                <a16:creationId xmlns:a16="http://schemas.microsoft.com/office/drawing/2014/main" id="{407297B0-C520-4E91-A019-1548ADE33D55}"/>
+              </a:ext>
+            </a:extLst>
+          </p:cNvPr>
+          <p:cNvSpPr txBox="1"/>
+          <p:nvPr/>
+        </p:nvSpPr>
+        <p:spPr>
+          <a:xfrm>
+            <a:off x="980661" y="1217590"/>
+            <a:ext cx="7315200" cy="1292662"/>
+          </a:xfrm>
+          <a:prstGeom prst="rect">
+            <a:avLst/>
+          </a:prstGeom>
+          <a:noFill/>
+        </p:spPr>
+        <p:txBody>
+          <a:bodyPr wrap="square" rtlCol="1">
+            <a:spAutoFit/>
+          </a:bodyPr>
+          <a:lstStyle/>
+          <a:p>
+            <a:r>
+              <a:rPr lang="en-US" sz="2000" dirty="0">
+                <a:solidFill>
+                  <a:srgbClr val="000000"/>
+                </a:solidFill>
+                <a:latin typeface="Arial" panose="020B0604020202020204" pitchFamily="34" charset="0"/>
+                <a:cs typeface="Arial" panose="020B0604020202020204" pitchFamily="34" charset="0"/>
+              </a:rPr>
+              <a:t>Down sampling operation by an integer factor </a:t>
+            </a:r>
+            <a:r>
+              <a:rPr lang="en-US" sz="2000" dirty="0">
+                <a:solidFill>
+                  <a:srgbClr val="0070C0"/>
+                </a:solidFill>
+                <a:latin typeface="Arial" panose="020B0604020202020204" pitchFamily="34" charset="0"/>
+                <a:cs typeface="Arial" panose="020B0604020202020204" pitchFamily="34" charset="0"/>
+              </a:rPr>
+              <a:t>M</a:t>
+            </a:r>
+            <a:r>
+              <a:rPr lang="en-US" sz="2000" dirty="0">
+                <a:solidFill>
+                  <a:srgbClr val="000000"/>
+                </a:solidFill>
+                <a:latin typeface="Arial" panose="020B0604020202020204" pitchFamily="34" charset="0"/>
+                <a:cs typeface="Arial" panose="020B0604020202020204" pitchFamily="34" charset="0"/>
+              </a:rPr>
+              <a:t> (M&gt;1) on a sequence x[n] consists of keeping every </a:t>
+            </a:r>
+            <a:r>
+              <a:rPr lang="en-US" sz="2000" dirty="0" err="1">
+                <a:solidFill>
+                  <a:srgbClr val="000000"/>
+                </a:solidFill>
+                <a:latin typeface="Arial" panose="020B0604020202020204" pitchFamily="34" charset="0"/>
+                <a:cs typeface="Arial" panose="020B0604020202020204" pitchFamily="34" charset="0"/>
+              </a:rPr>
+              <a:t>Mth</a:t>
+            </a:r>
+            <a:r>
+              <a:rPr lang="en-US" sz="2000" dirty="0">
+                <a:solidFill>
+                  <a:srgbClr val="000000"/>
+                </a:solidFill>
+                <a:latin typeface="Arial" panose="020B0604020202020204" pitchFamily="34" charset="0"/>
+                <a:cs typeface="Arial" panose="020B0604020202020204" pitchFamily="34" charset="0"/>
+              </a:rPr>
+              <a:t> sample of x[n] and </a:t>
+            </a:r>
+            <a:r>
+              <a:rPr lang="en-US" sz="2000" dirty="0">
+                <a:solidFill>
+                  <a:srgbClr val="0070C0"/>
+                </a:solidFill>
+                <a:latin typeface="Arial" panose="020B0604020202020204" pitchFamily="34" charset="0"/>
+                <a:cs typeface="Arial" panose="020B0604020202020204" pitchFamily="34" charset="0"/>
+              </a:rPr>
+              <a:t>removing M-1 </a:t>
+            </a:r>
+            <a:r>
+              <a:rPr lang="en-US" sz="2000" dirty="0">
+                <a:solidFill>
+                  <a:srgbClr val="000000"/>
+                </a:solidFill>
+                <a:latin typeface="Arial" panose="020B0604020202020204" pitchFamily="34" charset="0"/>
+                <a:cs typeface="Arial" panose="020B0604020202020204" pitchFamily="34" charset="0"/>
+              </a:rPr>
+              <a:t>in between samples.</a:t>
+            </a:r>
+            <a:endParaRPr lang="en-US" sz="2000" dirty="0">
+              <a:latin typeface="Arial" panose="020B0604020202020204" pitchFamily="34" charset="0"/>
+              <a:cs typeface="Arial" panose="020B0604020202020204" pitchFamily="34" charset="0"/>
+            </a:endParaRPr>
+          </a:p>
+          <a:p>
+            <a:endParaRPr lang="ar-SA" dirty="0"/>
+          </a:p>
+        </p:txBody>
+      </p:sp>
+      <p:sp>
+        <p:nvSpPr>
+          <p:cNvPr id="8" name="TextBox 7">
+            <a:extLst>
+              <a:ext uri="{FF2B5EF4-FFF2-40B4-BE49-F238E27FC236}">
+                <a16:creationId xmlns:a16="http://schemas.microsoft.com/office/drawing/2014/main" id="{1A099FCF-7187-43EB-9AD3-173A83656774}"/>
+              </a:ext>
+            </a:extLst>
+          </p:cNvPr>
+          <p:cNvSpPr txBox="1"/>
+          <p:nvPr/>
+        </p:nvSpPr>
+        <p:spPr>
+          <a:xfrm>
+            <a:off x="980660" y="2629003"/>
+            <a:ext cx="7739269" cy="3970318"/>
+          </a:xfrm>
+          <a:prstGeom prst="rect">
+            <a:avLst/>
+          </a:prstGeom>
+          <a:noFill/>
+        </p:spPr>
+        <p:txBody>
+          <a:bodyPr wrap="square" rtlCol="1">
+            <a:spAutoFit/>
+          </a:bodyPr>
+          <a:lstStyle/>
+          <a:p>
+            <a:r>
+              <a:rPr lang="en-US" u="sng" dirty="0">
+                <a:solidFill>
+                  <a:srgbClr val="002060"/>
+                </a:solidFill>
+              </a:rPr>
+              <a:t>Example:</a:t>
+            </a:r>
+          </a:p>
+          <a:p>
+            <a:r>
+              <a:rPr lang="en-US" dirty="0"/>
+              <a:t>X[n]={1,2,3,4,5,6,7,8,9}  and M=3 find </a:t>
+            </a:r>
+            <a:r>
+              <a:rPr lang="en-US" dirty="0" err="1"/>
+              <a:t>Xd</a:t>
+            </a:r>
+            <a:r>
+              <a:rPr lang="en-US" dirty="0"/>
+              <a:t>[n]:</a:t>
+            </a:r>
+          </a:p>
+          <a:p>
+            <a:endParaRPr lang="en-US" dirty="0"/>
+          </a:p>
+          <a:p>
+            <a:r>
+              <a:rPr lang="en-US" dirty="0">
+                <a:solidFill>
+                  <a:srgbClr val="C00000"/>
+                </a:solidFill>
+              </a:rPr>
+              <a:t>Solution:</a:t>
+            </a:r>
+          </a:p>
+          <a:p>
+            <a:r>
+              <a:rPr lang="en-US" dirty="0" err="1"/>
+              <a:t>Xd</a:t>
+            </a:r>
+            <a:r>
+              <a:rPr lang="en-US" dirty="0"/>
+              <a:t>[n]=X[</a:t>
+            </a:r>
+            <a:r>
+              <a:rPr lang="en-US" dirty="0" err="1"/>
+              <a:t>nM</a:t>
+            </a:r>
+            <a:r>
+              <a:rPr lang="en-US" dirty="0"/>
+              <a:t>]:</a:t>
+            </a:r>
+          </a:p>
+          <a:p>
+            <a:r>
+              <a:rPr lang="en-US" dirty="0"/>
+              <a:t>n=0 ,M=3 &gt;&gt; </a:t>
+            </a:r>
+            <a:r>
+              <a:rPr lang="en-US" dirty="0" err="1"/>
+              <a:t>Xd</a:t>
+            </a:r>
+            <a:r>
+              <a:rPr lang="en-US" dirty="0"/>
+              <a:t>[0]=5,</a:t>
+            </a:r>
+          </a:p>
+          <a:p>
+            <a:r>
+              <a:rPr lang="en-US" dirty="0"/>
+              <a:t>n=1 ,M=3&gt;&gt; </a:t>
+            </a:r>
+            <a:r>
+              <a:rPr lang="en-US" dirty="0" err="1"/>
+              <a:t>Xd</a:t>
+            </a:r>
+            <a:r>
+              <a:rPr lang="en-US" dirty="0"/>
+              <a:t>[n]=8,</a:t>
+            </a:r>
+          </a:p>
+          <a:p>
+            <a:r>
+              <a:rPr lang="en-US" dirty="0"/>
+              <a:t>n=2 ,M=3&gt;&gt;</a:t>
+            </a:r>
+            <a:r>
+              <a:rPr lang="en-US" dirty="0" err="1"/>
+              <a:t>Xd</a:t>
+            </a:r>
+            <a:r>
+              <a:rPr lang="en-US" dirty="0"/>
+              <a:t>[6]=Nan</a:t>
+            </a:r>
+          </a:p>
+          <a:p>
+            <a:r>
+              <a:rPr lang="en-US" dirty="0"/>
+              <a:t>n=-1, M=3&gt;&gt; </a:t>
+            </a:r>
+            <a:r>
+              <a:rPr lang="en-US" dirty="0" err="1"/>
+              <a:t>Xd</a:t>
+            </a:r>
+            <a:r>
+              <a:rPr lang="en-US" dirty="0"/>
+              <a:t>[-3]=2</a:t>
+            </a:r>
+          </a:p>
+          <a:p>
+            <a:r>
+              <a:rPr lang="en-US" dirty="0"/>
+              <a:t>N=-2 ,M=3&gt;&gt;</a:t>
+            </a:r>
+            <a:r>
+              <a:rPr lang="en-US" dirty="0" err="1"/>
+              <a:t>Xd</a:t>
+            </a:r>
+            <a:r>
+              <a:rPr lang="en-US" dirty="0"/>
+              <a:t>[-6]=nan</a:t>
+            </a:r>
+          </a:p>
+          <a:p>
+            <a:endParaRPr lang="en-US" dirty="0"/>
+          </a:p>
+          <a:p>
+            <a:r>
+              <a:rPr lang="en-US" dirty="0"/>
+              <a:t>&gt;&gt;&gt;</a:t>
+            </a:r>
+            <a:r>
+              <a:rPr lang="en-US" dirty="0" err="1"/>
+              <a:t>Xd</a:t>
+            </a:r>
+            <a:r>
+              <a:rPr lang="en-US" dirty="0"/>
+              <a:t>[</a:t>
+            </a:r>
+            <a:r>
+              <a:rPr lang="en-US" dirty="0" err="1"/>
+              <a:t>nM</a:t>
+            </a:r>
+            <a:r>
+              <a:rPr lang="en-US" dirty="0"/>
+              <a:t>]={2,5,8]</a:t>
+            </a:r>
+          </a:p>
+          <a:p>
+            <a:endParaRPr lang="en-US" dirty="0"/>
+          </a:p>
+          <a:p>
+            <a:endParaRPr lang="ar-SA" dirty="0"/>
+          </a:p>
+        </p:txBody>
+      </p:sp>
+      <p:cxnSp>
+        <p:nvCxnSpPr>
+          <p:cNvPr id="10" name="Straight Arrow Connector 9">
+            <a:extLst>
+              <a:ext uri="{FF2B5EF4-FFF2-40B4-BE49-F238E27FC236}">
+                <a16:creationId xmlns:a16="http://schemas.microsoft.com/office/drawing/2014/main" id="{6A16E8E8-630F-44E7-9BB5-D45D53F4FD72}"/>
+              </a:ext>
+            </a:extLst>
+          </p:cNvPr>
+          <p:cNvCxnSpPr>
+            <a:cxnSpLocks/>
+          </p:cNvCxnSpPr>
+          <p:nvPr/>
+        </p:nvCxnSpPr>
+        <p:spPr>
+          <a:xfrm flipV="1">
+            <a:off x="2557669" y="3228975"/>
+            <a:ext cx="0" cy="200025"/>
+          </a:xfrm>
+          <a:prstGeom prst="straightConnector1">
+            <a:avLst/>
+          </a:prstGeom>
+          <a:ln>
+            <a:tailEnd type="triangle"/>
+          </a:ln>
+        </p:spPr>
+        <p:style>
+          <a:lnRef idx="3">
+            <a:schemeClr val="accent1"/>
+          </a:lnRef>
+          <a:fillRef idx="0">
+            <a:schemeClr val="accent1"/>
+          </a:fillRef>
+          <a:effectRef idx="2">
+            <a:schemeClr val="accent1"/>
+          </a:effectRef>
+          <a:fontRef idx="minor">
+            <a:schemeClr val="tx1"/>
+          </a:fontRef>
+        </p:style>
+      </p:cxnSp>
+      <p:cxnSp>
+        <p:nvCxnSpPr>
+          <p:cNvPr id="13" name="Straight Arrow Connector 12">
+            <a:extLst>
+              <a:ext uri="{FF2B5EF4-FFF2-40B4-BE49-F238E27FC236}">
+                <a16:creationId xmlns:a16="http://schemas.microsoft.com/office/drawing/2014/main" id="{D645AA59-EA62-4832-94B0-C8C4F4F7F571}"/>
+              </a:ext>
+            </a:extLst>
+          </p:cNvPr>
+          <p:cNvCxnSpPr/>
+          <p:nvPr/>
+        </p:nvCxnSpPr>
+        <p:spPr>
+          <a:xfrm flipV="1">
+            <a:off x="2650434" y="5950226"/>
+            <a:ext cx="0" cy="212035"/>
+          </a:xfrm>
+          <a:prstGeom prst="straightConnector1">
+            <a:avLst/>
+          </a:prstGeom>
+          <a:ln>
+            <a:tailEnd type="triangle"/>
+          </a:ln>
+        </p:spPr>
+        <p:style>
+          <a:lnRef idx="3">
+            <a:schemeClr val="accent1"/>
+          </a:lnRef>
+          <a:fillRef idx="0">
+            <a:schemeClr val="accent1"/>
+          </a:fillRef>
+          <a:effectRef idx="2">
+            <a:schemeClr val="accent1"/>
+          </a:effectRef>
+          <a:fontRef idx="minor">
+            <a:schemeClr val="tx1"/>
+          </a:fontRef>
+        </p:style>
+      </p:cxnSp>
+    </p:spTree>
+    <p:extLst>
+      <p:ext uri="{BB962C8B-B14F-4D97-AF65-F5344CB8AC3E}">
+        <p14:creationId xmlns:p14="http://schemas.microsoft.com/office/powerpoint/2010/main" val="4201072727"/>
+      </p:ext>
+    </p:extLst>
+  </p:cSld>
+  <p:clrMapOvr>
+    <a:masterClrMapping/>
+  </p:clrMapOvr>
+</p:sld>
+</file>
+
+<file path=ppt/slides/slide17.xml><?xml version="1.0" encoding="utf-8"?>
+<p:sld xmlns:a="http://schemas.openxmlformats.org/drawingml/2006/main" xmlns:r="http://schemas.openxmlformats.org/officeDocument/2006/relationships" xmlns:p="http://schemas.openxmlformats.org/presentationml/2006/main">
+  <p:cSld>
+    <p:spTree>
+      <p:nvGrpSpPr>
+        <p:cNvPr id="1" name=""/>
+        <p:cNvGrpSpPr/>
+        <p:nvPr/>
+      </p:nvGrpSpPr>
+      <p:grpSpPr>
+        <a:xfrm>
+          <a:off x="0" y="0"/>
+          <a:ext cx="0" cy="0"/>
+          <a:chOff x="0" y="0"/>
+          <a:chExt cx="0" cy="0"/>
+        </a:xfrm>
+      </p:grpSpPr>
+      <p:pic>
+        <p:nvPicPr>
+          <p:cNvPr id="2" name="Picture 1">
+            <a:extLst>
+              <a:ext uri="{FF2B5EF4-FFF2-40B4-BE49-F238E27FC236}">
+                <a16:creationId xmlns:a16="http://schemas.microsoft.com/office/drawing/2014/main" id="{C58C6561-DACA-425A-A904-BB24180D0F05}"/>
+              </a:ext>
+            </a:extLst>
+          </p:cNvPr>
+          <p:cNvPicPr>
+            <a:picLocks noChangeAspect="1"/>
+          </p:cNvPicPr>
+          <p:nvPr/>
+        </p:nvPicPr>
+        <p:blipFill>
+          <a:blip r:embed="rId2"/>
+          <a:stretch>
+            <a:fillRect/>
+          </a:stretch>
+        </p:blipFill>
+        <p:spPr>
+          <a:xfrm>
+            <a:off x="683543" y="368161"/>
+            <a:ext cx="8141480" cy="3435213"/>
+          </a:xfrm>
+          <a:prstGeom prst="rect">
+            <a:avLst/>
+          </a:prstGeom>
+        </p:spPr>
+      </p:pic>
+      <p:pic>
+        <p:nvPicPr>
+          <p:cNvPr id="3" name="Picture 2">
+            <a:extLst>
+              <a:ext uri="{FF2B5EF4-FFF2-40B4-BE49-F238E27FC236}">
+                <a16:creationId xmlns:a16="http://schemas.microsoft.com/office/drawing/2014/main" id="{7B3E94F3-515B-4BF5-AE28-5D7ED2761EA9}"/>
+              </a:ext>
+            </a:extLst>
+          </p:cNvPr>
+          <p:cNvPicPr>
+            <a:picLocks noChangeAspect="1"/>
+          </p:cNvPicPr>
+          <p:nvPr/>
+        </p:nvPicPr>
+        <p:blipFill>
+          <a:blip r:embed="rId3"/>
+          <a:stretch>
+            <a:fillRect/>
+          </a:stretch>
+        </p:blipFill>
+        <p:spPr>
+          <a:xfrm>
+            <a:off x="683543" y="4239225"/>
+            <a:ext cx="7843769" cy="2250614"/>
+          </a:xfrm>
+          <a:prstGeom prst="rect">
+            <a:avLst/>
+          </a:prstGeom>
+        </p:spPr>
+      </p:pic>
+    </p:spTree>
+    <p:extLst>
+      <p:ext uri="{BB962C8B-B14F-4D97-AF65-F5344CB8AC3E}">
+        <p14:creationId xmlns:p14="http://schemas.microsoft.com/office/powerpoint/2010/main" val="3129973860"/>
+      </p:ext>
+    </p:extLst>
+  </p:cSld>
+  <p:clrMapOvr>
+    <a:masterClrMapping/>
+  </p:clrMapOvr>
+</p:sld>
+</file>
+
+<file path=ppt/slides/slide18.xml><?xml version="1.0" encoding="utf-8"?>
+<p:sld xmlns:a="http://schemas.openxmlformats.org/drawingml/2006/main" xmlns:r="http://schemas.openxmlformats.org/officeDocument/2006/relationships" xmlns:p="http://schemas.openxmlformats.org/presentationml/2006/main">
+  <p:cSld>
+    <p:spTree>
+      <p:nvGrpSpPr>
+        <p:cNvPr id="1" name=""/>
+        <p:cNvGrpSpPr/>
+        <p:nvPr/>
+      </p:nvGrpSpPr>
+      <p:grpSpPr>
+        <a:xfrm>
+          <a:off x="0" y="0"/>
+          <a:ext cx="0" cy="0"/>
+          <a:chOff x="0" y="0"/>
+          <a:chExt cx="0" cy="0"/>
+        </a:xfrm>
+      </p:grpSpPr>
+      <p:sp>
+        <p:nvSpPr>
+          <p:cNvPr id="2" name="TextBox 1">
+            <a:extLst>
+              <a:ext uri="{FF2B5EF4-FFF2-40B4-BE49-F238E27FC236}">
+                <a16:creationId xmlns:a16="http://schemas.microsoft.com/office/drawing/2014/main" id="{059EA078-C31D-4A11-BC73-C25D3FD2A919}"/>
+              </a:ext>
+            </a:extLst>
+          </p:cNvPr>
+          <p:cNvSpPr txBox="1"/>
+          <p:nvPr/>
+        </p:nvSpPr>
+        <p:spPr>
+          <a:xfrm>
+            <a:off x="609600" y="503583"/>
+            <a:ext cx="3922643" cy="738664"/>
+          </a:xfrm>
+          <a:prstGeom prst="rect">
+            <a:avLst/>
+          </a:prstGeom>
+          <a:noFill/>
+        </p:spPr>
+        <p:txBody>
+          <a:bodyPr wrap="square" rtlCol="1">
+            <a:spAutoFit/>
+          </a:bodyPr>
+          <a:lstStyle/>
+          <a:p>
+            <a:r>
+              <a:rPr lang="en-US" sz="2400" dirty="0">
+                <a:solidFill>
+                  <a:schemeClr val="accent2">
+                    <a:lumMod val="50000"/>
+                  </a:schemeClr>
+                </a:solidFill>
+              </a:rPr>
+              <a:t>2. UPSAMPLE</a:t>
+            </a:r>
+          </a:p>
+          <a:p>
+            <a:endParaRPr lang="ar-SA" dirty="0"/>
+          </a:p>
+        </p:txBody>
+      </p:sp>
+      <p:sp>
+        <p:nvSpPr>
+          <p:cNvPr id="4" name="Rectangle 1">
+            <a:extLst>
+              <a:ext uri="{FF2B5EF4-FFF2-40B4-BE49-F238E27FC236}">
+                <a16:creationId xmlns:a16="http://schemas.microsoft.com/office/drawing/2014/main" id="{46364D88-F3C7-4424-9DE7-8E89333662DC}"/>
+              </a:ext>
+            </a:extLst>
+          </p:cNvPr>
+          <p:cNvSpPr>
+            <a:spLocks noChangeArrowheads="1"/>
+          </p:cNvSpPr>
+          <p:nvPr/>
+        </p:nvSpPr>
+        <p:spPr bwMode="auto">
+          <a:xfrm>
+            <a:off x="2357438" y="3629025"/>
+            <a:ext cx="12192000" cy="0"/>
+          </a:xfrm>
+          <a:prstGeom prst="rect">
+            <a:avLst/>
+          </a:prstGeom>
+          <a:noFill/>
+          <a:ln>
+            <a:noFill/>
+          </a:ln>
+          <a:effectLst/>
+          <a:extLst>
+            <a:ext uri="{909E8E84-426E-40DD-AFC4-6F175D3DCCD1}">
+              <a14:hiddenFill xmlns:a14="http://schemas.microsoft.com/office/drawing/2010/main">
+                <a:solidFill>
+                  <a:schemeClr val="accent1"/>
+                </a:solidFill>
+              </a14:hiddenFill>
+            </a:ext>
+            <a:ext uri="{91240B29-F687-4F45-9708-019B960494DF}">
+              <a14:hiddenLine xmlns:a14="http://schemas.microsoft.com/office/drawing/2010/main" w="9525">
+                <a:solidFill>
+                  <a:schemeClr val="tx1"/>
+                </a:solidFill>
+                <a:miter lim="800000"/>
+                <a:headEnd/>
+                <a:tailEnd/>
+              </a14:hiddenLine>
+            </a:ext>
+            <a:ext uri="{AF507438-7753-43E0-B8FC-AC1667EBCBE1}">
+              <a14:hiddenEffects xmlns:a14="http://schemas.microsoft.com/office/drawing/2010/main">
+                <a:effectLst>
+                  <a:outerShdw dist="35921" dir="2700000" algn="ctr" rotWithShape="0">
+                    <a:schemeClr val="bg2"/>
+                  </a:outerShdw>
+                </a:effectLst>
+              </a14:hiddenEffects>
+            </a:ext>
+          </a:extLst>
+        </p:spPr>
+        <p:txBody>
+          <a:bodyPr vert="horz" wrap="none" lIns="91440" tIns="45720" rIns="91440" bIns="45720" numCol="1" anchor="ctr" anchorCtr="0" compatLnSpc="1">
+            <a:prstTxWarp prst="textNoShape">
+              <a:avLst/>
+            </a:prstTxWarp>
+            <a:spAutoFit/>
+          </a:bodyPr>
+          <a:lstStyle/>
+          <a:p>
+            <a:pPr marL="0" marR="0" lvl="0" indent="0" algn="l" defTabSz="914400" rtl="0" eaLnBrk="0" fontAlgn="base" latinLnBrk="0" hangingPunct="0">
+              <a:lnSpc>
+                <a:spcPct val="100000"/>
+              </a:lnSpc>
+              <a:spcBef>
+                <a:spcPct val="0"/>
+              </a:spcBef>
+              <a:spcAft>
+                <a:spcPct val="0"/>
+              </a:spcAft>
+              <a:buClrTx/>
+              <a:buSzTx/>
+              <a:buFontTx/>
+              <a:buNone/>
+              <a:tabLst/>
+            </a:pPr>
+            <a:br>
+              <a:rPr kumimoji="0" lang="ar-SA" altLang="ar-SA" sz="1800" b="0" i="0" u="none" strike="noStrike" cap="none" normalizeH="0" baseline="0">
+                <a:ln>
+                  <a:noFill/>
+                </a:ln>
+                <a:solidFill>
+                  <a:schemeClr val="tx1"/>
+                </a:solidFill>
+                <a:effectLst/>
+                <a:latin typeface="Arial" panose="020B0604020202020204" pitchFamily="34" charset="0"/>
+              </a:rPr>
+            </a:br>
+            <a:endParaRPr kumimoji="0" lang="ar-SA" altLang="ar-SA" sz="1800" b="0" i="0" u="none" strike="noStrike" cap="none" normalizeH="0" baseline="0">
+              <a:ln>
+                <a:noFill/>
+              </a:ln>
+              <a:solidFill>
+                <a:schemeClr val="tx1"/>
+              </a:solidFill>
+              <a:effectLst/>
+              <a:latin typeface="Arial" panose="020B0604020202020204" pitchFamily="34" charset="0"/>
+            </a:endParaRPr>
+          </a:p>
+        </p:txBody>
+      </p:sp>
+      <p:sp>
+        <p:nvSpPr>
+          <p:cNvPr id="6" name="Rectangle 2">
+            <a:extLst>
+              <a:ext uri="{FF2B5EF4-FFF2-40B4-BE49-F238E27FC236}">
+                <a16:creationId xmlns:a16="http://schemas.microsoft.com/office/drawing/2014/main" id="{1C126A29-2323-4122-8BBE-4D8660C58EDE}"/>
+              </a:ext>
+            </a:extLst>
+          </p:cNvPr>
+          <p:cNvSpPr>
+            <a:spLocks noChangeArrowheads="1"/>
+          </p:cNvSpPr>
+          <p:nvPr/>
+        </p:nvSpPr>
+        <p:spPr bwMode="auto">
+          <a:xfrm>
+            <a:off x="2356644" y="3266450"/>
+            <a:ext cx="12192000" cy="0"/>
+          </a:xfrm>
+          <a:prstGeom prst="rect">
+            <a:avLst/>
+          </a:prstGeom>
+          <a:noFill/>
+          <a:ln>
+            <a:noFill/>
+          </a:ln>
+          <a:effectLst/>
+          <a:extLst>
+            <a:ext uri="{909E8E84-426E-40DD-AFC4-6F175D3DCCD1}">
+              <a14:hiddenFill xmlns:a14="http://schemas.microsoft.com/office/drawing/2010/main">
+                <a:solidFill>
+                  <a:schemeClr val="accent1"/>
+                </a:solidFill>
+              </a14:hiddenFill>
+            </a:ext>
+            <a:ext uri="{91240B29-F687-4F45-9708-019B960494DF}">
+              <a14:hiddenLine xmlns:a14="http://schemas.microsoft.com/office/drawing/2010/main" w="9525">
+                <a:solidFill>
+                  <a:schemeClr val="tx1"/>
+                </a:solidFill>
+                <a:miter lim="800000"/>
+                <a:headEnd/>
+                <a:tailEnd/>
+              </a14:hiddenLine>
+            </a:ext>
+            <a:ext uri="{AF507438-7753-43E0-B8FC-AC1667EBCBE1}">
+              <a14:hiddenEffects xmlns:a14="http://schemas.microsoft.com/office/drawing/2010/main">
+                <a:effectLst>
+                  <a:outerShdw dist="35921" dir="2700000" algn="ctr" rotWithShape="0">
+                    <a:schemeClr val="bg2"/>
+                  </a:outerShdw>
+                </a:effectLst>
+              </a14:hiddenEffects>
+            </a:ext>
+          </a:extLst>
+        </p:spPr>
+        <p:txBody>
+          <a:bodyPr vert="horz" wrap="none" lIns="91440" tIns="45720" rIns="91440" bIns="45720" numCol="1" anchor="ctr" anchorCtr="0" compatLnSpc="1">
+            <a:prstTxWarp prst="textNoShape">
+              <a:avLst/>
+            </a:prstTxWarp>
+            <a:spAutoFit/>
+          </a:bodyPr>
+          <a:lstStyle/>
+          <a:p>
+            <a:pPr marL="0" marR="0" lvl="0" indent="0" algn="l" defTabSz="914400" rtl="0" eaLnBrk="0" fontAlgn="base" latinLnBrk="0" hangingPunct="0">
+              <a:lnSpc>
+                <a:spcPct val="100000"/>
+              </a:lnSpc>
+              <a:spcBef>
+                <a:spcPct val="0"/>
+              </a:spcBef>
+              <a:spcAft>
+                <a:spcPct val="0"/>
+              </a:spcAft>
+              <a:buClrTx/>
+              <a:buSzTx/>
+              <a:buFontTx/>
+              <a:buNone/>
+              <a:tabLst/>
+            </a:pPr>
+            <a:br>
+              <a:rPr kumimoji="0" lang="ar-SA" altLang="ar-SA" sz="1800" b="0" i="0" u="none" strike="noStrike" cap="none" normalizeH="0" baseline="0">
+                <a:ln>
+                  <a:noFill/>
+                </a:ln>
+                <a:solidFill>
+                  <a:schemeClr val="tx1"/>
+                </a:solidFill>
+                <a:effectLst/>
+                <a:latin typeface="Arial" panose="020B0604020202020204" pitchFamily="34" charset="0"/>
+              </a:rPr>
+            </a:br>
+            <a:endParaRPr kumimoji="0" lang="ar-SA" altLang="ar-SA" sz="1800" b="0" i="0" u="none" strike="noStrike" cap="none" normalizeH="0" baseline="0">
+              <a:ln>
+                <a:noFill/>
+              </a:ln>
+              <a:solidFill>
+                <a:schemeClr val="tx1"/>
+              </a:solidFill>
+              <a:effectLst/>
+              <a:latin typeface="Arial" panose="020B0604020202020204" pitchFamily="34" charset="0"/>
+            </a:endParaRPr>
+          </a:p>
+        </p:txBody>
+      </p:sp>
+      <p:sp>
+        <p:nvSpPr>
+          <p:cNvPr id="7" name="TextBox 6">
+            <a:extLst>
+              <a:ext uri="{FF2B5EF4-FFF2-40B4-BE49-F238E27FC236}">
+                <a16:creationId xmlns:a16="http://schemas.microsoft.com/office/drawing/2014/main" id="{B5E8B91D-5F9D-4E2E-B849-FE487C9F758D}"/>
+              </a:ext>
+            </a:extLst>
+          </p:cNvPr>
+          <p:cNvSpPr txBox="1"/>
+          <p:nvPr/>
+        </p:nvSpPr>
+        <p:spPr>
+          <a:xfrm>
+            <a:off x="742122" y="1149914"/>
+            <a:ext cx="8110330" cy="1292662"/>
+          </a:xfrm>
+          <a:prstGeom prst="rect">
+            <a:avLst/>
+          </a:prstGeom>
+          <a:noFill/>
+        </p:spPr>
+        <p:txBody>
+          <a:bodyPr wrap="square" rtlCol="1">
+            <a:spAutoFit/>
+          </a:bodyPr>
+          <a:lstStyle/>
+          <a:p>
+            <a:pPr marL="342900" indent="-342900">
+              <a:buFont typeface="Wingdings" panose="05000000000000000000" pitchFamily="2" charset="2"/>
+              <a:buChar char="Ø"/>
+            </a:pPr>
+            <a:r>
+              <a:rPr lang="en-US" sz="2000" dirty="0">
+                <a:solidFill>
+                  <a:srgbClr val="000000"/>
+                </a:solidFill>
+                <a:latin typeface="Arial" panose="020B0604020202020204" pitchFamily="34" charset="0"/>
+                <a:cs typeface="Arial" panose="020B0604020202020204" pitchFamily="34" charset="0"/>
+              </a:rPr>
+              <a:t>Upsampling by an integer factor L (L &gt; 1) on a sequence x[n] will </a:t>
+            </a:r>
+            <a:r>
+              <a:rPr lang="en-US" sz="2000" dirty="0">
+                <a:solidFill>
+                  <a:srgbClr val="0070C0"/>
+                </a:solidFill>
+                <a:latin typeface="Arial" panose="020B0604020202020204" pitchFamily="34" charset="0"/>
+                <a:cs typeface="Arial" panose="020B0604020202020204" pitchFamily="34" charset="0"/>
+              </a:rPr>
+              <a:t>insert</a:t>
+            </a:r>
+            <a:r>
+              <a:rPr lang="en-US" sz="2000" dirty="0">
+                <a:solidFill>
+                  <a:srgbClr val="000000"/>
+                </a:solidFill>
+                <a:latin typeface="Arial" panose="020B0604020202020204" pitchFamily="34" charset="0"/>
+                <a:cs typeface="Arial" panose="020B0604020202020204" pitchFamily="34" charset="0"/>
+              </a:rPr>
+              <a:t> </a:t>
+            </a:r>
+            <a:r>
+              <a:rPr lang="en-US" sz="2000" dirty="0">
+                <a:solidFill>
+                  <a:srgbClr val="0070C0"/>
+                </a:solidFill>
+                <a:latin typeface="Arial" panose="020B0604020202020204" pitchFamily="34" charset="0"/>
+                <a:cs typeface="Arial" panose="020B0604020202020204" pitchFamily="34" charset="0"/>
+              </a:rPr>
+              <a:t>(L–1) </a:t>
+            </a:r>
+            <a:r>
+              <a:rPr lang="en-US" sz="2000" dirty="0">
+                <a:solidFill>
+                  <a:srgbClr val="000000"/>
+                </a:solidFill>
+                <a:latin typeface="Arial" panose="020B0604020202020204" pitchFamily="34" charset="0"/>
+                <a:cs typeface="Arial" panose="020B0604020202020204" pitchFamily="34" charset="0"/>
+              </a:rPr>
+              <a:t>equidistant samples between an output sequence y[n] according to the relation:</a:t>
+            </a:r>
+          </a:p>
+          <a:p>
+            <a:endParaRPr lang="ar-SA" dirty="0"/>
+          </a:p>
+        </p:txBody>
+      </p:sp>
+      <p:pic>
+        <p:nvPicPr>
+          <p:cNvPr id="8" name="Picture 7">
+            <a:extLst>
+              <a:ext uri="{FF2B5EF4-FFF2-40B4-BE49-F238E27FC236}">
+                <a16:creationId xmlns:a16="http://schemas.microsoft.com/office/drawing/2014/main" id="{7A34AE2D-C6A5-4D95-BB97-DCB6F70974FE}"/>
+              </a:ext>
+            </a:extLst>
+          </p:cNvPr>
+          <p:cNvPicPr>
+            <a:picLocks noChangeAspect="1"/>
+          </p:cNvPicPr>
+          <p:nvPr/>
+        </p:nvPicPr>
+        <p:blipFill>
+          <a:blip r:embed="rId2"/>
+          <a:stretch>
+            <a:fillRect/>
+          </a:stretch>
+        </p:blipFill>
+        <p:spPr>
+          <a:xfrm>
+            <a:off x="2690192" y="2413830"/>
+            <a:ext cx="2993955" cy="881367"/>
+          </a:xfrm>
+          <a:prstGeom prst="rect">
+            <a:avLst/>
+          </a:prstGeom>
+        </p:spPr>
+      </p:pic>
+      <p:sp>
+        <p:nvSpPr>
+          <p:cNvPr id="10" name="Rectangle 3">
+            <a:extLst>
+              <a:ext uri="{FF2B5EF4-FFF2-40B4-BE49-F238E27FC236}">
+                <a16:creationId xmlns:a16="http://schemas.microsoft.com/office/drawing/2014/main" id="{3C7EB240-DE89-4D59-BF0B-6762E388E925}"/>
+              </a:ext>
+            </a:extLst>
+          </p:cNvPr>
+          <p:cNvSpPr>
+            <a:spLocks noChangeArrowheads="1"/>
+          </p:cNvSpPr>
+          <p:nvPr/>
+        </p:nvSpPr>
+        <p:spPr bwMode="auto">
+          <a:xfrm>
+            <a:off x="2357438" y="3948113"/>
+            <a:ext cx="12192000" cy="0"/>
+          </a:xfrm>
+          <a:prstGeom prst="rect">
+            <a:avLst/>
+          </a:prstGeom>
+          <a:noFill/>
+          <a:ln>
+            <a:noFill/>
+          </a:ln>
+          <a:effectLst/>
+          <a:extLst>
+            <a:ext uri="{909E8E84-426E-40DD-AFC4-6F175D3DCCD1}">
+              <a14:hiddenFill xmlns:a14="http://schemas.microsoft.com/office/drawing/2010/main">
+                <a:solidFill>
+                  <a:schemeClr val="accent1"/>
+                </a:solidFill>
+              </a14:hiddenFill>
+            </a:ext>
+            <a:ext uri="{91240B29-F687-4F45-9708-019B960494DF}">
+              <a14:hiddenLine xmlns:a14="http://schemas.microsoft.com/office/drawing/2010/main" w="9525">
+                <a:solidFill>
+                  <a:schemeClr val="tx1"/>
+                </a:solidFill>
+                <a:miter lim="800000"/>
+                <a:headEnd/>
+                <a:tailEnd/>
+              </a14:hiddenLine>
+            </a:ext>
+            <a:ext uri="{AF507438-7753-43E0-B8FC-AC1667EBCBE1}">
+              <a14:hiddenEffects xmlns:a14="http://schemas.microsoft.com/office/drawing/2010/main">
+                <a:effectLst>
+                  <a:outerShdw dist="35921" dir="2700000" algn="ctr" rotWithShape="0">
+                    <a:schemeClr val="bg2"/>
+                  </a:outerShdw>
+                </a:effectLst>
+              </a14:hiddenEffects>
+            </a:ext>
+          </a:extLst>
+        </p:spPr>
+        <p:txBody>
+          <a:bodyPr vert="horz" wrap="none" lIns="91440" tIns="45720" rIns="91440" bIns="45720" numCol="1" anchor="ctr" anchorCtr="0" compatLnSpc="1">
+            <a:prstTxWarp prst="textNoShape">
+              <a:avLst/>
+            </a:prstTxWarp>
+            <a:spAutoFit/>
+          </a:bodyPr>
+          <a:lstStyle/>
+          <a:p>
+            <a:pPr marL="0" marR="0" lvl="0" indent="0" algn="l" defTabSz="914400" rtl="0" eaLnBrk="0" fontAlgn="base" latinLnBrk="0" hangingPunct="0">
+              <a:lnSpc>
+                <a:spcPct val="100000"/>
+              </a:lnSpc>
+              <a:spcBef>
+                <a:spcPct val="0"/>
+              </a:spcBef>
+              <a:spcAft>
+                <a:spcPct val="0"/>
+              </a:spcAft>
+              <a:buClrTx/>
+              <a:buSzTx/>
+              <a:buFontTx/>
+              <a:buNone/>
+              <a:tabLst/>
+            </a:pPr>
+            <a:br>
+              <a:rPr kumimoji="0" lang="ar-SA" altLang="ar-SA" sz="1800" b="0" i="0" u="none" strike="noStrike" cap="none" normalizeH="0" baseline="0">
+                <a:ln>
+                  <a:noFill/>
+                </a:ln>
+                <a:solidFill>
+                  <a:schemeClr val="tx1"/>
+                </a:solidFill>
+                <a:effectLst/>
+                <a:latin typeface="Arial" panose="020B0604020202020204" pitchFamily="34" charset="0"/>
+              </a:rPr>
+            </a:br>
+            <a:endParaRPr kumimoji="0" lang="ar-SA" altLang="ar-SA" sz="1800" b="0" i="0" u="none" strike="noStrike" cap="none" normalizeH="0" baseline="0">
+              <a:ln>
+                <a:noFill/>
+              </a:ln>
+              <a:solidFill>
+                <a:schemeClr val="tx1"/>
+              </a:solidFill>
+              <a:effectLst/>
+              <a:latin typeface="Arial" panose="020B0604020202020204" pitchFamily="34" charset="0"/>
+            </a:endParaRPr>
+          </a:p>
+        </p:txBody>
+      </p:sp>
+      <p:sp>
+        <p:nvSpPr>
+          <p:cNvPr id="11" name="TextBox 10">
+            <a:extLst>
+              <a:ext uri="{FF2B5EF4-FFF2-40B4-BE49-F238E27FC236}">
+                <a16:creationId xmlns:a16="http://schemas.microsoft.com/office/drawing/2014/main" id="{62471A5E-8817-49F1-8AE0-4A9771FA2DA8}"/>
+              </a:ext>
+            </a:extLst>
+          </p:cNvPr>
+          <p:cNvSpPr txBox="1"/>
+          <p:nvPr/>
+        </p:nvSpPr>
+        <p:spPr>
+          <a:xfrm>
+            <a:off x="609600" y="3468468"/>
+            <a:ext cx="7845287" cy="677108"/>
+          </a:xfrm>
+          <a:prstGeom prst="rect">
+            <a:avLst/>
+          </a:prstGeom>
+          <a:noFill/>
+        </p:spPr>
+        <p:txBody>
+          <a:bodyPr wrap="square" rtlCol="1">
+            <a:spAutoFit/>
+          </a:bodyPr>
+          <a:lstStyle/>
+          <a:p>
+            <a:pPr marL="342900" indent="-342900">
+              <a:buFont typeface="Wingdings" panose="05000000000000000000" pitchFamily="2" charset="2"/>
+              <a:buChar char="Ø"/>
+            </a:pPr>
+            <a:r>
+              <a:rPr lang="en-US" sz="2000" dirty="0">
+                <a:solidFill>
+                  <a:srgbClr val="000000"/>
+                </a:solidFill>
+                <a:latin typeface="Arial" panose="020B0604020202020204" pitchFamily="34" charset="0"/>
+                <a:cs typeface="Arial" panose="020B0604020202020204" pitchFamily="34" charset="0"/>
+              </a:rPr>
+              <a:t>The sampling rate of y[n] is L times that of x[n].</a:t>
+            </a:r>
+          </a:p>
+          <a:p>
+            <a:endParaRPr lang="ar-SA" dirty="0"/>
+          </a:p>
+        </p:txBody>
+      </p:sp>
+      <p:sp>
+        <p:nvSpPr>
+          <p:cNvPr id="12" name="TextBox 11">
+            <a:extLst>
+              <a:ext uri="{FF2B5EF4-FFF2-40B4-BE49-F238E27FC236}">
+                <a16:creationId xmlns:a16="http://schemas.microsoft.com/office/drawing/2014/main" id="{CFC252BF-76E3-49E4-833E-9F4FEC839426}"/>
+              </a:ext>
+            </a:extLst>
+          </p:cNvPr>
+          <p:cNvSpPr txBox="1"/>
+          <p:nvPr/>
+        </p:nvSpPr>
+        <p:spPr>
+          <a:xfrm>
+            <a:off x="861391" y="4240696"/>
+            <a:ext cx="6785113" cy="1754326"/>
+          </a:xfrm>
+          <a:prstGeom prst="rect">
+            <a:avLst/>
+          </a:prstGeom>
+          <a:noFill/>
+        </p:spPr>
+        <p:txBody>
+          <a:bodyPr wrap="square" rtlCol="1">
+            <a:spAutoFit/>
+          </a:bodyPr>
+          <a:lstStyle/>
+          <a:p>
+            <a:r>
+              <a:rPr lang="en-US" u="sng" dirty="0">
+                <a:solidFill>
+                  <a:srgbClr val="002060"/>
+                </a:solidFill>
+              </a:rPr>
+              <a:t>Example:</a:t>
+            </a:r>
+          </a:p>
+          <a:p>
+            <a:r>
+              <a:rPr lang="en-US" dirty="0"/>
+              <a:t>L=3 X[n]={1,2,3} find Xu[n]:</a:t>
+            </a:r>
+          </a:p>
+          <a:p>
+            <a:endParaRPr lang="en-US" dirty="0"/>
+          </a:p>
+          <a:p>
+            <a:r>
+              <a:rPr lang="en-US" dirty="0">
+                <a:solidFill>
+                  <a:srgbClr val="C00000"/>
+                </a:solidFill>
+              </a:rPr>
+              <a:t>Solution:</a:t>
+            </a:r>
+          </a:p>
+          <a:p>
+            <a:r>
+              <a:rPr lang="en-US" dirty="0"/>
+              <a:t>L-1=2 then we will add 2 zeros after each sample :</a:t>
+            </a:r>
+          </a:p>
+          <a:p>
+            <a:r>
+              <a:rPr lang="en-US" dirty="0"/>
+              <a:t>Xu[n]={1,0,0,2,0,0,3}</a:t>
+            </a:r>
+            <a:endParaRPr lang="ar-SA" dirty="0"/>
+          </a:p>
+        </p:txBody>
+      </p:sp>
+    </p:spTree>
+    <p:extLst>
+      <p:ext uri="{BB962C8B-B14F-4D97-AF65-F5344CB8AC3E}">
+        <p14:creationId xmlns:p14="http://schemas.microsoft.com/office/powerpoint/2010/main" val="1243926731"/>
+      </p:ext>
+    </p:extLst>
+  </p:cSld>
+  <p:clrMapOvr>
+    <a:masterClrMapping/>
+  </p:clrMapOvr>
+</p:sld>
+</file>
+
+<file path=ppt/slides/slide19.xml><?xml version="1.0" encoding="utf-8"?>
+<p:sld xmlns:a="http://schemas.openxmlformats.org/drawingml/2006/main" xmlns:r="http://schemas.openxmlformats.org/officeDocument/2006/relationships" xmlns:p="http://schemas.openxmlformats.org/presentationml/2006/main">
+  <p:cSld>
+    <p:spTree>
+      <p:nvGrpSpPr>
+        <p:cNvPr id="1" name=""/>
+        <p:cNvGrpSpPr/>
+        <p:nvPr/>
+      </p:nvGrpSpPr>
+      <p:grpSpPr>
+        <a:xfrm>
+          <a:off x="0" y="0"/>
+          <a:ext cx="0" cy="0"/>
+          <a:chOff x="0" y="0"/>
+          <a:chExt cx="0" cy="0"/>
+        </a:xfrm>
+      </p:grpSpPr>
+      <p:pic>
+        <p:nvPicPr>
+          <p:cNvPr id="2" name="Picture 1">
+            <a:extLst>
+              <a:ext uri="{FF2B5EF4-FFF2-40B4-BE49-F238E27FC236}">
+                <a16:creationId xmlns:a16="http://schemas.microsoft.com/office/drawing/2014/main" id="{57E64479-85FC-4262-9948-DC2819594638}"/>
+              </a:ext>
+            </a:extLst>
+          </p:cNvPr>
+          <p:cNvPicPr>
+            <a:picLocks noChangeAspect="1"/>
+          </p:cNvPicPr>
+          <p:nvPr/>
+        </p:nvPicPr>
+        <p:blipFill>
+          <a:blip r:embed="rId2"/>
+          <a:stretch>
+            <a:fillRect/>
+          </a:stretch>
+        </p:blipFill>
+        <p:spPr>
+          <a:xfrm>
+            <a:off x="771111" y="810040"/>
+            <a:ext cx="7551254" cy="1906656"/>
+          </a:xfrm>
+          <a:prstGeom prst="rect">
+            <a:avLst/>
+          </a:prstGeom>
+        </p:spPr>
+      </p:pic>
+      <p:pic>
+        <p:nvPicPr>
+          <p:cNvPr id="3" name="Picture 2">
+            <a:extLst>
+              <a:ext uri="{FF2B5EF4-FFF2-40B4-BE49-F238E27FC236}">
+                <a16:creationId xmlns:a16="http://schemas.microsoft.com/office/drawing/2014/main" id="{0F69D945-688D-4410-8E87-157AA8533362}"/>
+              </a:ext>
+            </a:extLst>
+          </p:cNvPr>
+          <p:cNvPicPr>
+            <a:picLocks noChangeAspect="1"/>
+          </p:cNvPicPr>
+          <p:nvPr/>
+        </p:nvPicPr>
+        <p:blipFill>
+          <a:blip r:embed="rId3"/>
+          <a:stretch>
+            <a:fillRect/>
+          </a:stretch>
+        </p:blipFill>
+        <p:spPr>
+          <a:xfrm>
+            <a:off x="771111" y="3272043"/>
+            <a:ext cx="7551254" cy="1906655"/>
+          </a:xfrm>
+          <a:prstGeom prst="rect">
+            <a:avLst/>
+          </a:prstGeom>
+        </p:spPr>
+      </p:pic>
+    </p:spTree>
+    <p:extLst>
+      <p:ext uri="{BB962C8B-B14F-4D97-AF65-F5344CB8AC3E}">
+        <p14:creationId xmlns:p14="http://schemas.microsoft.com/office/powerpoint/2010/main" val="1229317479"/>
+      </p:ext>
+    </p:extLst>
+  </p:cSld>
+  <p:clrMapOvr>
+    <a:masterClrMapping/>
+  </p:clrMapOvr>
+</p:sld>
+</file>
+
 <file path=ppt/slides/slide2.xml><?xml version="1.0" encoding="utf-8"?>
 <p:sld xmlns:a="http://schemas.openxmlformats.org/drawingml/2006/main" xmlns:r="http://schemas.openxmlformats.org/officeDocument/2006/relationships" xmlns:p="http://schemas.openxmlformats.org/presentationml/2006/main">
   <p:cSld>
@@ -8856,7 +11069,7 @@
         </p:nvSpPr>
         <p:spPr>
           <a:xfrm>
-            <a:off x="590843" y="1833120"/>
+            <a:off x="590843" y="1799145"/>
             <a:ext cx="6096000" cy="738664"/>
           </a:xfrm>
           <a:prstGeom prst="rect">
@@ -8893,10 +11106,3424 @@
           </a:p>
         </p:txBody>
       </p:sp>
+      <p:sp>
+        <p:nvSpPr>
+          <p:cNvPr id="2" name="Rectangle 1">
+            <a:extLst>
+              <a:ext uri="{FF2B5EF4-FFF2-40B4-BE49-F238E27FC236}">
+                <a16:creationId xmlns:a16="http://schemas.microsoft.com/office/drawing/2014/main" id="{13825886-1F9D-4960-8A2A-DF901F6F2AED}"/>
+              </a:ext>
+            </a:extLst>
+          </p:cNvPr>
+          <p:cNvSpPr/>
+          <p:nvPr/>
+        </p:nvSpPr>
+        <p:spPr>
+          <a:xfrm>
+            <a:off x="590843" y="2537809"/>
+            <a:ext cx="6096000" cy="1846659"/>
+          </a:xfrm>
+          <a:prstGeom prst="rect">
+            <a:avLst/>
+          </a:prstGeom>
+        </p:spPr>
+        <p:txBody>
+          <a:bodyPr>
+            <a:spAutoFit/>
+          </a:bodyPr>
+          <a:lstStyle/>
+          <a:p>
+            <a:pPr marL="285750" indent="-285750">
+              <a:buFont typeface="Wingdings" panose="05000000000000000000" pitchFamily="2" charset="2"/>
+              <a:buChar char="Ø"/>
+            </a:pPr>
+            <a:r>
+              <a:rPr lang="en-US" sz="2400" dirty="0">
+                <a:effectLst>
+                  <a:outerShdw blurRad="38100" dist="38100" dir="2700000" algn="tl">
+                    <a:srgbClr val="000000">
+                      <a:alpha val="43137"/>
+                    </a:srgbClr>
+                  </a:outerShdw>
+                </a:effectLst>
+                <a:latin typeface="Times New Roman" panose="02020603050405020304" pitchFamily="18" charset="0"/>
+                <a:cs typeface="Times New Roman" panose="02020603050405020304" pitchFamily="18" charset="0"/>
+              </a:rPr>
+              <a:t>SAMPLING RATE CONVERSION.</a:t>
+            </a:r>
+          </a:p>
+          <a:p>
+            <a:pPr marL="742950" lvl="1" indent="-285750">
+              <a:buFont typeface="Arial" panose="020B0604020202020204" pitchFamily="34" charset="0"/>
+              <a:buChar char="•"/>
+            </a:pPr>
+            <a:r>
+              <a:rPr lang="en-US" sz="2400" dirty="0">
+                <a:effectLst>
+                  <a:outerShdw blurRad="38100" dist="38100" dir="2700000" algn="tl">
+                    <a:srgbClr val="000000">
+                      <a:alpha val="43137"/>
+                    </a:srgbClr>
+                  </a:outerShdw>
+                </a:effectLst>
+                <a:latin typeface="Times New Roman" panose="02020603050405020304" pitchFamily="18" charset="0"/>
+                <a:cs typeface="Times New Roman" panose="02020603050405020304" pitchFamily="18" charset="0"/>
+              </a:rPr>
+              <a:t>   up Sampling.</a:t>
+            </a:r>
+          </a:p>
+          <a:p>
+            <a:pPr marL="742950" lvl="1" indent="-285750">
+              <a:buFont typeface="Arial" panose="020B0604020202020204" pitchFamily="34" charset="0"/>
+              <a:buChar char="•"/>
+            </a:pPr>
+            <a:r>
+              <a:rPr lang="en-US" sz="2400" dirty="0">
+                <a:effectLst>
+                  <a:outerShdw blurRad="38100" dist="38100" dir="2700000" algn="tl">
+                    <a:srgbClr val="000000">
+                      <a:alpha val="43137"/>
+                    </a:srgbClr>
+                  </a:outerShdw>
+                </a:effectLst>
+                <a:latin typeface="Times New Roman" panose="02020603050405020304" pitchFamily="18" charset="0"/>
+                <a:cs typeface="Times New Roman" panose="02020603050405020304" pitchFamily="18" charset="0"/>
+              </a:rPr>
+              <a:t>   down sampling.</a:t>
+            </a:r>
+          </a:p>
+          <a:p>
+            <a:pPr marL="285750" indent="-285750">
+              <a:buFont typeface="Wingdings" panose="05000000000000000000" pitchFamily="2" charset="2"/>
+              <a:buChar char="Ø"/>
+            </a:pPr>
+            <a:endParaRPr lang="en-US" sz="2400" dirty="0">
+              <a:effectLst>
+                <a:outerShdw blurRad="38100" dist="38100" dir="2700000" algn="tl">
+                  <a:srgbClr val="000000">
+                    <a:alpha val="43137"/>
+                  </a:srgbClr>
+                </a:outerShdw>
+              </a:effectLst>
+              <a:latin typeface="Times New Roman" panose="02020603050405020304" pitchFamily="18" charset="0"/>
+              <a:cs typeface="Times New Roman" panose="02020603050405020304" pitchFamily="18" charset="0"/>
+            </a:endParaRPr>
+          </a:p>
+          <a:p>
+            <a:endParaRPr lang="ar-SA" dirty="0"/>
+          </a:p>
+        </p:txBody>
+      </p:sp>
+      <p:sp>
+        <p:nvSpPr>
+          <p:cNvPr id="3" name="Rectangle 2">
+            <a:extLst>
+              <a:ext uri="{FF2B5EF4-FFF2-40B4-BE49-F238E27FC236}">
+                <a16:creationId xmlns:a16="http://schemas.microsoft.com/office/drawing/2014/main" id="{3A97BF63-CFA8-42A7-BB4E-0EAADA658DDE}"/>
+              </a:ext>
+            </a:extLst>
+          </p:cNvPr>
+          <p:cNvSpPr/>
+          <p:nvPr/>
+        </p:nvSpPr>
+        <p:spPr>
+          <a:xfrm>
+            <a:off x="590843" y="4131852"/>
+            <a:ext cx="6096000" cy="2554545"/>
+          </a:xfrm>
+          <a:prstGeom prst="rect">
+            <a:avLst/>
+          </a:prstGeom>
+        </p:spPr>
+        <p:txBody>
+          <a:bodyPr>
+            <a:spAutoFit/>
+          </a:bodyPr>
+          <a:lstStyle/>
+          <a:p>
+            <a:pPr marL="285750" indent="-285750">
+              <a:buFont typeface="Wingdings" panose="05000000000000000000" pitchFamily="2" charset="2"/>
+              <a:buChar char="Ø"/>
+            </a:pPr>
+            <a:r>
+              <a:rPr lang="en-US" sz="2400" dirty="0">
+                <a:effectLst>
+                  <a:outerShdw blurRad="38100" dist="38100" dir="2700000" algn="tl">
+                    <a:srgbClr val="000000">
+                      <a:alpha val="43137"/>
+                    </a:srgbClr>
+                  </a:outerShdw>
+                </a:effectLst>
+                <a:latin typeface="Times New Roman" panose="02020603050405020304" pitchFamily="18" charset="0"/>
+                <a:cs typeface="Times New Roman" panose="02020603050405020304" pitchFamily="18" charset="0"/>
+              </a:rPr>
+              <a:t>PROPERTIES OF DISCRETE TIME SYSTEM.</a:t>
+            </a:r>
+          </a:p>
+          <a:p>
+            <a:pPr marL="742950" lvl="1" indent="-285750">
+              <a:buFont typeface="Arial" panose="020B0604020202020204" pitchFamily="34" charset="0"/>
+              <a:buChar char="•"/>
+            </a:pPr>
+            <a:r>
+              <a:rPr lang="en-US" sz="2400" dirty="0">
+                <a:effectLst>
+                  <a:outerShdw blurRad="38100" dist="38100" dir="2700000" algn="tl">
+                    <a:srgbClr val="000000">
+                      <a:alpha val="43137"/>
+                    </a:srgbClr>
+                  </a:outerShdw>
+                </a:effectLst>
+                <a:latin typeface="Times New Roman" panose="02020603050405020304" pitchFamily="18" charset="0"/>
+                <a:cs typeface="Times New Roman" panose="02020603050405020304" pitchFamily="18" charset="0"/>
+              </a:rPr>
+              <a:t>Linear Time Discrete Systems.</a:t>
+            </a:r>
+          </a:p>
+          <a:p>
+            <a:pPr marL="742950" lvl="1" indent="-285750">
+              <a:buFont typeface="Arial" panose="020B0604020202020204" pitchFamily="34" charset="0"/>
+              <a:buChar char="•"/>
+            </a:pPr>
+            <a:r>
+              <a:rPr lang="en-US" sz="2400" dirty="0">
+                <a:effectLst>
+                  <a:outerShdw blurRad="38100" dist="38100" dir="2700000" algn="tl">
+                    <a:srgbClr val="000000">
+                      <a:alpha val="43137"/>
+                    </a:srgbClr>
+                  </a:outerShdw>
+                </a:effectLst>
+                <a:latin typeface="Times New Roman" panose="02020603050405020304" pitchFamily="18" charset="0"/>
+                <a:cs typeface="Times New Roman" panose="02020603050405020304" pitchFamily="18" charset="0"/>
+              </a:rPr>
+              <a:t>Time-invariant Discrete Systems.</a:t>
+            </a:r>
+          </a:p>
+          <a:p>
+            <a:pPr marL="742950" lvl="1" indent="-285750">
+              <a:buFont typeface="Arial" panose="020B0604020202020204" pitchFamily="34" charset="0"/>
+              <a:buChar char="•"/>
+            </a:pPr>
+            <a:r>
+              <a:rPr lang="en-US" sz="2400" dirty="0">
+                <a:effectLst>
+                  <a:outerShdw blurRad="38100" dist="38100" dir="2700000" algn="tl">
+                    <a:srgbClr val="000000">
+                      <a:alpha val="43137"/>
+                    </a:srgbClr>
+                  </a:outerShdw>
+                </a:effectLst>
+                <a:latin typeface="Times New Roman" panose="02020603050405020304" pitchFamily="18" charset="0"/>
+                <a:cs typeface="Times New Roman" panose="02020603050405020304" pitchFamily="18" charset="0"/>
+              </a:rPr>
+              <a:t>Causal Discrete Time Systems.</a:t>
+            </a:r>
+          </a:p>
+          <a:p>
+            <a:pPr lvl="1"/>
+            <a:endParaRPr lang="en-US" sz="2000" dirty="0">
+              <a:solidFill>
+                <a:schemeClr val="accent1">
+                  <a:lumMod val="50000"/>
+                </a:schemeClr>
+              </a:solidFill>
+            </a:endParaRPr>
+          </a:p>
+          <a:p>
+            <a:pPr lvl="1"/>
+            <a:endParaRPr lang="ar-SA" sz="2000" dirty="0">
+              <a:solidFill>
+                <a:schemeClr val="accent1">
+                  <a:lumMod val="50000"/>
+                </a:schemeClr>
+              </a:solidFill>
+            </a:endParaRPr>
+          </a:p>
+        </p:txBody>
+      </p:sp>
     </p:spTree>
     <p:extLst>
       <p:ext uri="{BB962C8B-B14F-4D97-AF65-F5344CB8AC3E}">
         <p14:creationId xmlns:p14="http://schemas.microsoft.com/office/powerpoint/2010/main" val="2975994866"/>
+      </p:ext>
+    </p:extLst>
+  </p:cSld>
+  <p:clrMapOvr>
+    <a:masterClrMapping/>
+  </p:clrMapOvr>
+</p:sld>
+</file>
+
+<file path=ppt/slides/slide20.xml><?xml version="1.0" encoding="utf-8"?>
+<p:sld xmlns:a="http://schemas.openxmlformats.org/drawingml/2006/main" xmlns:r="http://schemas.openxmlformats.org/officeDocument/2006/relationships" xmlns:p="http://schemas.openxmlformats.org/presentationml/2006/main">
+  <p:cSld>
+    <p:spTree>
+      <p:nvGrpSpPr>
+        <p:cNvPr id="1" name=""/>
+        <p:cNvGrpSpPr/>
+        <p:nvPr/>
+      </p:nvGrpSpPr>
+      <p:grpSpPr>
+        <a:xfrm>
+          <a:off x="0" y="0"/>
+          <a:ext cx="0" cy="0"/>
+          <a:chOff x="0" y="0"/>
+          <a:chExt cx="0" cy="0"/>
+        </a:xfrm>
+      </p:grpSpPr>
+      <p:sp>
+        <p:nvSpPr>
+          <p:cNvPr id="2" name="TextBox 1">
+            <a:extLst>
+              <a:ext uri="{FF2B5EF4-FFF2-40B4-BE49-F238E27FC236}">
+                <a16:creationId xmlns:a16="http://schemas.microsoft.com/office/drawing/2014/main" id="{5293D87A-EA7A-403D-8829-FDD48D33D006}"/>
+              </a:ext>
+            </a:extLst>
+          </p:cNvPr>
+          <p:cNvSpPr txBox="1"/>
+          <p:nvPr/>
+        </p:nvSpPr>
+        <p:spPr>
+          <a:xfrm>
+            <a:off x="2173357" y="2199861"/>
+            <a:ext cx="5380382" cy="646331"/>
+          </a:xfrm>
+          <a:prstGeom prst="rect">
+            <a:avLst/>
+          </a:prstGeom>
+          <a:noFill/>
+        </p:spPr>
+        <p:txBody>
+          <a:bodyPr wrap="square" rtlCol="1">
+            <a:spAutoFit/>
+          </a:bodyPr>
+          <a:lstStyle/>
+          <a:p>
+            <a:r>
+              <a:rPr lang="en-US" dirty="0"/>
+              <a:t>Down sample &gt;&gt; Decrease sampling rate</a:t>
+            </a:r>
+          </a:p>
+          <a:p>
+            <a:r>
+              <a:rPr lang="en-US" dirty="0"/>
+              <a:t>Up Sample &gt;&gt;  Increase sampling rate .</a:t>
+            </a:r>
+            <a:endParaRPr lang="ar-SA" dirty="0"/>
+          </a:p>
+        </p:txBody>
+      </p:sp>
+    </p:spTree>
+    <p:extLst>
+      <p:ext uri="{BB962C8B-B14F-4D97-AF65-F5344CB8AC3E}">
+        <p14:creationId xmlns:p14="http://schemas.microsoft.com/office/powerpoint/2010/main" val="3327492597"/>
+      </p:ext>
+    </p:extLst>
+  </p:cSld>
+  <p:clrMapOvr>
+    <a:masterClrMapping/>
+  </p:clrMapOvr>
+</p:sld>
+</file>
+
+<file path=ppt/slides/slide21.xml><?xml version="1.0" encoding="utf-8"?>
+<p:sld xmlns:a="http://schemas.openxmlformats.org/drawingml/2006/main" xmlns:r="http://schemas.openxmlformats.org/officeDocument/2006/relationships" xmlns:p="http://schemas.openxmlformats.org/presentationml/2006/main">
+  <p:cSld>
+    <p:spTree>
+      <p:nvGrpSpPr>
+        <p:cNvPr id="1" name=""/>
+        <p:cNvGrpSpPr/>
+        <p:nvPr/>
+      </p:nvGrpSpPr>
+      <p:grpSpPr>
+        <a:xfrm>
+          <a:off x="0" y="0"/>
+          <a:ext cx="0" cy="0"/>
+          <a:chOff x="0" y="0"/>
+          <a:chExt cx="0" cy="0"/>
+        </a:xfrm>
+      </p:grpSpPr>
+      <p:sp>
+        <p:nvSpPr>
+          <p:cNvPr id="3" name="TextBox 2">
+            <a:extLst>
+              <a:ext uri="{FF2B5EF4-FFF2-40B4-BE49-F238E27FC236}">
+                <a16:creationId xmlns:a16="http://schemas.microsoft.com/office/drawing/2014/main" id="{41DB0F6F-1D5C-429D-8322-7634A8B235E8}"/>
+              </a:ext>
+            </a:extLst>
+          </p:cNvPr>
+          <p:cNvSpPr txBox="1"/>
+          <p:nvPr/>
+        </p:nvSpPr>
+        <p:spPr>
+          <a:xfrm>
+            <a:off x="251792" y="209873"/>
+            <a:ext cx="3008243" cy="461665"/>
+          </a:xfrm>
+          <a:prstGeom prst="rect">
+            <a:avLst/>
+          </a:prstGeom>
+          <a:noFill/>
+        </p:spPr>
+        <p:txBody>
+          <a:bodyPr wrap="square" rtlCol="1">
+            <a:spAutoFit/>
+          </a:bodyPr>
+          <a:lstStyle/>
+          <a:p>
+            <a:r>
+              <a:rPr lang="en-US" sz="2400" dirty="0">
+                <a:solidFill>
+                  <a:schemeClr val="accent2">
+                    <a:lumMod val="50000"/>
+                  </a:schemeClr>
+                </a:solidFill>
+              </a:rPr>
+              <a:t>Implementation 1:</a:t>
+            </a:r>
+            <a:endParaRPr lang="ar-SA" sz="2400" dirty="0">
+              <a:solidFill>
+                <a:schemeClr val="accent2">
+                  <a:lumMod val="50000"/>
+                </a:schemeClr>
+              </a:solidFill>
+            </a:endParaRPr>
+          </a:p>
+        </p:txBody>
+      </p:sp>
+      <p:sp>
+        <p:nvSpPr>
+          <p:cNvPr id="2" name="TextBox 1">
+            <a:extLst>
+              <a:ext uri="{FF2B5EF4-FFF2-40B4-BE49-F238E27FC236}">
+                <a16:creationId xmlns:a16="http://schemas.microsoft.com/office/drawing/2014/main" id="{E1A87DD4-DA1A-4CE0-8CF7-9E1569B1868E}"/>
+              </a:ext>
+            </a:extLst>
+          </p:cNvPr>
+          <p:cNvSpPr txBox="1"/>
+          <p:nvPr/>
+        </p:nvSpPr>
+        <p:spPr>
+          <a:xfrm>
+            <a:off x="371063" y="671538"/>
+            <a:ext cx="3344183" cy="6678751"/>
+          </a:xfrm>
+          <a:prstGeom prst="rect">
+            <a:avLst/>
+          </a:prstGeom>
+          <a:noFill/>
+        </p:spPr>
+        <p:txBody>
+          <a:bodyPr wrap="square" rtlCol="1">
+            <a:spAutoFit/>
+          </a:bodyPr>
+          <a:lstStyle/>
+          <a:p>
+            <a:r>
+              <a:rPr lang="en-US" sz="1400" dirty="0"/>
+              <a:t>clc;</a:t>
+            </a:r>
+          </a:p>
+          <a:p>
+            <a:r>
+              <a:rPr lang="en-US" sz="1400" dirty="0"/>
+              <a:t>clear all;</a:t>
+            </a:r>
+          </a:p>
+          <a:p>
+            <a:r>
+              <a:rPr lang="en-US" sz="1400" dirty="0"/>
+              <a:t>close all;</a:t>
+            </a:r>
+          </a:p>
+          <a:p>
+            <a:r>
+              <a:rPr lang="en-US" sz="1400" dirty="0"/>
+              <a:t>%continuous sinusoidal signal</a:t>
+            </a:r>
+          </a:p>
+          <a:p>
+            <a:r>
+              <a:rPr lang="en-US" sz="1400" dirty="0"/>
+              <a:t>a=input('Enter the amplitude:');</a:t>
+            </a:r>
+          </a:p>
+          <a:p>
+            <a:r>
+              <a:rPr lang="en-US" sz="1400" dirty="0"/>
+              <a:t>f=input('Enter the </a:t>
+            </a:r>
+            <a:r>
+              <a:rPr lang="en-US" sz="1400" dirty="0" err="1"/>
+              <a:t>Timeperiod</a:t>
+            </a:r>
+            <a:r>
+              <a:rPr lang="en-US" sz="1400" dirty="0"/>
+              <a:t>:');</a:t>
+            </a:r>
+          </a:p>
+          <a:p>
+            <a:r>
+              <a:rPr lang="en-US" sz="1400" dirty="0"/>
+              <a:t>t=-10:1:20;</a:t>
+            </a:r>
+          </a:p>
+          <a:p>
+            <a:r>
+              <a:rPr lang="en-US" sz="1400" dirty="0"/>
+              <a:t>x=a*sin(2*pi*f*t);</a:t>
+            </a:r>
+          </a:p>
+          <a:p>
+            <a:r>
+              <a:rPr lang="en-US" sz="1400" dirty="0"/>
+              <a:t>subplot(3,1,1);</a:t>
+            </a:r>
+          </a:p>
+          <a:p>
+            <a:r>
+              <a:rPr lang="en-US" sz="1400" dirty="0"/>
+              <a:t>plot(</a:t>
+            </a:r>
+            <a:r>
+              <a:rPr lang="en-US" sz="1400" dirty="0" err="1"/>
+              <a:t>t,x</a:t>
+            </a:r>
+            <a:r>
+              <a:rPr lang="en-US" sz="1400" dirty="0"/>
+              <a:t>);</a:t>
+            </a:r>
+          </a:p>
+          <a:p>
+            <a:r>
+              <a:rPr lang="en-US" sz="1400" dirty="0"/>
+              <a:t>xlabel('time');</a:t>
+            </a:r>
+          </a:p>
+          <a:p>
+            <a:r>
+              <a:rPr lang="en-US" sz="1400" dirty="0"/>
+              <a:t>ylabel('Amplitude');</a:t>
+            </a:r>
+          </a:p>
+          <a:p>
+            <a:r>
+              <a:rPr lang="en-US" sz="1400" dirty="0"/>
+              <a:t>title('Sinusoidal signal’);</a:t>
+            </a:r>
+          </a:p>
+          <a:p>
+            <a:r>
+              <a:rPr lang="en-US" sz="1400" dirty="0"/>
+              <a:t>%</a:t>
+            </a:r>
+            <a:r>
+              <a:rPr lang="en-US" sz="1400" dirty="0" err="1"/>
+              <a:t>downsampling</a:t>
+            </a:r>
+            <a:r>
+              <a:rPr lang="en-US" sz="1400" dirty="0"/>
+              <a:t> the signal</a:t>
+            </a:r>
+          </a:p>
+          <a:p>
+            <a:r>
+              <a:rPr lang="en-US" sz="1400" dirty="0"/>
+              <a:t>y1=</a:t>
+            </a:r>
+            <a:r>
+              <a:rPr lang="en-US" sz="1400" dirty="0" err="1"/>
+              <a:t>downsample</a:t>
+            </a:r>
+            <a:r>
+              <a:rPr lang="en-US" sz="1400" dirty="0"/>
+              <a:t>(x,2);</a:t>
+            </a:r>
+          </a:p>
+          <a:p>
+            <a:r>
+              <a:rPr lang="en-US" sz="1400" dirty="0"/>
+              <a:t>subplot(3,1,2);</a:t>
+            </a:r>
+          </a:p>
+          <a:p>
+            <a:r>
+              <a:rPr lang="en-US" sz="1400" dirty="0"/>
+              <a:t>stem(y1);</a:t>
+            </a:r>
+          </a:p>
+          <a:p>
+            <a:r>
+              <a:rPr lang="en-US" sz="1400" dirty="0"/>
+              <a:t>xlabel('time');</a:t>
+            </a:r>
+          </a:p>
+          <a:p>
+            <a:r>
+              <a:rPr lang="en-US" sz="1400" dirty="0"/>
+              <a:t>ylabel('Amplitude');</a:t>
+            </a:r>
+          </a:p>
+          <a:p>
+            <a:r>
+              <a:rPr lang="en-US" sz="1400" dirty="0"/>
+              <a:t>title('</a:t>
+            </a:r>
+            <a:r>
+              <a:rPr lang="en-US" sz="1400" dirty="0" err="1"/>
+              <a:t>Downsampled</a:t>
+            </a:r>
+            <a:r>
+              <a:rPr lang="en-US" sz="1400" dirty="0"/>
+              <a:t> signal');</a:t>
+            </a:r>
+          </a:p>
+          <a:p>
+            <a:r>
+              <a:rPr lang="en-US" sz="1400" dirty="0"/>
+              <a:t>%</a:t>
+            </a:r>
+            <a:r>
+              <a:rPr lang="en-US" sz="1400" dirty="0" err="1"/>
+              <a:t>upsampling</a:t>
+            </a:r>
+            <a:r>
+              <a:rPr lang="en-US" sz="1400" dirty="0"/>
+              <a:t> the signal</a:t>
+            </a:r>
+          </a:p>
+          <a:p>
+            <a:r>
+              <a:rPr lang="en-US" sz="1400" dirty="0"/>
+              <a:t>y2=</a:t>
+            </a:r>
+            <a:r>
+              <a:rPr lang="en-US" sz="1400" dirty="0" err="1"/>
+              <a:t>upsample</a:t>
+            </a:r>
+            <a:r>
+              <a:rPr lang="en-US" sz="1400" dirty="0"/>
+              <a:t>(x,3);</a:t>
+            </a:r>
+          </a:p>
+          <a:p>
+            <a:r>
+              <a:rPr lang="en-US" sz="1400" dirty="0"/>
+              <a:t>subplot(3,1,3);</a:t>
+            </a:r>
+          </a:p>
+          <a:p>
+            <a:r>
+              <a:rPr lang="en-US" sz="1400" dirty="0"/>
+              <a:t>stem</a:t>
+            </a:r>
+            <a:r>
+              <a:rPr lang="en-US" sz="1400"/>
+              <a:t>(y2);</a:t>
+            </a:r>
+            <a:endParaRPr lang="en-US" sz="1400" dirty="0"/>
+          </a:p>
+          <a:p>
+            <a:r>
+              <a:rPr lang="en-US" sz="1400" dirty="0"/>
+              <a:t>xlabel('time');</a:t>
+            </a:r>
+          </a:p>
+          <a:p>
+            <a:r>
+              <a:rPr lang="en-US" sz="1400" dirty="0"/>
+              <a:t>ylabel('Amplitude');</a:t>
+            </a:r>
+          </a:p>
+          <a:p>
+            <a:r>
+              <a:rPr lang="en-US" sz="1400" dirty="0"/>
+              <a:t>title('</a:t>
+            </a:r>
+            <a:r>
+              <a:rPr lang="en-US" sz="1400" dirty="0" err="1"/>
+              <a:t>Upsampled</a:t>
+            </a:r>
+            <a:r>
+              <a:rPr lang="en-US" sz="1400" dirty="0"/>
+              <a:t> signal');</a:t>
+            </a:r>
+          </a:p>
+          <a:p>
+            <a:endParaRPr lang="en-US" sz="1400" dirty="0"/>
+          </a:p>
+          <a:p>
+            <a:r>
+              <a:rPr lang="ar-SA" dirty="0"/>
+              <a:t> </a:t>
+            </a:r>
+          </a:p>
+          <a:p>
+            <a:endParaRPr lang="ar-SA" dirty="0"/>
+          </a:p>
+        </p:txBody>
+      </p:sp>
+      <p:pic>
+        <p:nvPicPr>
+          <p:cNvPr id="6" name="Picture 5">
+            <a:extLst>
+              <a:ext uri="{FF2B5EF4-FFF2-40B4-BE49-F238E27FC236}">
+                <a16:creationId xmlns:a16="http://schemas.microsoft.com/office/drawing/2014/main" id="{B12D8DB6-428B-4E89-8486-F726C00C6174}"/>
+              </a:ext>
+            </a:extLst>
+          </p:cNvPr>
+          <p:cNvPicPr>
+            <a:picLocks noChangeAspect="1"/>
+          </p:cNvPicPr>
+          <p:nvPr/>
+        </p:nvPicPr>
+        <p:blipFill>
+          <a:blip r:embed="rId2"/>
+          <a:stretch>
+            <a:fillRect/>
+          </a:stretch>
+        </p:blipFill>
+        <p:spPr>
+          <a:xfrm>
+            <a:off x="3927280" y="1933070"/>
+            <a:ext cx="5786563" cy="2991860"/>
+          </a:xfrm>
+          <a:prstGeom prst="rect">
+            <a:avLst/>
+          </a:prstGeom>
+        </p:spPr>
+      </p:pic>
+    </p:spTree>
+    <p:extLst>
+      <p:ext uri="{BB962C8B-B14F-4D97-AF65-F5344CB8AC3E}">
+        <p14:creationId xmlns:p14="http://schemas.microsoft.com/office/powerpoint/2010/main" val="430042172"/>
+      </p:ext>
+    </p:extLst>
+  </p:cSld>
+  <p:clrMapOvr>
+    <a:masterClrMapping/>
+  </p:clrMapOvr>
+</p:sld>
+</file>
+
+<file path=ppt/slides/slide22.xml><?xml version="1.0" encoding="utf-8"?>
+<p:sld xmlns:a="http://schemas.openxmlformats.org/drawingml/2006/main" xmlns:r="http://schemas.openxmlformats.org/officeDocument/2006/relationships" xmlns:p="http://schemas.openxmlformats.org/presentationml/2006/main">
+  <p:cSld>
+    <p:spTree>
+      <p:nvGrpSpPr>
+        <p:cNvPr id="1" name=""/>
+        <p:cNvGrpSpPr/>
+        <p:nvPr/>
+      </p:nvGrpSpPr>
+      <p:grpSpPr>
+        <a:xfrm>
+          <a:off x="0" y="0"/>
+          <a:ext cx="0" cy="0"/>
+          <a:chOff x="0" y="0"/>
+          <a:chExt cx="0" cy="0"/>
+        </a:xfrm>
+      </p:grpSpPr>
+      <p:sp>
+        <p:nvSpPr>
+          <p:cNvPr id="2" name="Rectangle 1">
+            <a:extLst>
+              <a:ext uri="{FF2B5EF4-FFF2-40B4-BE49-F238E27FC236}">
+                <a16:creationId xmlns:a16="http://schemas.microsoft.com/office/drawing/2014/main" id="{58B7D743-20A9-4A91-92A4-1DD0F5AEFDF8}"/>
+              </a:ext>
+            </a:extLst>
+          </p:cNvPr>
+          <p:cNvSpPr/>
+          <p:nvPr/>
+        </p:nvSpPr>
+        <p:spPr>
+          <a:xfrm>
+            <a:off x="863255" y="508755"/>
+            <a:ext cx="8322366" cy="1938992"/>
+          </a:xfrm>
+          <a:prstGeom prst="rect">
+            <a:avLst/>
+          </a:prstGeom>
+        </p:spPr>
+        <p:txBody>
+          <a:bodyPr wrap="square">
+            <a:spAutoFit/>
+          </a:bodyPr>
+          <a:lstStyle/>
+          <a:p>
+            <a:pPr marL="285750" indent="-285750">
+              <a:buFont typeface="Wingdings" panose="05000000000000000000" pitchFamily="2" charset="2"/>
+              <a:buChar char="Ø"/>
+            </a:pPr>
+            <a:r>
+              <a:rPr lang="en-US" sz="2000" dirty="0">
+                <a:solidFill>
+                  <a:schemeClr val="accent1">
+                    <a:lumMod val="50000"/>
+                  </a:schemeClr>
+                </a:solidFill>
+              </a:rPr>
+              <a:t>PROPERTIES OF DISCRETE TIME SYSTEM:</a:t>
+            </a:r>
+          </a:p>
+          <a:p>
+            <a:endParaRPr lang="en-US" sz="2000" dirty="0">
+              <a:solidFill>
+                <a:schemeClr val="accent1">
+                  <a:lumMod val="50000"/>
+                </a:schemeClr>
+              </a:solidFill>
+            </a:endParaRPr>
+          </a:p>
+          <a:p>
+            <a:pPr marL="742950" lvl="1" indent="-285750">
+              <a:buFont typeface="Arial" panose="020B0604020202020204" pitchFamily="34" charset="0"/>
+              <a:buChar char="•"/>
+            </a:pPr>
+            <a:r>
+              <a:rPr lang="en-US" sz="2000" dirty="0">
+                <a:solidFill>
+                  <a:schemeClr val="accent1">
+                    <a:lumMod val="50000"/>
+                  </a:schemeClr>
+                </a:solidFill>
+              </a:rPr>
+              <a:t>Linear Time Discrete Systems:</a:t>
+            </a:r>
+          </a:p>
+          <a:p>
+            <a:pPr lvl="1"/>
+            <a:r>
+              <a:rPr lang="en-US" sz="2000" dirty="0">
+                <a:solidFill>
+                  <a:srgbClr val="000000"/>
+                </a:solidFill>
+                <a:latin typeface="TimesNewRomanPSMT"/>
+              </a:rPr>
+              <a:t>The response of the system to a weighted sum of signals is equal to the corresponding weighted sum of the responses (outputs) of the system to each of the individual input signals.</a:t>
+            </a:r>
+            <a:endParaRPr lang="en-US" sz="2000" dirty="0"/>
+          </a:p>
+        </p:txBody>
+      </p:sp>
+      <p:pic>
+        <p:nvPicPr>
+          <p:cNvPr id="5" name="Picture 4">
+            <a:extLst>
+              <a:ext uri="{FF2B5EF4-FFF2-40B4-BE49-F238E27FC236}">
+                <a16:creationId xmlns:a16="http://schemas.microsoft.com/office/drawing/2014/main" id="{ED27E50F-9769-471A-9548-F24EB25B369A}"/>
+              </a:ext>
+            </a:extLst>
+          </p:cNvPr>
+          <p:cNvPicPr>
+            <a:picLocks noChangeAspect="1"/>
+          </p:cNvPicPr>
+          <p:nvPr/>
+        </p:nvPicPr>
+        <p:blipFill>
+          <a:blip r:embed="rId2"/>
+          <a:stretch>
+            <a:fillRect/>
+          </a:stretch>
+        </p:blipFill>
+        <p:spPr>
+          <a:xfrm>
+            <a:off x="2357438" y="2729210"/>
+            <a:ext cx="5334000" cy="476250"/>
+          </a:xfrm>
+          <a:prstGeom prst="rect">
+            <a:avLst/>
+          </a:prstGeom>
+        </p:spPr>
+      </p:pic>
+      <p:sp>
+        <p:nvSpPr>
+          <p:cNvPr id="6" name="Rectangle 5">
+            <a:extLst>
+              <a:ext uri="{FF2B5EF4-FFF2-40B4-BE49-F238E27FC236}">
+                <a16:creationId xmlns:a16="http://schemas.microsoft.com/office/drawing/2014/main" id="{686148F9-FD06-4A8F-A346-6A30648049F7}"/>
+              </a:ext>
+            </a:extLst>
+          </p:cNvPr>
+          <p:cNvSpPr/>
+          <p:nvPr/>
+        </p:nvSpPr>
+        <p:spPr>
+          <a:xfrm>
+            <a:off x="4068417" y="3470595"/>
+            <a:ext cx="1258957" cy="386761"/>
+          </a:xfrm>
+          <a:prstGeom prst="rect">
+            <a:avLst/>
+          </a:prstGeom>
+          <a:noFill/>
+        </p:spPr>
+        <p:style>
+          <a:lnRef idx="2">
+            <a:schemeClr val="accent1">
+              <a:shade val="50000"/>
+            </a:schemeClr>
+          </a:lnRef>
+          <a:fillRef idx="1">
+            <a:schemeClr val="accent1"/>
+          </a:fillRef>
+          <a:effectRef idx="0">
+            <a:schemeClr val="accent1"/>
+          </a:effectRef>
+          <a:fontRef idx="minor">
+            <a:schemeClr val="lt1"/>
+          </a:fontRef>
+        </p:style>
+        <p:txBody>
+          <a:bodyPr rtlCol="1" anchor="ctr"/>
+          <a:lstStyle/>
+          <a:p>
+            <a:pPr algn="ctr"/>
+            <a:endParaRPr lang="ar-SA"/>
+          </a:p>
+        </p:txBody>
+      </p:sp>
+      <p:sp>
+        <p:nvSpPr>
+          <p:cNvPr id="7" name="TextBox 6">
+            <a:extLst>
+              <a:ext uri="{FF2B5EF4-FFF2-40B4-BE49-F238E27FC236}">
+                <a16:creationId xmlns:a16="http://schemas.microsoft.com/office/drawing/2014/main" id="{35212D6C-427D-4992-9E19-DCE79D04D539}"/>
+              </a:ext>
+            </a:extLst>
+          </p:cNvPr>
+          <p:cNvSpPr txBox="1"/>
+          <p:nvPr/>
+        </p:nvSpPr>
+        <p:spPr>
+          <a:xfrm>
+            <a:off x="4200938" y="3488024"/>
+            <a:ext cx="1046922" cy="369332"/>
+          </a:xfrm>
+          <a:prstGeom prst="rect">
+            <a:avLst/>
+          </a:prstGeom>
+          <a:noFill/>
+        </p:spPr>
+        <p:txBody>
+          <a:bodyPr wrap="square" rtlCol="1">
+            <a:spAutoFit/>
+          </a:bodyPr>
+          <a:lstStyle/>
+          <a:p>
+            <a:r>
+              <a:rPr lang="en-US" dirty="0"/>
+              <a:t>system</a:t>
+            </a:r>
+            <a:endParaRPr lang="ar-SA" dirty="0"/>
+          </a:p>
+        </p:txBody>
+      </p:sp>
+      <p:cxnSp>
+        <p:nvCxnSpPr>
+          <p:cNvPr id="9" name="Straight Arrow Connector 8">
+            <a:extLst>
+              <a:ext uri="{FF2B5EF4-FFF2-40B4-BE49-F238E27FC236}">
+                <a16:creationId xmlns:a16="http://schemas.microsoft.com/office/drawing/2014/main" id="{15C1CF50-5370-482E-A699-1B4C05F1ACD6}"/>
+              </a:ext>
+            </a:extLst>
+          </p:cNvPr>
+          <p:cNvCxnSpPr>
+            <a:cxnSpLocks/>
+            <a:endCxn id="6" idx="1"/>
+          </p:cNvCxnSpPr>
+          <p:nvPr/>
+        </p:nvCxnSpPr>
+        <p:spPr>
+          <a:xfrm>
+            <a:off x="3154017" y="3663976"/>
+            <a:ext cx="914400" cy="0"/>
+          </a:xfrm>
+          <a:prstGeom prst="straightConnector1">
+            <a:avLst/>
+          </a:prstGeom>
+          <a:ln>
+            <a:tailEnd type="triangle"/>
+          </a:ln>
+        </p:spPr>
+        <p:style>
+          <a:lnRef idx="1">
+            <a:schemeClr val="accent1"/>
+          </a:lnRef>
+          <a:fillRef idx="0">
+            <a:schemeClr val="accent1"/>
+          </a:fillRef>
+          <a:effectRef idx="0">
+            <a:schemeClr val="accent1"/>
+          </a:effectRef>
+          <a:fontRef idx="minor">
+            <a:schemeClr val="tx1"/>
+          </a:fontRef>
+        </p:style>
+      </p:cxnSp>
+      <p:cxnSp>
+        <p:nvCxnSpPr>
+          <p:cNvPr id="12" name="Straight Arrow Connector 11">
+            <a:extLst>
+              <a:ext uri="{FF2B5EF4-FFF2-40B4-BE49-F238E27FC236}">
+                <a16:creationId xmlns:a16="http://schemas.microsoft.com/office/drawing/2014/main" id="{928486D9-5971-4C2A-9E3A-02D5E90A35CE}"/>
+              </a:ext>
+            </a:extLst>
+          </p:cNvPr>
+          <p:cNvCxnSpPr>
+            <a:stCxn id="7" idx="3"/>
+          </p:cNvCxnSpPr>
+          <p:nvPr/>
+        </p:nvCxnSpPr>
+        <p:spPr>
+          <a:xfrm flipV="1">
+            <a:off x="5247860" y="3663976"/>
+            <a:ext cx="940904" cy="8714"/>
+          </a:xfrm>
+          <a:prstGeom prst="straightConnector1">
+            <a:avLst/>
+          </a:prstGeom>
+          <a:ln>
+            <a:tailEnd type="triangle"/>
+          </a:ln>
+        </p:spPr>
+        <p:style>
+          <a:lnRef idx="1">
+            <a:schemeClr val="accent1"/>
+          </a:lnRef>
+          <a:fillRef idx="0">
+            <a:schemeClr val="accent1"/>
+          </a:fillRef>
+          <a:effectRef idx="0">
+            <a:schemeClr val="accent1"/>
+          </a:effectRef>
+          <a:fontRef idx="minor">
+            <a:schemeClr val="tx1"/>
+          </a:fontRef>
+        </p:style>
+      </p:cxnSp>
+      <p:sp>
+        <p:nvSpPr>
+          <p:cNvPr id="13" name="TextBox 12">
+            <a:extLst>
+              <a:ext uri="{FF2B5EF4-FFF2-40B4-BE49-F238E27FC236}">
+                <a16:creationId xmlns:a16="http://schemas.microsoft.com/office/drawing/2014/main" id="{43909F16-FDE5-431F-A26E-A5F868C207C8}"/>
+              </a:ext>
+            </a:extLst>
+          </p:cNvPr>
+          <p:cNvSpPr txBox="1"/>
+          <p:nvPr/>
+        </p:nvSpPr>
+        <p:spPr>
+          <a:xfrm>
+            <a:off x="2521225" y="3486923"/>
+            <a:ext cx="834887" cy="369332"/>
+          </a:xfrm>
+          <a:prstGeom prst="rect">
+            <a:avLst/>
+          </a:prstGeom>
+          <a:noFill/>
+        </p:spPr>
+        <p:txBody>
+          <a:bodyPr wrap="square" rtlCol="1">
+            <a:spAutoFit/>
+          </a:bodyPr>
+          <a:lstStyle/>
+          <a:p>
+            <a:r>
+              <a:rPr lang="en-US" dirty="0"/>
+              <a:t>X1[n]</a:t>
+            </a:r>
+            <a:endParaRPr lang="ar-SA" dirty="0"/>
+          </a:p>
+        </p:txBody>
+      </p:sp>
+      <p:sp>
+        <p:nvSpPr>
+          <p:cNvPr id="14" name="TextBox 13">
+            <a:extLst>
+              <a:ext uri="{FF2B5EF4-FFF2-40B4-BE49-F238E27FC236}">
+                <a16:creationId xmlns:a16="http://schemas.microsoft.com/office/drawing/2014/main" id="{B44CDD60-4D5C-4DB4-A67D-66A3410E49B3}"/>
+              </a:ext>
+            </a:extLst>
+          </p:cNvPr>
+          <p:cNvSpPr txBox="1"/>
+          <p:nvPr/>
+        </p:nvSpPr>
+        <p:spPr>
+          <a:xfrm>
+            <a:off x="6188764" y="3486923"/>
+            <a:ext cx="808383" cy="369332"/>
+          </a:xfrm>
+          <a:prstGeom prst="rect">
+            <a:avLst/>
+          </a:prstGeom>
+          <a:noFill/>
+        </p:spPr>
+        <p:txBody>
+          <a:bodyPr wrap="square" rtlCol="1">
+            <a:spAutoFit/>
+          </a:bodyPr>
+          <a:lstStyle/>
+          <a:p>
+            <a:r>
+              <a:rPr lang="en-US" dirty="0"/>
+              <a:t>Y1[n]</a:t>
+            </a:r>
+            <a:endParaRPr lang="ar-SA" dirty="0"/>
+          </a:p>
+        </p:txBody>
+      </p:sp>
+      <p:sp>
+        <p:nvSpPr>
+          <p:cNvPr id="22" name="Rectangle 21">
+            <a:extLst>
+              <a:ext uri="{FF2B5EF4-FFF2-40B4-BE49-F238E27FC236}">
+                <a16:creationId xmlns:a16="http://schemas.microsoft.com/office/drawing/2014/main" id="{326E8D06-951F-46BF-A83D-A4C495AF9D6D}"/>
+              </a:ext>
+            </a:extLst>
+          </p:cNvPr>
+          <p:cNvSpPr/>
+          <p:nvPr/>
+        </p:nvSpPr>
+        <p:spPr>
+          <a:xfrm>
+            <a:off x="4068417" y="4368537"/>
+            <a:ext cx="1258957" cy="386761"/>
+          </a:xfrm>
+          <a:prstGeom prst="rect">
+            <a:avLst/>
+          </a:prstGeom>
+          <a:noFill/>
+        </p:spPr>
+        <p:style>
+          <a:lnRef idx="2">
+            <a:schemeClr val="accent1">
+              <a:shade val="50000"/>
+            </a:schemeClr>
+          </a:lnRef>
+          <a:fillRef idx="1">
+            <a:schemeClr val="accent1"/>
+          </a:fillRef>
+          <a:effectRef idx="0">
+            <a:schemeClr val="accent1"/>
+          </a:effectRef>
+          <a:fontRef idx="minor">
+            <a:schemeClr val="lt1"/>
+          </a:fontRef>
+        </p:style>
+        <p:txBody>
+          <a:bodyPr rtlCol="1" anchor="ctr"/>
+          <a:lstStyle/>
+          <a:p>
+            <a:pPr algn="ctr"/>
+            <a:endParaRPr lang="ar-SA"/>
+          </a:p>
+        </p:txBody>
+      </p:sp>
+      <p:sp>
+        <p:nvSpPr>
+          <p:cNvPr id="23" name="TextBox 22">
+            <a:extLst>
+              <a:ext uri="{FF2B5EF4-FFF2-40B4-BE49-F238E27FC236}">
+                <a16:creationId xmlns:a16="http://schemas.microsoft.com/office/drawing/2014/main" id="{0544B555-D0E2-47BF-BB2D-1734D7FFC75E}"/>
+              </a:ext>
+            </a:extLst>
+          </p:cNvPr>
+          <p:cNvSpPr txBox="1"/>
+          <p:nvPr/>
+        </p:nvSpPr>
+        <p:spPr>
+          <a:xfrm>
+            <a:off x="4280452" y="4358184"/>
+            <a:ext cx="1046922" cy="369332"/>
+          </a:xfrm>
+          <a:prstGeom prst="rect">
+            <a:avLst/>
+          </a:prstGeom>
+          <a:noFill/>
+        </p:spPr>
+        <p:txBody>
+          <a:bodyPr wrap="square" rtlCol="1">
+            <a:spAutoFit/>
+          </a:bodyPr>
+          <a:lstStyle/>
+          <a:p>
+            <a:r>
+              <a:rPr lang="en-US" dirty="0"/>
+              <a:t>system</a:t>
+            </a:r>
+            <a:endParaRPr lang="ar-SA" dirty="0"/>
+          </a:p>
+        </p:txBody>
+      </p:sp>
+      <p:cxnSp>
+        <p:nvCxnSpPr>
+          <p:cNvPr id="24" name="Straight Arrow Connector 23">
+            <a:extLst>
+              <a:ext uri="{FF2B5EF4-FFF2-40B4-BE49-F238E27FC236}">
+                <a16:creationId xmlns:a16="http://schemas.microsoft.com/office/drawing/2014/main" id="{2F7ADC2C-1313-4F9F-8285-C6DFEA8F2F42}"/>
+              </a:ext>
+            </a:extLst>
+          </p:cNvPr>
+          <p:cNvCxnSpPr>
+            <a:cxnSpLocks/>
+            <a:endCxn id="22" idx="1"/>
+          </p:cNvCxnSpPr>
+          <p:nvPr/>
+        </p:nvCxnSpPr>
+        <p:spPr>
+          <a:xfrm>
+            <a:off x="3154017" y="4561918"/>
+            <a:ext cx="914400" cy="0"/>
+          </a:xfrm>
+          <a:prstGeom prst="straightConnector1">
+            <a:avLst/>
+          </a:prstGeom>
+          <a:ln>
+            <a:tailEnd type="triangle"/>
+          </a:ln>
+        </p:spPr>
+        <p:style>
+          <a:lnRef idx="1">
+            <a:schemeClr val="accent1"/>
+          </a:lnRef>
+          <a:fillRef idx="0">
+            <a:schemeClr val="accent1"/>
+          </a:fillRef>
+          <a:effectRef idx="0">
+            <a:schemeClr val="accent1"/>
+          </a:effectRef>
+          <a:fontRef idx="minor">
+            <a:schemeClr val="tx1"/>
+          </a:fontRef>
+        </p:style>
+      </p:cxnSp>
+      <p:cxnSp>
+        <p:nvCxnSpPr>
+          <p:cNvPr id="25" name="Straight Arrow Connector 24">
+            <a:extLst>
+              <a:ext uri="{FF2B5EF4-FFF2-40B4-BE49-F238E27FC236}">
+                <a16:creationId xmlns:a16="http://schemas.microsoft.com/office/drawing/2014/main" id="{7A711088-E8B8-416B-9A4F-C05F68B822EE}"/>
+              </a:ext>
+            </a:extLst>
+          </p:cNvPr>
+          <p:cNvCxnSpPr>
+            <a:stCxn id="23" idx="3"/>
+          </p:cNvCxnSpPr>
+          <p:nvPr/>
+        </p:nvCxnSpPr>
+        <p:spPr>
+          <a:xfrm flipV="1">
+            <a:off x="5327374" y="4534136"/>
+            <a:ext cx="940904" cy="8714"/>
+          </a:xfrm>
+          <a:prstGeom prst="straightConnector1">
+            <a:avLst/>
+          </a:prstGeom>
+          <a:ln>
+            <a:tailEnd type="triangle"/>
+          </a:ln>
+        </p:spPr>
+        <p:style>
+          <a:lnRef idx="1">
+            <a:schemeClr val="accent1"/>
+          </a:lnRef>
+          <a:fillRef idx="0">
+            <a:schemeClr val="accent1"/>
+          </a:fillRef>
+          <a:effectRef idx="0">
+            <a:schemeClr val="accent1"/>
+          </a:effectRef>
+          <a:fontRef idx="minor">
+            <a:schemeClr val="tx1"/>
+          </a:fontRef>
+        </p:style>
+      </p:cxnSp>
+      <p:sp>
+        <p:nvSpPr>
+          <p:cNvPr id="26" name="TextBox 25">
+            <a:extLst>
+              <a:ext uri="{FF2B5EF4-FFF2-40B4-BE49-F238E27FC236}">
+                <a16:creationId xmlns:a16="http://schemas.microsoft.com/office/drawing/2014/main" id="{630CC8F7-0D25-45CE-9B05-908A2CABC1FA}"/>
+              </a:ext>
+            </a:extLst>
+          </p:cNvPr>
+          <p:cNvSpPr txBox="1"/>
+          <p:nvPr/>
+        </p:nvSpPr>
+        <p:spPr>
+          <a:xfrm>
+            <a:off x="2514599" y="4374731"/>
+            <a:ext cx="834887" cy="369332"/>
+          </a:xfrm>
+          <a:prstGeom prst="rect">
+            <a:avLst/>
+          </a:prstGeom>
+          <a:noFill/>
+        </p:spPr>
+        <p:txBody>
+          <a:bodyPr wrap="square" rtlCol="1">
+            <a:spAutoFit/>
+          </a:bodyPr>
+          <a:lstStyle/>
+          <a:p>
+            <a:r>
+              <a:rPr lang="en-US" dirty="0"/>
+              <a:t>X2[n]</a:t>
+            </a:r>
+            <a:endParaRPr lang="ar-SA" dirty="0"/>
+          </a:p>
+        </p:txBody>
+      </p:sp>
+      <p:sp>
+        <p:nvSpPr>
+          <p:cNvPr id="27" name="TextBox 26">
+            <a:extLst>
+              <a:ext uri="{FF2B5EF4-FFF2-40B4-BE49-F238E27FC236}">
+                <a16:creationId xmlns:a16="http://schemas.microsoft.com/office/drawing/2014/main" id="{F2020962-3659-414B-AD0B-C92CFD2C9ADA}"/>
+              </a:ext>
+            </a:extLst>
+          </p:cNvPr>
+          <p:cNvSpPr txBox="1"/>
+          <p:nvPr/>
+        </p:nvSpPr>
+        <p:spPr>
+          <a:xfrm>
+            <a:off x="6182138" y="4370393"/>
+            <a:ext cx="808383" cy="369332"/>
+          </a:xfrm>
+          <a:prstGeom prst="rect">
+            <a:avLst/>
+          </a:prstGeom>
+          <a:noFill/>
+        </p:spPr>
+        <p:txBody>
+          <a:bodyPr wrap="square" rtlCol="1">
+            <a:spAutoFit/>
+          </a:bodyPr>
+          <a:lstStyle/>
+          <a:p>
+            <a:r>
+              <a:rPr lang="en-US" dirty="0"/>
+              <a:t>Y2[n]</a:t>
+            </a:r>
+            <a:endParaRPr lang="ar-SA" dirty="0"/>
+          </a:p>
+        </p:txBody>
+      </p:sp>
+      <p:sp>
+        <p:nvSpPr>
+          <p:cNvPr id="28" name="Rectangle 27">
+            <a:extLst>
+              <a:ext uri="{FF2B5EF4-FFF2-40B4-BE49-F238E27FC236}">
+                <a16:creationId xmlns:a16="http://schemas.microsoft.com/office/drawing/2014/main" id="{D0074EEF-9AFA-478C-AB78-D91B0F5C85FB}"/>
+              </a:ext>
+            </a:extLst>
+          </p:cNvPr>
+          <p:cNvSpPr/>
+          <p:nvPr/>
+        </p:nvSpPr>
+        <p:spPr>
+          <a:xfrm>
+            <a:off x="4147931" y="5059130"/>
+            <a:ext cx="1258957" cy="386761"/>
+          </a:xfrm>
+          <a:prstGeom prst="rect">
+            <a:avLst/>
+          </a:prstGeom>
+          <a:noFill/>
+        </p:spPr>
+        <p:style>
+          <a:lnRef idx="2">
+            <a:schemeClr val="accent1">
+              <a:shade val="50000"/>
+            </a:schemeClr>
+          </a:lnRef>
+          <a:fillRef idx="1">
+            <a:schemeClr val="accent1"/>
+          </a:fillRef>
+          <a:effectRef idx="0">
+            <a:schemeClr val="accent1"/>
+          </a:effectRef>
+          <a:fontRef idx="minor">
+            <a:schemeClr val="lt1"/>
+          </a:fontRef>
+        </p:style>
+        <p:txBody>
+          <a:bodyPr rtlCol="1" anchor="ctr"/>
+          <a:lstStyle/>
+          <a:p>
+            <a:pPr algn="ctr"/>
+            <a:endParaRPr lang="ar-SA"/>
+          </a:p>
+        </p:txBody>
+      </p:sp>
+      <p:sp>
+        <p:nvSpPr>
+          <p:cNvPr id="29" name="TextBox 28">
+            <a:extLst>
+              <a:ext uri="{FF2B5EF4-FFF2-40B4-BE49-F238E27FC236}">
+                <a16:creationId xmlns:a16="http://schemas.microsoft.com/office/drawing/2014/main" id="{2E00BCE6-741D-458C-A630-86296E29223B}"/>
+              </a:ext>
+            </a:extLst>
+          </p:cNvPr>
+          <p:cNvSpPr txBox="1"/>
+          <p:nvPr/>
+        </p:nvSpPr>
+        <p:spPr>
+          <a:xfrm>
+            <a:off x="4359966" y="5021875"/>
+            <a:ext cx="1046922" cy="369332"/>
+          </a:xfrm>
+          <a:prstGeom prst="rect">
+            <a:avLst/>
+          </a:prstGeom>
+          <a:noFill/>
+        </p:spPr>
+        <p:txBody>
+          <a:bodyPr wrap="square" rtlCol="1">
+            <a:spAutoFit/>
+          </a:bodyPr>
+          <a:lstStyle/>
+          <a:p>
+            <a:r>
+              <a:rPr lang="en-US" dirty="0"/>
+              <a:t>system</a:t>
+            </a:r>
+            <a:endParaRPr lang="ar-SA" dirty="0"/>
+          </a:p>
+        </p:txBody>
+      </p:sp>
+      <p:cxnSp>
+        <p:nvCxnSpPr>
+          <p:cNvPr id="30" name="Straight Arrow Connector 29">
+            <a:extLst>
+              <a:ext uri="{FF2B5EF4-FFF2-40B4-BE49-F238E27FC236}">
+                <a16:creationId xmlns:a16="http://schemas.microsoft.com/office/drawing/2014/main" id="{D89A34B4-C813-4E97-806D-5CF9FF838220}"/>
+              </a:ext>
+            </a:extLst>
+          </p:cNvPr>
+          <p:cNvCxnSpPr>
+            <a:cxnSpLocks/>
+            <a:endCxn id="28" idx="1"/>
+          </p:cNvCxnSpPr>
+          <p:nvPr/>
+        </p:nvCxnSpPr>
+        <p:spPr>
+          <a:xfrm>
+            <a:off x="3233531" y="5252511"/>
+            <a:ext cx="914400" cy="0"/>
+          </a:xfrm>
+          <a:prstGeom prst="straightConnector1">
+            <a:avLst/>
+          </a:prstGeom>
+          <a:ln>
+            <a:tailEnd type="triangle"/>
+          </a:ln>
+        </p:spPr>
+        <p:style>
+          <a:lnRef idx="1">
+            <a:schemeClr val="accent1"/>
+          </a:lnRef>
+          <a:fillRef idx="0">
+            <a:schemeClr val="accent1"/>
+          </a:fillRef>
+          <a:effectRef idx="0">
+            <a:schemeClr val="accent1"/>
+          </a:effectRef>
+          <a:fontRef idx="minor">
+            <a:schemeClr val="tx1"/>
+          </a:fontRef>
+        </p:style>
+      </p:cxnSp>
+      <p:cxnSp>
+        <p:nvCxnSpPr>
+          <p:cNvPr id="31" name="Straight Arrow Connector 30">
+            <a:extLst>
+              <a:ext uri="{FF2B5EF4-FFF2-40B4-BE49-F238E27FC236}">
+                <a16:creationId xmlns:a16="http://schemas.microsoft.com/office/drawing/2014/main" id="{56202FD6-C13E-4ADA-80ED-9EA54FC11B9D}"/>
+              </a:ext>
+            </a:extLst>
+          </p:cNvPr>
+          <p:cNvCxnSpPr>
+            <a:stCxn id="29" idx="3"/>
+          </p:cNvCxnSpPr>
+          <p:nvPr/>
+        </p:nvCxnSpPr>
+        <p:spPr>
+          <a:xfrm flipV="1">
+            <a:off x="5406888" y="5197827"/>
+            <a:ext cx="940904" cy="8714"/>
+          </a:xfrm>
+          <a:prstGeom prst="straightConnector1">
+            <a:avLst/>
+          </a:prstGeom>
+          <a:ln>
+            <a:tailEnd type="triangle"/>
+          </a:ln>
+        </p:spPr>
+        <p:style>
+          <a:lnRef idx="1">
+            <a:schemeClr val="accent1"/>
+          </a:lnRef>
+          <a:fillRef idx="0">
+            <a:schemeClr val="accent1"/>
+          </a:fillRef>
+          <a:effectRef idx="0">
+            <a:schemeClr val="accent1"/>
+          </a:effectRef>
+          <a:fontRef idx="minor">
+            <a:schemeClr val="tx1"/>
+          </a:fontRef>
+        </p:style>
+      </p:cxnSp>
+      <p:sp>
+        <p:nvSpPr>
+          <p:cNvPr id="32" name="TextBox 31">
+            <a:extLst>
+              <a:ext uri="{FF2B5EF4-FFF2-40B4-BE49-F238E27FC236}">
+                <a16:creationId xmlns:a16="http://schemas.microsoft.com/office/drawing/2014/main" id="{A2AED846-61B9-4CCD-A829-DE72897005B6}"/>
+              </a:ext>
+            </a:extLst>
+          </p:cNvPr>
+          <p:cNvSpPr txBox="1"/>
+          <p:nvPr/>
+        </p:nvSpPr>
+        <p:spPr>
+          <a:xfrm>
+            <a:off x="1944757" y="5036656"/>
+            <a:ext cx="1530627" cy="369332"/>
+          </a:xfrm>
+          <a:prstGeom prst="rect">
+            <a:avLst/>
+          </a:prstGeom>
+          <a:noFill/>
+        </p:spPr>
+        <p:txBody>
+          <a:bodyPr wrap="square" rtlCol="1">
+            <a:spAutoFit/>
+          </a:bodyPr>
+          <a:lstStyle/>
+          <a:p>
+            <a:r>
+              <a:rPr lang="en-US" dirty="0"/>
+              <a:t>X1[n]+X2[n]</a:t>
+            </a:r>
+            <a:endParaRPr lang="ar-SA" dirty="0"/>
+          </a:p>
+        </p:txBody>
+      </p:sp>
+      <p:sp>
+        <p:nvSpPr>
+          <p:cNvPr id="33" name="TextBox 32">
+            <a:extLst>
+              <a:ext uri="{FF2B5EF4-FFF2-40B4-BE49-F238E27FC236}">
+                <a16:creationId xmlns:a16="http://schemas.microsoft.com/office/drawing/2014/main" id="{39CDEE23-A402-430A-BB8D-958615506D83}"/>
+              </a:ext>
+            </a:extLst>
+          </p:cNvPr>
+          <p:cNvSpPr txBox="1"/>
+          <p:nvPr/>
+        </p:nvSpPr>
+        <p:spPr>
+          <a:xfrm>
+            <a:off x="6268278" y="5013161"/>
+            <a:ext cx="808383" cy="369332"/>
+          </a:xfrm>
+          <a:prstGeom prst="rect">
+            <a:avLst/>
+          </a:prstGeom>
+          <a:noFill/>
+        </p:spPr>
+        <p:txBody>
+          <a:bodyPr wrap="square" rtlCol="1">
+            <a:spAutoFit/>
+          </a:bodyPr>
+          <a:lstStyle/>
+          <a:p>
+            <a:r>
+              <a:rPr lang="en-US" dirty="0"/>
+              <a:t>Y3[n]</a:t>
+            </a:r>
+            <a:endParaRPr lang="ar-SA" dirty="0"/>
+          </a:p>
+        </p:txBody>
+      </p:sp>
+      <p:sp>
+        <p:nvSpPr>
+          <p:cNvPr id="34" name="TextBox 33">
+            <a:extLst>
+              <a:ext uri="{FF2B5EF4-FFF2-40B4-BE49-F238E27FC236}">
+                <a16:creationId xmlns:a16="http://schemas.microsoft.com/office/drawing/2014/main" id="{A025FF8E-66A7-47C1-B43C-86F21F9E337F}"/>
+              </a:ext>
+            </a:extLst>
+          </p:cNvPr>
+          <p:cNvSpPr txBox="1"/>
+          <p:nvPr/>
+        </p:nvSpPr>
+        <p:spPr>
+          <a:xfrm>
+            <a:off x="1944757" y="5896631"/>
+            <a:ext cx="6443869" cy="523220"/>
+          </a:xfrm>
+          <a:prstGeom prst="rect">
+            <a:avLst/>
+          </a:prstGeom>
+          <a:noFill/>
+        </p:spPr>
+        <p:txBody>
+          <a:bodyPr wrap="square" rtlCol="1">
+            <a:spAutoFit/>
+          </a:bodyPr>
+          <a:lstStyle/>
+          <a:p>
+            <a:r>
+              <a:rPr lang="en-US" sz="2800" b="1" dirty="0">
+                <a:solidFill>
+                  <a:srgbClr val="C00000"/>
+                </a:solidFill>
+              </a:rPr>
+              <a:t>IF </a:t>
+            </a:r>
+            <a:r>
+              <a:rPr lang="en-US" sz="2000" dirty="0">
+                <a:solidFill>
+                  <a:srgbClr val="002060"/>
+                </a:solidFill>
+              </a:rPr>
+              <a:t>Y1+Y2 =Y3 the system is linear</a:t>
+            </a:r>
+            <a:endParaRPr lang="ar-SA" sz="2800" dirty="0">
+              <a:solidFill>
+                <a:srgbClr val="002060"/>
+              </a:solidFill>
+            </a:endParaRPr>
+          </a:p>
+        </p:txBody>
+      </p:sp>
+    </p:spTree>
+    <p:extLst>
+      <p:ext uri="{BB962C8B-B14F-4D97-AF65-F5344CB8AC3E}">
+        <p14:creationId xmlns:p14="http://schemas.microsoft.com/office/powerpoint/2010/main" val="702385355"/>
+      </p:ext>
+    </p:extLst>
+  </p:cSld>
+  <p:clrMapOvr>
+    <a:masterClrMapping/>
+  </p:clrMapOvr>
+</p:sld>
+</file>
+
+<file path=ppt/slides/slide23.xml><?xml version="1.0" encoding="utf-8"?>
+<p:sld xmlns:a="http://schemas.openxmlformats.org/drawingml/2006/main" xmlns:r="http://schemas.openxmlformats.org/officeDocument/2006/relationships" xmlns:p="http://schemas.openxmlformats.org/presentationml/2006/main">
+  <p:cSld>
+    <p:spTree>
+      <p:nvGrpSpPr>
+        <p:cNvPr id="1" name=""/>
+        <p:cNvGrpSpPr/>
+        <p:nvPr/>
+      </p:nvGrpSpPr>
+      <p:grpSpPr>
+        <a:xfrm>
+          <a:off x="0" y="0"/>
+          <a:ext cx="0" cy="0"/>
+          <a:chOff x="0" y="0"/>
+          <a:chExt cx="0" cy="0"/>
+        </a:xfrm>
+      </p:grpSpPr>
+      <p:sp>
+        <p:nvSpPr>
+          <p:cNvPr id="2" name="TextBox 1">
+            <a:extLst>
+              <a:ext uri="{FF2B5EF4-FFF2-40B4-BE49-F238E27FC236}">
+                <a16:creationId xmlns:a16="http://schemas.microsoft.com/office/drawing/2014/main" id="{3A19EB26-0ABF-4817-B0E7-E990DD9F36AA}"/>
+              </a:ext>
+            </a:extLst>
+          </p:cNvPr>
+          <p:cNvSpPr txBox="1"/>
+          <p:nvPr/>
+        </p:nvSpPr>
+        <p:spPr>
+          <a:xfrm>
+            <a:off x="463825" y="369788"/>
+            <a:ext cx="4002157" cy="400110"/>
+          </a:xfrm>
+          <a:prstGeom prst="rect">
+            <a:avLst/>
+          </a:prstGeom>
+          <a:noFill/>
+        </p:spPr>
+        <p:txBody>
+          <a:bodyPr wrap="square" rtlCol="1">
+            <a:spAutoFit/>
+          </a:bodyPr>
+          <a:lstStyle/>
+          <a:p>
+            <a:r>
+              <a:rPr lang="en-US" sz="2000" dirty="0">
+                <a:solidFill>
+                  <a:schemeClr val="accent1">
+                    <a:lumMod val="50000"/>
+                  </a:schemeClr>
+                </a:solidFill>
+              </a:rPr>
+              <a:t>Implementation 1:</a:t>
+            </a:r>
+            <a:endParaRPr lang="ar-SA" sz="2000" dirty="0">
+              <a:solidFill>
+                <a:schemeClr val="accent1">
+                  <a:lumMod val="50000"/>
+                </a:schemeClr>
+              </a:solidFill>
+            </a:endParaRPr>
+          </a:p>
+        </p:txBody>
+      </p:sp>
+      <p:sp>
+        <p:nvSpPr>
+          <p:cNvPr id="3" name="TextBox 2">
+            <a:extLst>
+              <a:ext uri="{FF2B5EF4-FFF2-40B4-BE49-F238E27FC236}">
+                <a16:creationId xmlns:a16="http://schemas.microsoft.com/office/drawing/2014/main" id="{1348390F-C3E9-4778-9CDA-D6DFD849B37B}"/>
+              </a:ext>
+            </a:extLst>
+          </p:cNvPr>
+          <p:cNvSpPr txBox="1"/>
+          <p:nvPr/>
+        </p:nvSpPr>
+        <p:spPr>
+          <a:xfrm>
+            <a:off x="463825" y="919184"/>
+            <a:ext cx="4664765" cy="5940088"/>
+          </a:xfrm>
+          <a:prstGeom prst="rect">
+            <a:avLst/>
+          </a:prstGeom>
+          <a:noFill/>
+        </p:spPr>
+        <p:txBody>
+          <a:bodyPr wrap="square" rtlCol="1">
+            <a:spAutoFit/>
+          </a:bodyPr>
+          <a:lstStyle/>
+          <a:p>
+            <a:r>
+              <a:rPr lang="en-US" sz="1600" dirty="0"/>
+              <a:t>clc;</a:t>
+            </a:r>
+          </a:p>
+          <a:p>
+            <a:r>
+              <a:rPr lang="en-US" sz="1600" dirty="0"/>
+              <a:t>clear all;</a:t>
+            </a:r>
+          </a:p>
+          <a:p>
+            <a:r>
+              <a:rPr lang="en-US" sz="1600" dirty="0"/>
+              <a:t>close all;</a:t>
+            </a:r>
+          </a:p>
+          <a:p>
+            <a:r>
+              <a:rPr lang="en-US" sz="1600" dirty="0"/>
+              <a:t>%Properties of DT Systems(Linearity)</a:t>
+            </a:r>
+          </a:p>
+          <a:p>
+            <a:r>
+              <a:rPr lang="pt-BR" sz="1600" dirty="0"/>
+              <a:t>%y(n)=[x(n)]^2+B; (system)</a:t>
+            </a:r>
+          </a:p>
+          <a:p>
+            <a:r>
+              <a:rPr lang="en-US" sz="1600" dirty="0"/>
+              <a:t>x1=input('Enter first input sequence:');</a:t>
+            </a:r>
+          </a:p>
+          <a:p>
+            <a:r>
+              <a:rPr lang="en-US" sz="1600" dirty="0"/>
+              <a:t>n=length(x1);</a:t>
+            </a:r>
+          </a:p>
+          <a:p>
+            <a:r>
+              <a:rPr lang="en-US" sz="1600" dirty="0"/>
+              <a:t>x2=input('Enter second input sequence:');</a:t>
+            </a:r>
+          </a:p>
+          <a:p>
+            <a:r>
+              <a:rPr lang="en-US" sz="1600" dirty="0"/>
+              <a:t>a=input('Enter scaling constant(a):');</a:t>
+            </a:r>
+          </a:p>
+          <a:p>
+            <a:r>
+              <a:rPr lang="en-US" sz="1600" dirty="0"/>
+              <a:t>b=input('Enter scaling constant(b):');</a:t>
+            </a:r>
+          </a:p>
+          <a:p>
+            <a:r>
+              <a:rPr lang="en-US" sz="1600" dirty="0"/>
+              <a:t>B=input('Enter scaling constant(B):');</a:t>
+            </a:r>
+          </a:p>
+          <a:p>
+            <a:r>
+              <a:rPr lang="en-US" sz="1600" dirty="0"/>
+              <a:t>y1=power(x1,2)+B;</a:t>
+            </a:r>
+          </a:p>
+          <a:p>
+            <a:r>
+              <a:rPr lang="en-US" sz="1600" dirty="0"/>
+              <a:t>y2=power(x2,2)+B;</a:t>
+            </a:r>
+          </a:p>
+          <a:p>
+            <a:r>
+              <a:rPr lang="es-ES" sz="1600" dirty="0" err="1"/>
+              <a:t>rhs</a:t>
+            </a:r>
+            <a:r>
+              <a:rPr lang="es-ES" sz="1600" dirty="0"/>
+              <a:t>=a*y1+b*y2;</a:t>
+            </a:r>
+          </a:p>
+          <a:p>
+            <a:r>
+              <a:rPr lang="pt-BR" sz="1600" dirty="0"/>
+              <a:t>x3=a*x1+b*x2;</a:t>
+            </a:r>
+          </a:p>
+          <a:p>
+            <a:r>
+              <a:rPr lang="en-US" sz="1600" dirty="0" err="1"/>
+              <a:t>lhs</a:t>
+            </a:r>
+            <a:r>
+              <a:rPr lang="en-US" sz="1600" dirty="0"/>
+              <a:t>=power(x3,2)+B;</a:t>
+            </a:r>
+          </a:p>
+          <a:p>
+            <a:r>
+              <a:rPr lang="en-US" sz="1600" dirty="0"/>
+              <a:t>subplot(2,2,1);</a:t>
+            </a:r>
+          </a:p>
+          <a:p>
+            <a:r>
+              <a:rPr lang="en-US" sz="1600" dirty="0"/>
+              <a:t>stem(0:n-1,x1);</a:t>
+            </a:r>
+          </a:p>
+          <a:p>
+            <a:r>
+              <a:rPr lang="en-US" sz="1600" dirty="0"/>
+              <a:t>xlabel('Time');</a:t>
+            </a:r>
+          </a:p>
+          <a:p>
+            <a:r>
+              <a:rPr lang="en-US" sz="1600" dirty="0"/>
+              <a:t>ylabel('Amplitude');</a:t>
+            </a:r>
+          </a:p>
+          <a:p>
+            <a:r>
+              <a:rPr lang="en-US" sz="1600" dirty="0"/>
+              <a:t>title('First input sequence');</a:t>
+            </a:r>
+          </a:p>
+          <a:p>
+            <a:endParaRPr lang="en-US" sz="1600" dirty="0"/>
+          </a:p>
+          <a:p>
+            <a:endParaRPr lang="ar-SA" sz="1600" dirty="0"/>
+          </a:p>
+        </p:txBody>
+      </p:sp>
+      <p:sp>
+        <p:nvSpPr>
+          <p:cNvPr id="4" name="TextBox 3">
+            <a:extLst>
+              <a:ext uri="{FF2B5EF4-FFF2-40B4-BE49-F238E27FC236}">
+                <a16:creationId xmlns:a16="http://schemas.microsoft.com/office/drawing/2014/main" id="{335888F3-4608-4A38-95B5-B14F7DCB4361}"/>
+              </a:ext>
+            </a:extLst>
+          </p:cNvPr>
+          <p:cNvSpPr txBox="1"/>
+          <p:nvPr/>
+        </p:nvSpPr>
+        <p:spPr>
+          <a:xfrm>
+            <a:off x="5870713" y="895682"/>
+            <a:ext cx="3790122" cy="5416868"/>
+          </a:xfrm>
+          <a:prstGeom prst="rect">
+            <a:avLst/>
+          </a:prstGeom>
+          <a:noFill/>
+        </p:spPr>
+        <p:txBody>
+          <a:bodyPr wrap="square" rtlCol="1">
+            <a:spAutoFit/>
+          </a:bodyPr>
+          <a:lstStyle/>
+          <a:p>
+            <a:r>
+              <a:rPr lang="en-US" sz="1600" dirty="0"/>
+              <a:t>subplot(2,2,2);</a:t>
+            </a:r>
+          </a:p>
+          <a:p>
+            <a:r>
+              <a:rPr lang="en-US" sz="1600" dirty="0"/>
+              <a:t>stem(0:n-1,x2);</a:t>
+            </a:r>
+          </a:p>
+          <a:p>
+            <a:r>
+              <a:rPr lang="en-US" sz="1600" dirty="0"/>
+              <a:t>xlabel('Time');</a:t>
+            </a:r>
+          </a:p>
+          <a:p>
+            <a:r>
+              <a:rPr lang="en-US" sz="1600" dirty="0"/>
+              <a:t>ylabel('Amplitude');</a:t>
+            </a:r>
+          </a:p>
+          <a:p>
+            <a:r>
+              <a:rPr lang="en-US" sz="1600" dirty="0"/>
+              <a:t>title('Second input sequence');</a:t>
+            </a:r>
+          </a:p>
+          <a:p>
+            <a:r>
+              <a:rPr lang="en-US" sz="1600" dirty="0"/>
+              <a:t>subplot(2,2,3);</a:t>
+            </a:r>
+          </a:p>
+          <a:p>
+            <a:r>
+              <a:rPr lang="en-US" sz="1600" dirty="0"/>
+              <a:t>stem(0:n-1,lhs);</a:t>
+            </a:r>
+          </a:p>
+          <a:p>
+            <a:r>
+              <a:rPr lang="en-US" sz="1600" dirty="0"/>
+              <a:t>xlabel('Time');</a:t>
+            </a:r>
+          </a:p>
+          <a:p>
+            <a:r>
+              <a:rPr lang="en-US" sz="1600" dirty="0"/>
+              <a:t>ylabel('Amplitude');</a:t>
+            </a:r>
+          </a:p>
+          <a:p>
+            <a:r>
+              <a:rPr lang="en-US" sz="1600" dirty="0"/>
+              <a:t>title('LHS');</a:t>
+            </a:r>
+          </a:p>
+          <a:p>
+            <a:r>
+              <a:rPr lang="en-US" sz="1600" dirty="0"/>
+              <a:t>subplot(2,2,4);</a:t>
+            </a:r>
+          </a:p>
+          <a:p>
+            <a:r>
+              <a:rPr lang="en-US" sz="1600" dirty="0"/>
+              <a:t>stem(0:n-1,rhs);</a:t>
+            </a:r>
+          </a:p>
+          <a:p>
+            <a:r>
+              <a:rPr lang="en-US" sz="1600" dirty="0"/>
+              <a:t>xlabel('Time');</a:t>
+            </a:r>
+          </a:p>
+          <a:p>
+            <a:r>
+              <a:rPr lang="en-US" sz="1600" dirty="0"/>
+              <a:t>ylabel('Amplitude');</a:t>
+            </a:r>
+          </a:p>
+          <a:p>
+            <a:r>
+              <a:rPr lang="en-US" sz="1600" dirty="0"/>
+              <a:t>title('RHS');</a:t>
+            </a:r>
+          </a:p>
+          <a:p>
+            <a:r>
+              <a:rPr lang="en-US" sz="1600" dirty="0"/>
+              <a:t>if(</a:t>
+            </a:r>
+            <a:r>
+              <a:rPr lang="en-US" sz="1600" dirty="0" err="1"/>
+              <a:t>lhs</a:t>
+            </a:r>
+            <a:r>
+              <a:rPr lang="en-US" sz="1600" dirty="0"/>
+              <a:t>==</a:t>
+            </a:r>
+            <a:r>
+              <a:rPr lang="en-US" sz="1600" dirty="0" err="1"/>
+              <a:t>rhs</a:t>
+            </a:r>
+            <a:r>
+              <a:rPr lang="en-US" sz="1600" dirty="0"/>
+              <a:t>)</a:t>
+            </a:r>
+          </a:p>
+          <a:p>
+            <a:r>
+              <a:rPr lang="en-US" sz="1600" dirty="0"/>
+              <a:t>display('system is linear');</a:t>
+            </a:r>
+          </a:p>
+          <a:p>
+            <a:r>
+              <a:rPr lang="en-US" sz="1600" dirty="0"/>
+              <a:t>else</a:t>
+            </a:r>
+          </a:p>
+          <a:p>
+            <a:r>
+              <a:rPr lang="en-US" sz="1600" dirty="0"/>
+              <a:t>display('system is non-linear');</a:t>
+            </a:r>
+          </a:p>
+          <a:p>
+            <a:r>
+              <a:rPr lang="en-US" sz="1600" dirty="0"/>
+              <a:t>end;</a:t>
+            </a:r>
+          </a:p>
+          <a:p>
+            <a:endParaRPr lang="ar-SA" sz="1600" dirty="0"/>
+          </a:p>
+        </p:txBody>
+      </p:sp>
+      <p:cxnSp>
+        <p:nvCxnSpPr>
+          <p:cNvPr id="6" name="Straight Connector 5">
+            <a:extLst>
+              <a:ext uri="{FF2B5EF4-FFF2-40B4-BE49-F238E27FC236}">
+                <a16:creationId xmlns:a16="http://schemas.microsoft.com/office/drawing/2014/main" id="{14C65BA1-7A8F-407A-87BF-878658D4705F}"/>
+              </a:ext>
+            </a:extLst>
+          </p:cNvPr>
+          <p:cNvCxnSpPr/>
+          <p:nvPr/>
+        </p:nvCxnSpPr>
+        <p:spPr>
+          <a:xfrm>
+            <a:off x="5128590" y="1060174"/>
+            <a:ext cx="0" cy="5208104"/>
+          </a:xfrm>
+          <a:prstGeom prst="line">
+            <a:avLst/>
+          </a:prstGeom>
+        </p:spPr>
+        <p:style>
+          <a:lnRef idx="3">
+            <a:schemeClr val="accent1"/>
+          </a:lnRef>
+          <a:fillRef idx="0">
+            <a:schemeClr val="accent1"/>
+          </a:fillRef>
+          <a:effectRef idx="2">
+            <a:schemeClr val="accent1"/>
+          </a:effectRef>
+          <a:fontRef idx="minor">
+            <a:schemeClr val="tx1"/>
+          </a:fontRef>
+        </p:style>
+      </p:cxnSp>
+    </p:spTree>
+    <p:extLst>
+      <p:ext uri="{BB962C8B-B14F-4D97-AF65-F5344CB8AC3E}">
+        <p14:creationId xmlns:p14="http://schemas.microsoft.com/office/powerpoint/2010/main" val="2103371067"/>
+      </p:ext>
+    </p:extLst>
+  </p:cSld>
+  <p:clrMapOvr>
+    <a:masterClrMapping/>
+  </p:clrMapOvr>
+</p:sld>
+</file>
+
+<file path=ppt/slides/slide24.xml><?xml version="1.0" encoding="utf-8"?>
+<p:sld xmlns:a="http://schemas.openxmlformats.org/drawingml/2006/main" xmlns:r="http://schemas.openxmlformats.org/officeDocument/2006/relationships" xmlns:p="http://schemas.openxmlformats.org/presentationml/2006/main">
+  <p:cSld>
+    <p:spTree>
+      <p:nvGrpSpPr>
+        <p:cNvPr id="1" name=""/>
+        <p:cNvGrpSpPr/>
+        <p:nvPr/>
+      </p:nvGrpSpPr>
+      <p:grpSpPr>
+        <a:xfrm>
+          <a:off x="0" y="0"/>
+          <a:ext cx="0" cy="0"/>
+          <a:chOff x="0" y="0"/>
+          <a:chExt cx="0" cy="0"/>
+        </a:xfrm>
+      </p:grpSpPr>
+      <p:pic>
+        <p:nvPicPr>
+          <p:cNvPr id="2" name="Picture 1">
+            <a:extLst>
+              <a:ext uri="{FF2B5EF4-FFF2-40B4-BE49-F238E27FC236}">
+                <a16:creationId xmlns:a16="http://schemas.microsoft.com/office/drawing/2014/main" id="{FD58C7BD-0704-4A90-BE01-553CD1625FDA}"/>
+              </a:ext>
+            </a:extLst>
+          </p:cNvPr>
+          <p:cNvPicPr>
+            <a:picLocks noChangeAspect="1"/>
+          </p:cNvPicPr>
+          <p:nvPr/>
+        </p:nvPicPr>
+        <p:blipFill>
+          <a:blip r:embed="rId2"/>
+          <a:stretch>
+            <a:fillRect/>
+          </a:stretch>
+        </p:blipFill>
+        <p:spPr>
+          <a:xfrm>
+            <a:off x="459063" y="749575"/>
+            <a:ext cx="8896971" cy="5067300"/>
+          </a:xfrm>
+          <a:prstGeom prst="rect">
+            <a:avLst/>
+          </a:prstGeom>
+        </p:spPr>
+      </p:pic>
+    </p:spTree>
+    <p:extLst>
+      <p:ext uri="{BB962C8B-B14F-4D97-AF65-F5344CB8AC3E}">
+        <p14:creationId xmlns:p14="http://schemas.microsoft.com/office/powerpoint/2010/main" val="3998644020"/>
+      </p:ext>
+    </p:extLst>
+  </p:cSld>
+  <p:clrMapOvr>
+    <a:masterClrMapping/>
+  </p:clrMapOvr>
+</p:sld>
+</file>
+
+<file path=ppt/slides/slide25.xml><?xml version="1.0" encoding="utf-8"?>
+<p:sld xmlns:a="http://schemas.openxmlformats.org/drawingml/2006/main" xmlns:r="http://schemas.openxmlformats.org/officeDocument/2006/relationships" xmlns:p="http://schemas.openxmlformats.org/presentationml/2006/main">
+  <p:cSld>
+    <p:spTree>
+      <p:nvGrpSpPr>
+        <p:cNvPr id="1" name=""/>
+        <p:cNvGrpSpPr/>
+        <p:nvPr/>
+      </p:nvGrpSpPr>
+      <p:grpSpPr>
+        <a:xfrm>
+          <a:off x="0" y="0"/>
+          <a:ext cx="0" cy="0"/>
+          <a:chOff x="0" y="0"/>
+          <a:chExt cx="0" cy="0"/>
+        </a:xfrm>
+      </p:grpSpPr>
+      <p:sp>
+        <p:nvSpPr>
+          <p:cNvPr id="3" name="Rectangle 2">
+            <a:extLst>
+              <a:ext uri="{FF2B5EF4-FFF2-40B4-BE49-F238E27FC236}">
+                <a16:creationId xmlns:a16="http://schemas.microsoft.com/office/drawing/2014/main" id="{A2202B30-7E8C-4292-B172-D3B31BBC8765}"/>
+              </a:ext>
+            </a:extLst>
+          </p:cNvPr>
+          <p:cNvSpPr/>
+          <p:nvPr/>
+        </p:nvSpPr>
+        <p:spPr>
+          <a:xfrm>
+            <a:off x="281761" y="623293"/>
+            <a:ext cx="9501809" cy="4801314"/>
+          </a:xfrm>
+          <a:prstGeom prst="rect">
+            <a:avLst/>
+          </a:prstGeom>
+        </p:spPr>
+        <p:txBody>
+          <a:bodyPr wrap="square">
+            <a:spAutoFit/>
+          </a:bodyPr>
+          <a:lstStyle/>
+          <a:p>
+            <a:pPr marL="285750" indent="-285750">
+              <a:buFont typeface="Arial" panose="020B0604020202020204" pitchFamily="34" charset="0"/>
+              <a:buChar char="•"/>
+            </a:pPr>
+            <a:r>
+              <a:rPr lang="en-US" dirty="0">
+                <a:latin typeface="Arial" panose="020B0604020202020204" pitchFamily="34" charset="0"/>
+                <a:cs typeface="Arial" panose="020B0604020202020204" pitchFamily="34" charset="0"/>
+              </a:rPr>
+              <a:t>If the discrete time systems described by equation below:</a:t>
+            </a:r>
+          </a:p>
+          <a:p>
+            <a:endParaRPr lang="en-US" dirty="0">
+              <a:latin typeface="Arial" panose="020B0604020202020204" pitchFamily="34" charset="0"/>
+              <a:cs typeface="Arial" panose="020B0604020202020204" pitchFamily="34" charset="0"/>
+            </a:endParaRPr>
+          </a:p>
+          <a:p>
+            <a:endParaRPr lang="en-US" dirty="0">
+              <a:latin typeface="Arial" panose="020B0604020202020204" pitchFamily="34" charset="0"/>
+              <a:cs typeface="Arial" panose="020B0604020202020204" pitchFamily="34" charset="0"/>
+            </a:endParaRPr>
+          </a:p>
+          <a:p>
+            <a:endParaRPr lang="en-US" dirty="0">
+              <a:latin typeface="Arial" panose="020B0604020202020204" pitchFamily="34" charset="0"/>
+              <a:cs typeface="Arial" panose="020B0604020202020204" pitchFamily="34" charset="0"/>
+            </a:endParaRPr>
+          </a:p>
+          <a:p>
+            <a:endParaRPr lang="en-US" dirty="0">
+              <a:latin typeface="Arial" panose="020B0604020202020204" pitchFamily="34" charset="0"/>
+              <a:cs typeface="Arial" panose="020B0604020202020204" pitchFamily="34" charset="0"/>
+            </a:endParaRPr>
+          </a:p>
+          <a:p>
+            <a:endParaRPr lang="en-US" dirty="0">
+              <a:latin typeface="Arial" panose="020B0604020202020204" pitchFamily="34" charset="0"/>
+              <a:cs typeface="Arial" panose="020B0604020202020204" pitchFamily="34" charset="0"/>
+            </a:endParaRPr>
+          </a:p>
+          <a:p>
+            <a:pPr marL="285750" indent="-285750">
+              <a:buFont typeface="Arial" panose="020B0604020202020204" pitchFamily="34" charset="0"/>
+              <a:buChar char="•"/>
+            </a:pPr>
+            <a:r>
+              <a:rPr lang="en-US" dirty="0">
+                <a:latin typeface="Arial" panose="020B0604020202020204" pitchFamily="34" charset="0"/>
+                <a:cs typeface="Arial" panose="020B0604020202020204" pitchFamily="34" charset="0"/>
+              </a:rPr>
+              <a:t>To apply this equation in MATLAB, the command </a:t>
+            </a:r>
+            <a:r>
+              <a:rPr lang="en-US" dirty="0">
+                <a:solidFill>
+                  <a:srgbClr val="0070C0"/>
+                </a:solidFill>
+                <a:effectLst>
+                  <a:outerShdw blurRad="38100" dist="38100" dir="2700000" algn="tl">
+                    <a:srgbClr val="000000">
+                      <a:alpha val="43137"/>
+                    </a:srgbClr>
+                  </a:outerShdw>
+                </a:effectLst>
+                <a:latin typeface="Arial" panose="020B0604020202020204" pitchFamily="34" charset="0"/>
+                <a:cs typeface="Arial" panose="020B0604020202020204" pitchFamily="34" charset="0"/>
+              </a:rPr>
+              <a:t>filter</a:t>
+            </a:r>
+            <a:r>
+              <a:rPr lang="en-US" dirty="0">
+                <a:latin typeface="Arial" panose="020B0604020202020204" pitchFamily="34" charset="0"/>
+                <a:cs typeface="Arial" panose="020B0604020202020204" pitchFamily="34" charset="0"/>
+              </a:rPr>
+              <a:t> can be used.</a:t>
+            </a:r>
+          </a:p>
+          <a:p>
+            <a:r>
+              <a:rPr lang="en-US" dirty="0">
+                <a:latin typeface="Arial" panose="020B0604020202020204" pitchFamily="34" charset="0"/>
+                <a:cs typeface="Arial" panose="020B0604020202020204" pitchFamily="34" charset="0"/>
+              </a:rPr>
+              <a:t>There are several versions of this command. If we denote</a:t>
+            </a:r>
+          </a:p>
+          <a:p>
+            <a:pPr algn="ctr"/>
+            <a:r>
+              <a:rPr lang="en-US" dirty="0">
+                <a:latin typeface="Arial" panose="020B0604020202020204" pitchFamily="34" charset="0"/>
+                <a:cs typeface="Arial" panose="020B0604020202020204" pitchFamily="34" charset="0"/>
+              </a:rPr>
+              <a:t>num = [p0 p1 </a:t>
+            </a:r>
+            <a:r>
+              <a:rPr lang="en-US" i="1" dirty="0">
+                <a:latin typeface="Arial" panose="020B0604020202020204" pitchFamily="34" charset="0"/>
+                <a:cs typeface="Arial" panose="020B0604020202020204" pitchFamily="34" charset="0"/>
+              </a:rPr>
+              <a:t>. . . </a:t>
+            </a:r>
+            <a:r>
+              <a:rPr lang="en-US" dirty="0" err="1">
+                <a:latin typeface="Arial" panose="020B0604020202020204" pitchFamily="34" charset="0"/>
+                <a:cs typeface="Arial" panose="020B0604020202020204" pitchFamily="34" charset="0"/>
+              </a:rPr>
+              <a:t>pM</a:t>
+            </a:r>
+            <a:r>
+              <a:rPr lang="en-US" dirty="0">
+                <a:latin typeface="Arial" panose="020B0604020202020204" pitchFamily="34" charset="0"/>
+                <a:cs typeface="Arial" panose="020B0604020202020204" pitchFamily="34" charset="0"/>
+              </a:rPr>
+              <a:t>]</a:t>
+            </a:r>
+            <a:r>
+              <a:rPr lang="en-US" i="1" dirty="0">
+                <a:latin typeface="Arial" panose="020B0604020202020204" pitchFamily="34" charset="0"/>
+                <a:cs typeface="Arial" panose="020B0604020202020204" pitchFamily="34" charset="0"/>
+              </a:rPr>
+              <a:t>,</a:t>
+            </a:r>
+            <a:br>
+              <a:rPr lang="en-US" dirty="0">
+                <a:latin typeface="Arial" panose="020B0604020202020204" pitchFamily="34" charset="0"/>
+                <a:cs typeface="Arial" panose="020B0604020202020204" pitchFamily="34" charset="0"/>
+              </a:rPr>
+            </a:br>
+            <a:r>
+              <a:rPr lang="en-US" dirty="0">
+                <a:latin typeface="Arial" panose="020B0604020202020204" pitchFamily="34" charset="0"/>
+                <a:cs typeface="Arial" panose="020B0604020202020204" pitchFamily="34" charset="0"/>
+              </a:rPr>
+              <a:t>den = [d0 d1 </a:t>
+            </a:r>
+            <a:r>
+              <a:rPr lang="en-US" i="1" dirty="0">
+                <a:latin typeface="Arial" panose="020B0604020202020204" pitchFamily="34" charset="0"/>
+                <a:cs typeface="Arial" panose="020B0604020202020204" pitchFamily="34" charset="0"/>
+              </a:rPr>
+              <a:t>. . . </a:t>
+            </a:r>
+            <a:r>
+              <a:rPr lang="en-US" dirty="0" err="1">
+                <a:latin typeface="Arial" panose="020B0604020202020204" pitchFamily="34" charset="0"/>
+                <a:cs typeface="Arial" panose="020B0604020202020204" pitchFamily="34" charset="0"/>
+              </a:rPr>
+              <a:t>dN</a:t>
+            </a:r>
+            <a:r>
+              <a:rPr lang="en-US" dirty="0">
+                <a:latin typeface="Arial" panose="020B0604020202020204" pitchFamily="34" charset="0"/>
+                <a:cs typeface="Arial" panose="020B0604020202020204" pitchFamily="34" charset="0"/>
+              </a:rPr>
+              <a:t>]</a:t>
+            </a:r>
+            <a:r>
+              <a:rPr lang="en-US" i="1" dirty="0">
+                <a:latin typeface="Arial" panose="020B0604020202020204" pitchFamily="34" charset="0"/>
+                <a:cs typeface="Arial" panose="020B0604020202020204" pitchFamily="34" charset="0"/>
+              </a:rPr>
+              <a:t>,</a:t>
+            </a:r>
+          </a:p>
+          <a:p>
+            <a:pPr algn="ctr"/>
+            <a:endParaRPr lang="en-US" dirty="0">
+              <a:latin typeface="Arial" panose="020B0604020202020204" pitchFamily="34" charset="0"/>
+              <a:cs typeface="Arial" panose="020B0604020202020204" pitchFamily="34" charset="0"/>
+            </a:endParaRPr>
+          </a:p>
+          <a:p>
+            <a:pPr marL="285750" indent="-285750">
+              <a:buFont typeface="Arial" panose="020B0604020202020204" pitchFamily="34" charset="0"/>
+              <a:buChar char="•"/>
+            </a:pPr>
+            <a:r>
+              <a:rPr lang="en-US" dirty="0">
+                <a:latin typeface="Arial" panose="020B0604020202020204" pitchFamily="34" charset="0"/>
+                <a:cs typeface="Arial" panose="020B0604020202020204" pitchFamily="34" charset="0"/>
+              </a:rPr>
+              <a:t>then y = filter(</a:t>
+            </a:r>
+            <a:r>
+              <a:rPr lang="en-US" dirty="0" err="1">
+                <a:latin typeface="Arial" panose="020B0604020202020204" pitchFamily="34" charset="0"/>
+                <a:cs typeface="Arial" panose="020B0604020202020204" pitchFamily="34" charset="0"/>
+              </a:rPr>
+              <a:t>num,den,x</a:t>
+            </a:r>
+            <a:r>
+              <a:rPr lang="en-US" dirty="0">
+                <a:latin typeface="Arial" panose="020B0604020202020204" pitchFamily="34" charset="0"/>
+                <a:cs typeface="Arial" panose="020B0604020202020204" pitchFamily="34" charset="0"/>
+              </a:rPr>
+              <a:t>) generates an </a:t>
+            </a:r>
+            <a:r>
+              <a:rPr lang="en-US" dirty="0">
+                <a:solidFill>
+                  <a:srgbClr val="0070C0"/>
+                </a:solidFill>
+                <a:latin typeface="Arial" panose="020B0604020202020204" pitchFamily="34" charset="0"/>
+                <a:cs typeface="Arial" panose="020B0604020202020204" pitchFamily="34" charset="0"/>
+              </a:rPr>
+              <a:t>output</a:t>
+            </a:r>
+            <a:r>
+              <a:rPr lang="en-US" dirty="0">
+                <a:latin typeface="Arial" panose="020B0604020202020204" pitchFamily="34" charset="0"/>
+                <a:cs typeface="Arial" panose="020B0604020202020204" pitchFamily="34" charset="0"/>
+              </a:rPr>
+              <a:t> </a:t>
+            </a:r>
+            <a:r>
+              <a:rPr lang="en-US" dirty="0">
+                <a:solidFill>
+                  <a:srgbClr val="0070C0"/>
+                </a:solidFill>
+                <a:latin typeface="Arial" panose="020B0604020202020204" pitchFamily="34" charset="0"/>
+                <a:cs typeface="Arial" panose="020B0604020202020204" pitchFamily="34" charset="0"/>
+              </a:rPr>
+              <a:t>vector</a:t>
+            </a:r>
+            <a:r>
+              <a:rPr lang="en-US" dirty="0">
+                <a:latin typeface="Arial" panose="020B0604020202020204" pitchFamily="34" charset="0"/>
+                <a:cs typeface="Arial" panose="020B0604020202020204" pitchFamily="34" charset="0"/>
+              </a:rPr>
+              <a:t> </a:t>
+            </a:r>
+            <a:r>
+              <a:rPr lang="en-US" dirty="0">
+                <a:solidFill>
+                  <a:srgbClr val="0070C0"/>
+                </a:solidFill>
+                <a:latin typeface="Arial" panose="020B0604020202020204" pitchFamily="34" charset="0"/>
+                <a:cs typeface="Arial" panose="020B0604020202020204" pitchFamily="34" charset="0"/>
+              </a:rPr>
+              <a:t>y</a:t>
+            </a:r>
+            <a:r>
+              <a:rPr lang="en-US" dirty="0">
+                <a:latin typeface="Arial" panose="020B0604020202020204" pitchFamily="34" charset="0"/>
+                <a:cs typeface="Arial" panose="020B0604020202020204" pitchFamily="34" charset="0"/>
+              </a:rPr>
+              <a:t> of the same length as the specified </a:t>
+            </a:r>
+            <a:r>
+              <a:rPr lang="en-US" dirty="0">
+                <a:solidFill>
+                  <a:srgbClr val="0070C0"/>
+                </a:solidFill>
+                <a:latin typeface="Arial" panose="020B0604020202020204" pitchFamily="34" charset="0"/>
+                <a:cs typeface="Arial" panose="020B0604020202020204" pitchFamily="34" charset="0"/>
+              </a:rPr>
+              <a:t>input</a:t>
+            </a:r>
+            <a:r>
+              <a:rPr lang="en-US" dirty="0">
+                <a:latin typeface="Arial" panose="020B0604020202020204" pitchFamily="34" charset="0"/>
+                <a:cs typeface="Arial" panose="020B0604020202020204" pitchFamily="34" charset="0"/>
+              </a:rPr>
+              <a:t> </a:t>
+            </a:r>
+            <a:r>
+              <a:rPr lang="en-US" dirty="0">
+                <a:solidFill>
+                  <a:srgbClr val="0070C0"/>
+                </a:solidFill>
+                <a:latin typeface="Arial" panose="020B0604020202020204" pitchFamily="34" charset="0"/>
+                <a:cs typeface="Arial" panose="020B0604020202020204" pitchFamily="34" charset="0"/>
+              </a:rPr>
+              <a:t>vector</a:t>
+            </a:r>
+            <a:r>
+              <a:rPr lang="en-US" dirty="0">
+                <a:latin typeface="Arial" panose="020B0604020202020204" pitchFamily="34" charset="0"/>
+                <a:cs typeface="Arial" panose="020B0604020202020204" pitchFamily="34" charset="0"/>
+              </a:rPr>
+              <a:t> </a:t>
+            </a:r>
+            <a:r>
+              <a:rPr lang="en-US" dirty="0">
+                <a:solidFill>
+                  <a:srgbClr val="0070C0"/>
+                </a:solidFill>
+                <a:latin typeface="Arial" panose="020B0604020202020204" pitchFamily="34" charset="0"/>
+                <a:cs typeface="Arial" panose="020B0604020202020204" pitchFamily="34" charset="0"/>
+              </a:rPr>
+              <a:t>x</a:t>
+            </a:r>
+            <a:r>
+              <a:rPr lang="en-US" dirty="0">
+                <a:latin typeface="Arial" panose="020B0604020202020204" pitchFamily="34" charset="0"/>
+                <a:cs typeface="Arial" panose="020B0604020202020204" pitchFamily="34" charset="0"/>
+              </a:rPr>
+              <a:t> with zero initial conditions, that is, y[-1]=y[-2] = ... =y[-N] = 0. </a:t>
+            </a:r>
+          </a:p>
+          <a:p>
+            <a:endParaRPr lang="en-US" dirty="0">
+              <a:latin typeface="Arial" panose="020B0604020202020204" pitchFamily="34" charset="0"/>
+              <a:cs typeface="Arial" panose="020B0604020202020204" pitchFamily="34" charset="0"/>
+            </a:endParaRPr>
+          </a:p>
+          <a:p>
+            <a:pPr marL="285750" indent="-285750">
+              <a:buFont typeface="Arial" panose="020B0604020202020204" pitchFamily="34" charset="0"/>
+              <a:buChar char="•"/>
+            </a:pPr>
+            <a:r>
+              <a:rPr lang="en-US" dirty="0">
+                <a:latin typeface="Arial" panose="020B0604020202020204" pitchFamily="34" charset="0"/>
+                <a:cs typeface="Arial" panose="020B0604020202020204" pitchFamily="34" charset="0"/>
+              </a:rPr>
+              <a:t>The output can also be computed using y = filter(</a:t>
+            </a:r>
+            <a:r>
+              <a:rPr lang="en-US" dirty="0" err="1">
+                <a:latin typeface="Arial" panose="020B0604020202020204" pitchFamily="34" charset="0"/>
+                <a:cs typeface="Arial" panose="020B0604020202020204" pitchFamily="34" charset="0"/>
+              </a:rPr>
+              <a:t>num,den,x,ic</a:t>
+            </a:r>
+            <a:r>
+              <a:rPr lang="en-US" dirty="0">
+                <a:latin typeface="Arial" panose="020B0604020202020204" pitchFamily="34" charset="0"/>
+                <a:cs typeface="Arial" panose="020B0604020202020204" pitchFamily="34" charset="0"/>
+              </a:rPr>
+              <a:t>) where </a:t>
+            </a:r>
+            <a:r>
+              <a:rPr lang="en-US" dirty="0" err="1">
+                <a:latin typeface="Arial" panose="020B0604020202020204" pitchFamily="34" charset="0"/>
+                <a:cs typeface="Arial" panose="020B0604020202020204" pitchFamily="34" charset="0"/>
+              </a:rPr>
+              <a:t>ic</a:t>
+            </a:r>
+            <a:r>
+              <a:rPr lang="en-US" dirty="0">
+                <a:latin typeface="Arial" panose="020B0604020202020204" pitchFamily="34" charset="0"/>
+                <a:cs typeface="Arial" panose="020B0604020202020204" pitchFamily="34" charset="0"/>
+              </a:rPr>
+              <a:t> = [y[-1], y[-2], ..., y[-N] is the vector of initial conditions. Access to final conditions is obtained using [</a:t>
+            </a:r>
+            <a:r>
+              <a:rPr lang="en-US" dirty="0" err="1">
+                <a:latin typeface="Arial" panose="020B0604020202020204" pitchFamily="34" charset="0"/>
+                <a:cs typeface="Arial" panose="020B0604020202020204" pitchFamily="34" charset="0"/>
+              </a:rPr>
+              <a:t>y,fc</a:t>
+            </a:r>
+            <a:r>
+              <a:rPr lang="en-US" dirty="0">
+                <a:latin typeface="Arial" panose="020B0604020202020204" pitchFamily="34" charset="0"/>
+                <a:cs typeface="Arial" panose="020B0604020202020204" pitchFamily="34" charset="0"/>
+              </a:rPr>
+              <a:t>].</a:t>
+            </a:r>
+            <a:br>
+              <a:rPr lang="en-US" dirty="0">
+                <a:latin typeface="Arial" panose="020B0604020202020204" pitchFamily="34" charset="0"/>
+                <a:cs typeface="Arial" panose="020B0604020202020204" pitchFamily="34" charset="0"/>
+              </a:rPr>
+            </a:br>
+            <a:endParaRPr lang="ar-SA" dirty="0">
+              <a:latin typeface="Arial" panose="020B0604020202020204" pitchFamily="34" charset="0"/>
+              <a:cs typeface="Arial" panose="020B0604020202020204" pitchFamily="34" charset="0"/>
+            </a:endParaRPr>
+          </a:p>
+        </p:txBody>
+      </p:sp>
+      <p:pic>
+        <p:nvPicPr>
+          <p:cNvPr id="4" name="Picture 3">
+            <a:extLst>
+              <a:ext uri="{FF2B5EF4-FFF2-40B4-BE49-F238E27FC236}">
+                <a16:creationId xmlns:a16="http://schemas.microsoft.com/office/drawing/2014/main" id="{6A243F1C-796D-4CE8-B00B-6C78326E9931}"/>
+              </a:ext>
+            </a:extLst>
+          </p:cNvPr>
+          <p:cNvPicPr>
+            <a:picLocks noChangeAspect="1"/>
+          </p:cNvPicPr>
+          <p:nvPr/>
+        </p:nvPicPr>
+        <p:blipFill>
+          <a:blip r:embed="rId2">
+            <a:extLst>
+              <a:ext uri="{28A0092B-C50C-407E-A947-70E740481C1C}">
+                <a14:useLocalDpi xmlns:a14="http://schemas.microsoft.com/office/drawing/2010/main" val="0"/>
+              </a:ext>
+            </a:extLst>
+          </a:blip>
+          <a:stretch>
+            <a:fillRect/>
+          </a:stretch>
+        </p:blipFill>
+        <p:spPr>
+          <a:xfrm>
+            <a:off x="2408430" y="1208310"/>
+            <a:ext cx="2702591" cy="668957"/>
+          </a:xfrm>
+          <a:prstGeom prst="rect">
+            <a:avLst/>
+          </a:prstGeom>
+        </p:spPr>
+      </p:pic>
+    </p:spTree>
+    <p:extLst>
+      <p:ext uri="{BB962C8B-B14F-4D97-AF65-F5344CB8AC3E}">
+        <p14:creationId xmlns:p14="http://schemas.microsoft.com/office/powerpoint/2010/main" val="3471051695"/>
+      </p:ext>
+    </p:extLst>
+  </p:cSld>
+  <p:clrMapOvr>
+    <a:masterClrMapping/>
+  </p:clrMapOvr>
+</p:sld>
+</file>
+
+<file path=ppt/slides/slide26.xml><?xml version="1.0" encoding="utf-8"?>
+<p:sld xmlns:a="http://schemas.openxmlformats.org/drawingml/2006/main" xmlns:r="http://schemas.openxmlformats.org/officeDocument/2006/relationships" xmlns:p="http://schemas.openxmlformats.org/presentationml/2006/main">
+  <p:cSld>
+    <p:spTree>
+      <p:nvGrpSpPr>
+        <p:cNvPr id="1" name=""/>
+        <p:cNvGrpSpPr/>
+        <p:nvPr/>
+      </p:nvGrpSpPr>
+      <p:grpSpPr>
+        <a:xfrm>
+          <a:off x="0" y="0"/>
+          <a:ext cx="0" cy="0"/>
+          <a:chOff x="0" y="0"/>
+          <a:chExt cx="0" cy="0"/>
+        </a:xfrm>
+      </p:grpSpPr>
+      <p:sp>
+        <p:nvSpPr>
+          <p:cNvPr id="2" name="Rectangle 1">
+            <a:extLst>
+              <a:ext uri="{FF2B5EF4-FFF2-40B4-BE49-F238E27FC236}">
+                <a16:creationId xmlns:a16="http://schemas.microsoft.com/office/drawing/2014/main" id="{56A71AA5-C6B1-4FC6-8999-1BF9B25BF94F}"/>
+              </a:ext>
+            </a:extLst>
+          </p:cNvPr>
+          <p:cNvSpPr/>
+          <p:nvPr/>
+        </p:nvSpPr>
+        <p:spPr>
+          <a:xfrm>
+            <a:off x="642424" y="1090973"/>
+            <a:ext cx="8473441" cy="2585323"/>
+          </a:xfrm>
+          <a:prstGeom prst="rect">
+            <a:avLst/>
+          </a:prstGeom>
+        </p:spPr>
+        <p:txBody>
+          <a:bodyPr wrap="square">
+            <a:spAutoFit/>
+          </a:bodyPr>
+          <a:lstStyle/>
+          <a:p>
+            <a:r>
+              <a:rPr lang="pt-BR" dirty="0">
+                <a:latin typeface="Arial" panose="020B0604020202020204" pitchFamily="34" charset="0"/>
+                <a:cs typeface="Arial" panose="020B0604020202020204" pitchFamily="34" charset="0"/>
+              </a:rPr>
+              <a:t>n = 0:40; </a:t>
+            </a:r>
+          </a:p>
+          <a:p>
+            <a:r>
+              <a:rPr lang="pt-BR" dirty="0">
+                <a:latin typeface="Arial" panose="020B0604020202020204" pitchFamily="34" charset="0"/>
+                <a:cs typeface="Arial" panose="020B0604020202020204" pitchFamily="34" charset="0"/>
+              </a:rPr>
+              <a:t>D = 10;</a:t>
+            </a:r>
+          </a:p>
+          <a:p>
+            <a:r>
+              <a:rPr lang="pt-BR" dirty="0">
+                <a:latin typeface="Arial" panose="020B0604020202020204" pitchFamily="34" charset="0"/>
+                <a:cs typeface="Arial" panose="020B0604020202020204" pitchFamily="34" charset="0"/>
+              </a:rPr>
+              <a:t>a = 3.0;</a:t>
+            </a:r>
+          </a:p>
+          <a:p>
+            <a:r>
+              <a:rPr lang="pt-BR" dirty="0">
+                <a:latin typeface="Arial" panose="020B0604020202020204" pitchFamily="34" charset="0"/>
+                <a:cs typeface="Arial" panose="020B0604020202020204" pitchFamily="34" charset="0"/>
+              </a:rPr>
+              <a:t>b = -2;</a:t>
+            </a:r>
+          </a:p>
+          <a:p>
+            <a:r>
+              <a:rPr lang="pt-BR" dirty="0">
+                <a:latin typeface="Arial" panose="020B0604020202020204" pitchFamily="34" charset="0"/>
+                <a:cs typeface="Arial" panose="020B0604020202020204" pitchFamily="34" charset="0"/>
+              </a:rPr>
+              <a:t>x1 = a*cos(2*pi*0.1*n) +</a:t>
+            </a:r>
+          </a:p>
+          <a:p>
+            <a:r>
+              <a:rPr lang="pt-BR" dirty="0">
+                <a:latin typeface="Arial" panose="020B0604020202020204" pitchFamily="34" charset="0"/>
+                <a:cs typeface="Arial" panose="020B0604020202020204" pitchFamily="34" charset="0"/>
+              </a:rPr>
+              <a:t>X2= b*cos(2*pi*0.4*n);</a:t>
+            </a:r>
+          </a:p>
+          <a:p>
+            <a:r>
+              <a:rPr lang="en-US" b="1" dirty="0">
+                <a:latin typeface="Arial" panose="020B0604020202020204" pitchFamily="34" charset="0"/>
+                <a:cs typeface="Arial" panose="020B0604020202020204" pitchFamily="34" charset="0"/>
+              </a:rPr>
+              <a:t>y[n]−0.4 y[n−1]+0.75 y[n−2] = 2.2403 x[n]+2.4908 x[n−1]+2.2403 x[n−2].</a:t>
+            </a:r>
+          </a:p>
+          <a:p>
+            <a:endParaRPr lang="en-US" b="1" dirty="0">
+              <a:latin typeface="Arial" panose="020B0604020202020204" pitchFamily="34" charset="0"/>
+              <a:cs typeface="Arial" panose="020B0604020202020204" pitchFamily="34" charset="0"/>
+            </a:endParaRPr>
+          </a:p>
+          <a:p>
+            <a:r>
+              <a:rPr lang="pt-BR" dirty="0">
+                <a:latin typeface="Arial" panose="020B0604020202020204" pitchFamily="34" charset="0"/>
+                <a:cs typeface="Arial" panose="020B0604020202020204" pitchFamily="34" charset="0"/>
+              </a:rPr>
+              <a:t>Check if the system above is </a:t>
+            </a:r>
+            <a:r>
+              <a:rPr lang="pt-BR" b="1" dirty="0">
+                <a:latin typeface="Arial" panose="020B0604020202020204" pitchFamily="34" charset="0"/>
+                <a:cs typeface="Arial" panose="020B0604020202020204" pitchFamily="34" charset="0"/>
+              </a:rPr>
+              <a:t>linear or not.</a:t>
+            </a:r>
+            <a:endParaRPr lang="ar-SA" dirty="0">
+              <a:latin typeface="Arial" panose="020B0604020202020204" pitchFamily="34" charset="0"/>
+              <a:cs typeface="Arial" panose="020B0604020202020204" pitchFamily="34" charset="0"/>
+            </a:endParaRPr>
+          </a:p>
+        </p:txBody>
+      </p:sp>
+      <p:sp>
+        <p:nvSpPr>
+          <p:cNvPr id="4" name="TextBox 3">
+            <a:extLst>
+              <a:ext uri="{FF2B5EF4-FFF2-40B4-BE49-F238E27FC236}">
+                <a16:creationId xmlns:a16="http://schemas.microsoft.com/office/drawing/2014/main" id="{B809EB34-32C9-4BCC-B34A-C899605A5F25}"/>
+              </a:ext>
+            </a:extLst>
+          </p:cNvPr>
+          <p:cNvSpPr txBox="1"/>
+          <p:nvPr/>
+        </p:nvSpPr>
+        <p:spPr>
+          <a:xfrm>
+            <a:off x="501748" y="444644"/>
+            <a:ext cx="4267200" cy="738664"/>
+          </a:xfrm>
+          <a:prstGeom prst="rect">
+            <a:avLst/>
+          </a:prstGeom>
+          <a:noFill/>
+        </p:spPr>
+        <p:txBody>
+          <a:bodyPr wrap="square" rtlCol="1">
+            <a:spAutoFit/>
+          </a:bodyPr>
+          <a:lstStyle/>
+          <a:p>
+            <a:r>
+              <a:rPr lang="en-US" sz="2400" b="1" dirty="0">
+                <a:solidFill>
+                  <a:schemeClr val="accent2">
+                    <a:lumMod val="50000"/>
+                  </a:schemeClr>
+                </a:solidFill>
+                <a:latin typeface="Times New Roman" panose="02020603050405020304" pitchFamily="18" charset="0"/>
+                <a:cs typeface="Times New Roman" panose="02020603050405020304" pitchFamily="18" charset="0"/>
+              </a:rPr>
+              <a:t>Implementation 2</a:t>
+            </a:r>
+            <a:r>
+              <a:rPr lang="en-US" b="1" dirty="0">
+                <a:solidFill>
+                  <a:schemeClr val="accent2">
+                    <a:lumMod val="50000"/>
+                  </a:schemeClr>
+                </a:solidFill>
+              </a:rPr>
+              <a:t>:</a:t>
+            </a:r>
+            <a:endParaRPr lang="ar-SA" b="1" dirty="0">
+              <a:solidFill>
+                <a:schemeClr val="accent2">
+                  <a:lumMod val="50000"/>
+                </a:schemeClr>
+              </a:solidFill>
+            </a:endParaRPr>
+          </a:p>
+          <a:p>
+            <a:endParaRPr lang="ar-SA" dirty="0"/>
+          </a:p>
+        </p:txBody>
+      </p:sp>
+    </p:spTree>
+    <p:extLst>
+      <p:ext uri="{BB962C8B-B14F-4D97-AF65-F5344CB8AC3E}">
+        <p14:creationId xmlns:p14="http://schemas.microsoft.com/office/powerpoint/2010/main" val="2683076351"/>
+      </p:ext>
+    </p:extLst>
+  </p:cSld>
+  <p:clrMapOvr>
+    <a:masterClrMapping/>
+  </p:clrMapOvr>
+</p:sld>
+</file>
+
+<file path=ppt/slides/slide27.xml><?xml version="1.0" encoding="utf-8"?>
+<p:sld xmlns:a="http://schemas.openxmlformats.org/drawingml/2006/main" xmlns:r="http://schemas.openxmlformats.org/officeDocument/2006/relationships" xmlns:p="http://schemas.openxmlformats.org/presentationml/2006/main">
+  <p:cSld>
+    <p:spTree>
+      <p:nvGrpSpPr>
+        <p:cNvPr id="1" name=""/>
+        <p:cNvGrpSpPr/>
+        <p:nvPr/>
+      </p:nvGrpSpPr>
+      <p:grpSpPr>
+        <a:xfrm>
+          <a:off x="0" y="0"/>
+          <a:ext cx="0" cy="0"/>
+          <a:chOff x="0" y="0"/>
+          <a:chExt cx="0" cy="0"/>
+        </a:xfrm>
+      </p:grpSpPr>
+      <p:sp>
+        <p:nvSpPr>
+          <p:cNvPr id="2" name="Rectangle 1">
+            <a:extLst>
+              <a:ext uri="{FF2B5EF4-FFF2-40B4-BE49-F238E27FC236}">
+                <a16:creationId xmlns:a16="http://schemas.microsoft.com/office/drawing/2014/main" id="{F1662A2F-1A35-4EF3-9373-8E7857016CEF}"/>
+              </a:ext>
+            </a:extLst>
+          </p:cNvPr>
+          <p:cNvSpPr/>
+          <p:nvPr/>
+        </p:nvSpPr>
+        <p:spPr>
+          <a:xfrm>
+            <a:off x="283701" y="320041"/>
+            <a:ext cx="5111259" cy="6771084"/>
+          </a:xfrm>
+          <a:prstGeom prst="rect">
+            <a:avLst/>
+          </a:prstGeom>
+        </p:spPr>
+        <p:txBody>
+          <a:bodyPr wrap="square">
+            <a:spAutoFit/>
+          </a:bodyPr>
+          <a:lstStyle/>
+          <a:p>
+            <a:r>
+              <a:rPr lang="en-US" sz="1400" dirty="0" err="1">
+                <a:solidFill>
+                  <a:srgbClr val="000000"/>
+                </a:solidFill>
+                <a:latin typeface="Courier New" panose="02070309020205020404" pitchFamily="49" charset="0"/>
+              </a:rPr>
+              <a:t>clf</a:t>
+            </a:r>
+            <a:endParaRPr lang="en-US" sz="1400" dirty="0">
+              <a:solidFill>
+                <a:srgbClr val="000000"/>
+              </a:solidFill>
+              <a:latin typeface="Courier New" panose="02070309020205020404" pitchFamily="49" charset="0"/>
+            </a:endParaRPr>
+          </a:p>
+          <a:p>
+            <a:r>
+              <a:rPr lang="en-US" sz="1400" dirty="0">
+                <a:solidFill>
+                  <a:srgbClr val="000000"/>
+                </a:solidFill>
+                <a:latin typeface="Courier New" panose="02070309020205020404" pitchFamily="49" charset="0"/>
+              </a:rPr>
+              <a:t>clc</a:t>
+            </a:r>
+          </a:p>
+          <a:p>
+            <a:r>
+              <a:rPr lang="en-US" sz="1400" dirty="0">
+                <a:solidFill>
+                  <a:srgbClr val="000000"/>
+                </a:solidFill>
+                <a:latin typeface="Courier New" panose="02070309020205020404" pitchFamily="49" charset="0"/>
+              </a:rPr>
+              <a:t>clear </a:t>
+            </a:r>
+            <a:r>
+              <a:rPr lang="en-US" sz="1400" dirty="0">
+                <a:solidFill>
+                  <a:srgbClr val="A020F0"/>
+                </a:solidFill>
+                <a:latin typeface="Courier New" panose="02070309020205020404" pitchFamily="49" charset="0"/>
+              </a:rPr>
+              <a:t>all</a:t>
+            </a:r>
+          </a:p>
+          <a:p>
+            <a:r>
+              <a:rPr lang="en-US" sz="1400" dirty="0">
+                <a:solidFill>
+                  <a:srgbClr val="228B22"/>
+                </a:solidFill>
+                <a:latin typeface="Courier New" panose="02070309020205020404" pitchFamily="49" charset="0"/>
+              </a:rPr>
+              <a:t>%% system define</a:t>
+            </a:r>
+          </a:p>
+          <a:p>
+            <a:r>
+              <a:rPr lang="en-US" sz="1400" dirty="0">
+                <a:solidFill>
+                  <a:srgbClr val="000000"/>
+                </a:solidFill>
+                <a:latin typeface="Courier New" panose="02070309020205020404" pitchFamily="49" charset="0"/>
+              </a:rPr>
+              <a:t>num=[2.2403 2.4908 2.2403];</a:t>
+            </a:r>
+          </a:p>
+          <a:p>
+            <a:r>
+              <a:rPr lang="en-US" sz="1400" dirty="0">
+                <a:solidFill>
+                  <a:srgbClr val="000000"/>
+                </a:solidFill>
+                <a:latin typeface="Courier New" panose="02070309020205020404" pitchFamily="49" charset="0"/>
+              </a:rPr>
+              <a:t>den=[1 -0.4 0.75];</a:t>
+            </a:r>
+          </a:p>
+          <a:p>
+            <a:r>
+              <a:rPr lang="en-US" sz="1400" dirty="0">
+                <a:solidFill>
+                  <a:srgbClr val="000000"/>
+                </a:solidFill>
+                <a:latin typeface="Courier New" panose="02070309020205020404" pitchFamily="49" charset="0"/>
+              </a:rPr>
+              <a:t>n = 0:40;</a:t>
+            </a:r>
+          </a:p>
+          <a:p>
+            <a:r>
+              <a:rPr lang="en-US" sz="1400" dirty="0">
+                <a:solidFill>
+                  <a:srgbClr val="000000"/>
+                </a:solidFill>
+                <a:latin typeface="Courier New" panose="02070309020205020404" pitchFamily="49" charset="0"/>
+              </a:rPr>
+              <a:t>D = 10;</a:t>
+            </a:r>
+          </a:p>
+          <a:p>
+            <a:r>
+              <a:rPr lang="en-US" sz="1400" dirty="0">
+                <a:solidFill>
+                  <a:srgbClr val="000000"/>
+                </a:solidFill>
+                <a:latin typeface="Courier New" panose="02070309020205020404" pitchFamily="49" charset="0"/>
+              </a:rPr>
+              <a:t>a = 3.0;</a:t>
+            </a:r>
+          </a:p>
+          <a:p>
+            <a:r>
+              <a:rPr lang="en-US" sz="1400" dirty="0">
+                <a:solidFill>
+                  <a:srgbClr val="000000"/>
+                </a:solidFill>
+                <a:latin typeface="Courier New" panose="02070309020205020404" pitchFamily="49" charset="0"/>
+              </a:rPr>
+              <a:t>b = -2;</a:t>
+            </a:r>
+          </a:p>
+          <a:p>
+            <a:r>
+              <a:rPr lang="pt-BR" sz="1400" dirty="0">
+                <a:solidFill>
+                  <a:srgbClr val="000000"/>
+                </a:solidFill>
+                <a:latin typeface="Courier New" panose="02070309020205020404" pitchFamily="49" charset="0"/>
+              </a:rPr>
+              <a:t>x1 = D*a*cos(2*pi*0.1*n); </a:t>
+            </a:r>
+            <a:r>
+              <a:rPr lang="pt-BR" sz="1400" dirty="0">
+                <a:solidFill>
+                  <a:srgbClr val="228B22"/>
+                </a:solidFill>
+                <a:latin typeface="Courier New" panose="02070309020205020404" pitchFamily="49" charset="0"/>
+              </a:rPr>
+              <a:t>%%Signal 1</a:t>
+            </a:r>
+          </a:p>
+          <a:p>
+            <a:r>
+              <a:rPr lang="pt-BR" sz="1400" dirty="0">
+                <a:solidFill>
+                  <a:srgbClr val="000000"/>
+                </a:solidFill>
+                <a:latin typeface="Courier New" panose="02070309020205020404" pitchFamily="49" charset="0"/>
+              </a:rPr>
+              <a:t>x2 = D*b*cos(2*pi*0.4*n);</a:t>
+            </a:r>
+            <a:r>
+              <a:rPr lang="pt-BR" sz="1400" dirty="0">
+                <a:solidFill>
+                  <a:srgbClr val="228B22"/>
+                </a:solidFill>
+                <a:latin typeface="Courier New" panose="02070309020205020404" pitchFamily="49" charset="0"/>
+              </a:rPr>
+              <a:t>%% signal 2</a:t>
+            </a:r>
+            <a:endParaRPr lang="ar-SA" sz="1400" dirty="0">
+              <a:solidFill>
+                <a:srgbClr val="228B22"/>
+              </a:solidFill>
+              <a:latin typeface="Courier New" panose="02070309020205020404" pitchFamily="49" charset="0"/>
+            </a:endParaRPr>
+          </a:p>
+          <a:p>
+            <a:r>
+              <a:rPr lang="en-US" sz="1400" dirty="0">
+                <a:solidFill>
+                  <a:srgbClr val="000000"/>
+                </a:solidFill>
+                <a:latin typeface="Courier New" panose="02070309020205020404" pitchFamily="49" charset="0"/>
+              </a:rPr>
+              <a:t>y1 = filter(num,den,x1);</a:t>
+            </a:r>
+          </a:p>
+          <a:p>
+            <a:r>
+              <a:rPr lang="en-US" sz="1400" dirty="0">
+                <a:solidFill>
+                  <a:srgbClr val="000000"/>
+                </a:solidFill>
+                <a:latin typeface="Courier New" panose="02070309020205020404" pitchFamily="49" charset="0"/>
+              </a:rPr>
+              <a:t>y2 = filter(num,den,x2);</a:t>
+            </a:r>
+          </a:p>
+          <a:p>
+            <a:r>
+              <a:rPr lang="en-US" sz="1400" dirty="0">
+                <a:solidFill>
+                  <a:srgbClr val="000000"/>
+                </a:solidFill>
+                <a:latin typeface="Courier New" panose="02070309020205020404" pitchFamily="49" charset="0"/>
+              </a:rPr>
+              <a:t>y = y1 + y2;</a:t>
+            </a:r>
+          </a:p>
+          <a:p>
+            <a:r>
+              <a:rPr lang="en-US" sz="1400" dirty="0">
+                <a:solidFill>
+                  <a:srgbClr val="000000"/>
+                </a:solidFill>
+                <a:latin typeface="Courier New" panose="02070309020205020404" pitchFamily="49" charset="0"/>
+              </a:rPr>
+              <a:t>subplot(2,1,1);</a:t>
+            </a:r>
+          </a:p>
+          <a:p>
+            <a:r>
+              <a:rPr lang="en-US" sz="1400" dirty="0">
+                <a:solidFill>
+                  <a:srgbClr val="000000"/>
+                </a:solidFill>
+                <a:latin typeface="Courier New" panose="02070309020205020404" pitchFamily="49" charset="0"/>
+              </a:rPr>
+              <a:t>stem(</a:t>
+            </a:r>
+            <a:r>
+              <a:rPr lang="en-US" sz="1400" dirty="0" err="1">
+                <a:solidFill>
+                  <a:srgbClr val="000000"/>
+                </a:solidFill>
+                <a:latin typeface="Courier New" panose="02070309020205020404" pitchFamily="49" charset="0"/>
+              </a:rPr>
+              <a:t>n,y</a:t>
+            </a:r>
+            <a:r>
+              <a:rPr lang="en-US" sz="1400" dirty="0">
+                <a:solidFill>
+                  <a:srgbClr val="000000"/>
+                </a:solidFill>
+                <a:latin typeface="Courier New" panose="02070309020205020404" pitchFamily="49" charset="0"/>
+              </a:rPr>
+              <a:t>);</a:t>
+            </a:r>
+          </a:p>
+          <a:p>
+            <a:r>
+              <a:rPr lang="en-US" sz="1400" dirty="0">
+                <a:solidFill>
+                  <a:srgbClr val="000000"/>
+                </a:solidFill>
+                <a:latin typeface="Courier New" panose="02070309020205020404" pitchFamily="49" charset="0"/>
+              </a:rPr>
+              <a:t>title(</a:t>
+            </a:r>
+            <a:r>
+              <a:rPr lang="en-US" sz="1400" dirty="0">
+                <a:solidFill>
+                  <a:srgbClr val="A020F0"/>
+                </a:solidFill>
+                <a:latin typeface="Courier New" panose="02070309020205020404" pitchFamily="49" charset="0"/>
+              </a:rPr>
+              <a:t>'y=y1+y2’</a:t>
+            </a:r>
+            <a:r>
+              <a:rPr lang="en-US" sz="1400" dirty="0">
+                <a:latin typeface="Courier New" panose="02070309020205020404" pitchFamily="49" charset="0"/>
+              </a:rPr>
+              <a:t>)</a:t>
+            </a:r>
+            <a:r>
+              <a:rPr lang="en-US" sz="1400" dirty="0">
+                <a:solidFill>
+                  <a:srgbClr val="A020F0"/>
+                </a:solidFill>
+                <a:latin typeface="Courier New" panose="02070309020205020404" pitchFamily="49" charset="0"/>
+              </a:rPr>
+              <a:t>;</a:t>
+            </a:r>
+            <a:endParaRPr lang="en-US" sz="1400" dirty="0">
+              <a:solidFill>
+                <a:srgbClr val="000000"/>
+              </a:solidFill>
+              <a:latin typeface="Courier New" panose="02070309020205020404" pitchFamily="49" charset="0"/>
+            </a:endParaRPr>
+          </a:p>
+          <a:p>
+            <a:r>
+              <a:rPr lang="en-US" sz="1400" dirty="0">
+                <a:solidFill>
+                  <a:srgbClr val="000000"/>
+                </a:solidFill>
+                <a:latin typeface="Courier New" panose="02070309020205020404" pitchFamily="49" charset="0"/>
+              </a:rPr>
+              <a:t>xlabel(</a:t>
+            </a:r>
+            <a:r>
+              <a:rPr lang="en-US" sz="1400" dirty="0">
+                <a:solidFill>
+                  <a:srgbClr val="A020F0"/>
+                </a:solidFill>
+                <a:latin typeface="Courier New" panose="02070309020205020404" pitchFamily="49" charset="0"/>
+              </a:rPr>
+              <a:t>'Time index (n)'</a:t>
+            </a:r>
+            <a:r>
+              <a:rPr lang="en-US" sz="1400" dirty="0">
+                <a:solidFill>
+                  <a:srgbClr val="000000"/>
+                </a:solidFill>
+                <a:latin typeface="Courier New" panose="02070309020205020404" pitchFamily="49" charset="0"/>
+              </a:rPr>
+              <a:t>);</a:t>
+            </a:r>
+          </a:p>
+          <a:p>
+            <a:r>
+              <a:rPr lang="en-US" sz="1400" dirty="0">
+                <a:solidFill>
+                  <a:srgbClr val="000000"/>
+                </a:solidFill>
+                <a:latin typeface="Courier New" panose="02070309020205020404" pitchFamily="49" charset="0"/>
+              </a:rPr>
+              <a:t>ylabel(</a:t>
+            </a:r>
+            <a:r>
+              <a:rPr lang="en-US" sz="1400" dirty="0">
+                <a:solidFill>
+                  <a:srgbClr val="A020F0"/>
+                </a:solidFill>
+                <a:latin typeface="Courier New" panose="02070309020205020404" pitchFamily="49" charset="0"/>
+              </a:rPr>
+              <a:t>'Amplitude'</a:t>
+            </a:r>
+            <a:r>
+              <a:rPr lang="en-US" sz="1400" dirty="0">
+                <a:solidFill>
+                  <a:srgbClr val="000000"/>
+                </a:solidFill>
+                <a:latin typeface="Courier New" panose="02070309020205020404" pitchFamily="49" charset="0"/>
+              </a:rPr>
+              <a:t>);</a:t>
+            </a:r>
+          </a:p>
+          <a:p>
+            <a:r>
+              <a:rPr lang="ar-SA" sz="1400" dirty="0">
+                <a:solidFill>
+                  <a:srgbClr val="000000"/>
+                </a:solidFill>
+                <a:latin typeface="Courier New" panose="02070309020205020404" pitchFamily="49" charset="0"/>
+              </a:rPr>
+              <a:t> </a:t>
+            </a:r>
+          </a:p>
+          <a:p>
+            <a:r>
+              <a:rPr lang="en-US" sz="1400" dirty="0">
+                <a:solidFill>
+                  <a:srgbClr val="000000"/>
+                </a:solidFill>
+                <a:latin typeface="Courier New" panose="02070309020205020404" pitchFamily="49" charset="0"/>
+              </a:rPr>
+              <a:t>x = x1 + x2;</a:t>
+            </a:r>
+          </a:p>
+          <a:p>
+            <a:r>
+              <a:rPr lang="en-US" sz="1400" dirty="0">
+                <a:solidFill>
+                  <a:srgbClr val="000000"/>
+                </a:solidFill>
+                <a:latin typeface="Courier New" panose="02070309020205020404" pitchFamily="49" charset="0"/>
+              </a:rPr>
+              <a:t>z = D*filter(</a:t>
+            </a:r>
+            <a:r>
+              <a:rPr lang="en-US" sz="1400" dirty="0" err="1">
+                <a:solidFill>
+                  <a:srgbClr val="000000"/>
+                </a:solidFill>
+                <a:latin typeface="Courier New" panose="02070309020205020404" pitchFamily="49" charset="0"/>
+              </a:rPr>
+              <a:t>num,den,x</a:t>
+            </a:r>
+            <a:r>
+              <a:rPr lang="en-US" sz="1400" dirty="0">
+                <a:solidFill>
+                  <a:srgbClr val="000000"/>
+                </a:solidFill>
+                <a:latin typeface="Courier New" panose="02070309020205020404" pitchFamily="49" charset="0"/>
+              </a:rPr>
+              <a:t>);</a:t>
+            </a:r>
+          </a:p>
+          <a:p>
+            <a:r>
+              <a:rPr lang="en-US" sz="1400" dirty="0">
+                <a:solidFill>
+                  <a:srgbClr val="000000"/>
+                </a:solidFill>
+                <a:latin typeface="Courier New" panose="02070309020205020404" pitchFamily="49" charset="0"/>
+              </a:rPr>
+              <a:t>subplot(2,1,2);</a:t>
+            </a:r>
+          </a:p>
+          <a:p>
+            <a:r>
+              <a:rPr lang="en-US" sz="1400" dirty="0">
+                <a:solidFill>
+                  <a:srgbClr val="000000"/>
+                </a:solidFill>
+                <a:latin typeface="Courier New" panose="02070309020205020404" pitchFamily="49" charset="0"/>
+              </a:rPr>
+              <a:t>stem(</a:t>
+            </a:r>
+            <a:r>
+              <a:rPr lang="en-US" sz="1400" dirty="0" err="1">
+                <a:solidFill>
+                  <a:srgbClr val="000000"/>
+                </a:solidFill>
+                <a:latin typeface="Courier New" panose="02070309020205020404" pitchFamily="49" charset="0"/>
+              </a:rPr>
+              <a:t>n,z</a:t>
+            </a:r>
+            <a:r>
+              <a:rPr lang="en-US" sz="1400" dirty="0">
+                <a:solidFill>
+                  <a:srgbClr val="000000"/>
+                </a:solidFill>
+                <a:latin typeface="Courier New" panose="02070309020205020404" pitchFamily="49" charset="0"/>
+              </a:rPr>
+              <a:t>);</a:t>
+            </a:r>
+          </a:p>
+          <a:p>
+            <a:r>
+              <a:rPr lang="en-US" sz="1400" dirty="0">
+                <a:solidFill>
+                  <a:srgbClr val="000000"/>
+                </a:solidFill>
+                <a:latin typeface="Courier New" panose="02070309020205020404" pitchFamily="49" charset="0"/>
+              </a:rPr>
+              <a:t>title(</a:t>
+            </a:r>
+            <a:r>
+              <a:rPr lang="en-US" sz="1400" dirty="0">
+                <a:solidFill>
+                  <a:srgbClr val="A020F0"/>
+                </a:solidFill>
+                <a:latin typeface="Courier New" panose="02070309020205020404" pitchFamily="49" charset="0"/>
+              </a:rPr>
+              <a:t>'x=x1+x2'</a:t>
+            </a:r>
+            <a:r>
+              <a:rPr lang="en-US" sz="1400" dirty="0">
+                <a:solidFill>
+                  <a:srgbClr val="000000"/>
+                </a:solidFill>
+                <a:latin typeface="Courier New" panose="02070309020205020404" pitchFamily="49" charset="0"/>
+              </a:rPr>
+              <a:t>);</a:t>
+            </a:r>
+          </a:p>
+          <a:p>
+            <a:r>
+              <a:rPr lang="en-US" sz="1400" dirty="0">
+                <a:solidFill>
+                  <a:srgbClr val="000000"/>
+                </a:solidFill>
+                <a:latin typeface="Courier New" panose="02070309020205020404" pitchFamily="49" charset="0"/>
+              </a:rPr>
+              <a:t>xlabel(</a:t>
+            </a:r>
+            <a:r>
+              <a:rPr lang="en-US" sz="1400" dirty="0">
+                <a:solidFill>
+                  <a:srgbClr val="A020F0"/>
+                </a:solidFill>
+                <a:latin typeface="Courier New" panose="02070309020205020404" pitchFamily="49" charset="0"/>
+              </a:rPr>
+              <a:t>'Time index (n)'</a:t>
+            </a:r>
+            <a:r>
+              <a:rPr lang="en-US" sz="1400" dirty="0">
+                <a:solidFill>
+                  <a:srgbClr val="000000"/>
+                </a:solidFill>
+                <a:latin typeface="Courier New" panose="02070309020205020404" pitchFamily="49" charset="0"/>
+              </a:rPr>
+              <a:t>);</a:t>
+            </a:r>
+          </a:p>
+          <a:p>
+            <a:r>
+              <a:rPr lang="en-US" sz="1400" dirty="0">
+                <a:solidFill>
+                  <a:srgbClr val="000000"/>
+                </a:solidFill>
+                <a:latin typeface="Courier New" panose="02070309020205020404" pitchFamily="49" charset="0"/>
+              </a:rPr>
+              <a:t>ylabel(</a:t>
+            </a:r>
+            <a:r>
+              <a:rPr lang="en-US" sz="1400" dirty="0">
+                <a:solidFill>
+                  <a:srgbClr val="A020F0"/>
+                </a:solidFill>
+                <a:latin typeface="Courier New" panose="02070309020205020404" pitchFamily="49" charset="0"/>
+              </a:rPr>
+              <a:t>'Amplitude'</a:t>
+            </a:r>
+            <a:r>
+              <a:rPr lang="en-US" sz="1400" dirty="0">
+                <a:solidFill>
+                  <a:srgbClr val="000000"/>
+                </a:solidFill>
+                <a:latin typeface="Courier New" panose="02070309020205020404" pitchFamily="49" charset="0"/>
+              </a:rPr>
+              <a:t>);</a:t>
+            </a:r>
+          </a:p>
+          <a:p>
+            <a:endParaRPr lang="ar-SA" sz="1400" dirty="0"/>
+          </a:p>
+          <a:p>
+            <a:endParaRPr lang="en-US" sz="1400" dirty="0">
+              <a:solidFill>
+                <a:srgbClr val="000000"/>
+              </a:solidFill>
+              <a:latin typeface="Courier New" panose="02070309020205020404" pitchFamily="49" charset="0"/>
+            </a:endParaRPr>
+          </a:p>
+          <a:p>
+            <a:endParaRPr lang="en-US" sz="1400" dirty="0">
+              <a:solidFill>
+                <a:srgbClr val="000000"/>
+              </a:solidFill>
+              <a:latin typeface="Courier New" panose="02070309020205020404" pitchFamily="49" charset="0"/>
+            </a:endParaRPr>
+          </a:p>
+        </p:txBody>
+      </p:sp>
+      <p:pic>
+        <p:nvPicPr>
+          <p:cNvPr id="7" name="Picture 6">
+            <a:extLst>
+              <a:ext uri="{FF2B5EF4-FFF2-40B4-BE49-F238E27FC236}">
+                <a16:creationId xmlns:a16="http://schemas.microsoft.com/office/drawing/2014/main" id="{94E7F204-412A-4502-9460-0A4B7211CE53}"/>
+              </a:ext>
+            </a:extLst>
+          </p:cNvPr>
+          <p:cNvPicPr>
+            <a:picLocks noChangeAspect="1"/>
+          </p:cNvPicPr>
+          <p:nvPr/>
+        </p:nvPicPr>
+        <p:blipFill>
+          <a:blip r:embed="rId2"/>
+          <a:stretch>
+            <a:fillRect/>
+          </a:stretch>
+        </p:blipFill>
+        <p:spPr>
+          <a:xfrm>
+            <a:off x="4621236" y="1396436"/>
+            <a:ext cx="4602334" cy="4065128"/>
+          </a:xfrm>
+          <a:prstGeom prst="rect">
+            <a:avLst/>
+          </a:prstGeom>
+        </p:spPr>
+      </p:pic>
+    </p:spTree>
+    <p:extLst>
+      <p:ext uri="{BB962C8B-B14F-4D97-AF65-F5344CB8AC3E}">
+        <p14:creationId xmlns:p14="http://schemas.microsoft.com/office/powerpoint/2010/main" val="2746961094"/>
       </p:ext>
     </p:extLst>
   </p:cSld>

--- a/lec2.pptx
+++ b/lec2.pptx
@@ -1,11 +1,11 @@
 
 <file path=ppt/presentation.xml><?xml version="1.0" encoding="utf-8"?>
-<p:presentation xmlns:a="http://schemas.openxmlformats.org/drawingml/2006/main" xmlns:r="http://schemas.openxmlformats.org/officeDocument/2006/relationships" xmlns:p="http://schemas.openxmlformats.org/presentationml/2006/main" saveSubsetFonts="1">
+<p:presentation xmlns:a="http://schemas.openxmlformats.org/drawingml/2006/main" xmlns:r="http://schemas.openxmlformats.org/officeDocument/2006/relationships" xmlns:p="http://schemas.openxmlformats.org/presentationml/2006/main" showSpecialPlsOnTitleSld="0" saveSubsetFonts="1">
   <p:sldMasterIdLst>
     <p:sldMasterId id="2147483745" r:id="rId1"/>
   </p:sldMasterIdLst>
   <p:notesMasterIdLst>
-    <p:notesMasterId r:id="rId29"/>
+    <p:notesMasterId r:id="rId34"/>
   </p:notesMasterIdLst>
   <p:sldIdLst>
     <p:sldId id="256" r:id="rId2"/>
@@ -33,8 +33,13 @@
     <p:sldId id="266" r:id="rId24"/>
     <p:sldId id="267" r:id="rId25"/>
     <p:sldId id="272" r:id="rId26"/>
-    <p:sldId id="288" r:id="rId27"/>
-    <p:sldId id="289" r:id="rId28"/>
+    <p:sldId id="291" r:id="rId27"/>
+    <p:sldId id="288" r:id="rId28"/>
+    <p:sldId id="289" r:id="rId29"/>
+    <p:sldId id="290" r:id="rId30"/>
+    <p:sldId id="268" r:id="rId31"/>
+    <p:sldId id="269" r:id="rId32"/>
+    <p:sldId id="270" r:id="rId33"/>
   </p:sldIdLst>
   <p:sldSz cx="12192000" cy="6858000"/>
   <p:notesSz cx="6858000" cy="9144000"/>
@@ -1318,7 +1323,7 @@
           <a:bodyPr/>
           <a:lstStyle/>
           <a:p>
-            <a:fld id="{80DAD540-7A9F-4B34-BAEC-EBC745D4E473}" type="datetimeFigureOut">
+            <a:fld id="{14496017-C0AB-427B-B3AE-65A9151CF130}" type="uaqdatetime1">
               <a:rPr lang="ar-SA" smtClean="0"/>
               <a:t>6/17/1440</a:t>
             </a:fld>
@@ -1569,7 +1574,7 @@
           <a:bodyPr/>
           <a:lstStyle/>
           <a:p>
-            <a:fld id="{80DAD540-7A9F-4B34-BAEC-EBC745D4E473}" type="datetimeFigureOut">
+            <a:fld id="{EDA51EC7-8E94-4404-AFD2-BCAF1C46AB9F}" type="uaqdatetime1">
               <a:rPr lang="ar-SA" smtClean="0"/>
               <a:t>6/17/1440</a:t>
             </a:fld>
@@ -1883,7 +1888,7 @@
           <a:bodyPr/>
           <a:lstStyle/>
           <a:p>
-            <a:fld id="{80DAD540-7A9F-4B34-BAEC-EBC745D4E473}" type="datetimeFigureOut">
+            <a:fld id="{DBBA18F1-65F5-407D-BCED-5674C90A8967}" type="uaqdatetime1">
               <a:rPr lang="ar-SA" smtClean="0"/>
               <a:t>6/17/1440</a:t>
             </a:fld>
@@ -2216,7 +2221,7 @@
           <a:bodyPr/>
           <a:lstStyle/>
           <a:p>
-            <a:fld id="{80DAD540-7A9F-4B34-BAEC-EBC745D4E473}" type="datetimeFigureOut">
+            <a:fld id="{58BBB7CF-A38F-4EB8-B746-1DB81A743DB0}" type="uaqdatetime1">
               <a:rPr lang="ar-SA" smtClean="0"/>
               <a:t>6/17/1440</a:t>
             </a:fld>
@@ -2530,7 +2535,7 @@
           <a:bodyPr/>
           <a:lstStyle/>
           <a:p>
-            <a:fld id="{80DAD540-7A9F-4B34-BAEC-EBC745D4E473}" type="datetimeFigureOut">
+            <a:fld id="{5A5B6E51-E927-4CD6-BED0-C4F0A1480D92}" type="uaqdatetime1">
               <a:rPr lang="ar-SA" smtClean="0"/>
               <a:t>6/17/1440</a:t>
             </a:fld>
@@ -2923,7 +2928,7 @@
           <a:bodyPr/>
           <a:lstStyle/>
           <a:p>
-            <a:fld id="{80DAD540-7A9F-4B34-BAEC-EBC745D4E473}" type="datetimeFigureOut">
+            <a:fld id="{A4C55DF5-C366-4921-8B2A-358008F9ACDC}" type="uaqdatetime1">
               <a:rPr lang="ar-SA" smtClean="0"/>
               <a:t>6/17/1440</a:t>
             </a:fld>
@@ -3093,7 +3098,7 @@
           <a:bodyPr/>
           <a:lstStyle/>
           <a:p>
-            <a:fld id="{80DAD540-7A9F-4B34-BAEC-EBC745D4E473}" type="datetimeFigureOut">
+            <a:fld id="{5C0E1518-95A6-43F2-A5EC-DCA568FECEC9}" type="uaqdatetime1">
               <a:rPr lang="ar-SA" smtClean="0"/>
               <a:t>6/17/1440</a:t>
             </a:fld>
@@ -3273,7 +3278,7 @@
           <a:bodyPr/>
           <a:lstStyle/>
           <a:p>
-            <a:fld id="{80DAD540-7A9F-4B34-BAEC-EBC745D4E473}" type="datetimeFigureOut">
+            <a:fld id="{2C6A3EE6-1DDE-48CC-9CA8-BB62811393A6}" type="uaqdatetime1">
               <a:rPr lang="ar-SA" smtClean="0"/>
               <a:t>6/17/1440</a:t>
             </a:fld>
@@ -3443,7 +3448,7 @@
           <a:bodyPr/>
           <a:lstStyle/>
           <a:p>
-            <a:fld id="{80DAD540-7A9F-4B34-BAEC-EBC745D4E473}" type="datetimeFigureOut">
+            <a:fld id="{86A71FEC-9482-4E93-A318-BA78961775C8}" type="uaqdatetime1">
               <a:rPr lang="ar-SA" smtClean="0"/>
               <a:t>6/17/1440</a:t>
             </a:fld>
@@ -3690,7 +3695,7 @@
           <a:bodyPr/>
           <a:lstStyle/>
           <a:p>
-            <a:fld id="{80DAD540-7A9F-4B34-BAEC-EBC745D4E473}" type="datetimeFigureOut">
+            <a:fld id="{DACF1915-4B9C-421F-BE3C-ADC98407F929}" type="uaqdatetime1">
               <a:rPr lang="ar-SA" smtClean="0"/>
               <a:t>6/17/1440</a:t>
             </a:fld>
@@ -3922,7 +3927,7 @@
           <a:bodyPr/>
           <a:lstStyle/>
           <a:p>
-            <a:fld id="{80DAD540-7A9F-4B34-BAEC-EBC745D4E473}" type="datetimeFigureOut">
+            <a:fld id="{C2CDAF00-BFD0-4835-B26D-86C51D73719A}" type="uaqdatetime1">
               <a:rPr lang="ar-SA" smtClean="0"/>
               <a:t>6/17/1440</a:t>
             </a:fld>
@@ -4296,7 +4301,7 @@
           <a:bodyPr/>
           <a:lstStyle/>
           <a:p>
-            <a:fld id="{80DAD540-7A9F-4B34-BAEC-EBC745D4E473}" type="datetimeFigureOut">
+            <a:fld id="{2E53281C-7FD1-47B0-9C1F-AF2BF3C76524}" type="uaqdatetime1">
               <a:rPr lang="ar-SA" smtClean="0"/>
               <a:t>6/17/1440</a:t>
             </a:fld>
@@ -4419,7 +4424,7 @@
           <a:bodyPr/>
           <a:lstStyle/>
           <a:p>
-            <a:fld id="{80DAD540-7A9F-4B34-BAEC-EBC745D4E473}" type="datetimeFigureOut">
+            <a:fld id="{CF14A65E-FCAA-429A-BDDC-E3CFAC8FEDB7}" type="uaqdatetime1">
               <a:rPr lang="ar-SA" smtClean="0"/>
               <a:t>6/17/1440</a:t>
             </a:fld>
@@ -4514,7 +4519,7 @@
           <a:bodyPr/>
           <a:lstStyle/>
           <a:p>
-            <a:fld id="{80DAD540-7A9F-4B34-BAEC-EBC745D4E473}" type="datetimeFigureOut">
+            <a:fld id="{D49E48D0-B7D9-4B8E-8FA6-21360BB6584A}" type="uaqdatetime1">
               <a:rPr lang="ar-SA" smtClean="0"/>
               <a:t>6/17/1440</a:t>
             </a:fld>
@@ -4769,7 +4774,7 @@
           <a:bodyPr/>
           <a:lstStyle/>
           <a:p>
-            <a:fld id="{80DAD540-7A9F-4B34-BAEC-EBC745D4E473}" type="datetimeFigureOut">
+            <a:fld id="{4F89510C-8C61-41C7-AD42-BF8CE5341DEC}" type="uaqdatetime1">
               <a:rPr lang="ar-SA" smtClean="0"/>
               <a:t>6/17/1440</a:t>
             </a:fld>
@@ -5074,7 +5079,7 @@
           <a:bodyPr/>
           <a:lstStyle/>
           <a:p>
-            <a:fld id="{80DAD540-7A9F-4B34-BAEC-EBC745D4E473}" type="datetimeFigureOut">
+            <a:fld id="{6EF0866D-504F-4A57-B046-D26297D713DA}" type="uaqdatetime1">
               <a:rPr lang="ar-SA" smtClean="0"/>
               <a:t>6/17/1440</a:t>
             </a:fld>
@@ -5776,7 +5781,7 @@
             </a:lvl1pPr>
           </a:lstStyle>
           <a:p>
-            <a:fld id="{80DAD540-7A9F-4B34-BAEC-EBC745D4E473}" type="datetimeFigureOut">
+            <a:fld id="{7826B96B-FB18-49B3-9E13-EDD1A8763D09}" type="uaqdatetime1">
               <a:rPr lang="ar-SA" smtClean="0"/>
               <a:t>6/17/1440</a:t>
             </a:fld>
@@ -5886,6 +5891,7 @@
     <p:sldLayoutId id="2147483760" r:id="rId15"/>
     <p:sldLayoutId id="2147483761" r:id="rId16"/>
   </p:sldLayoutIdLst>
+  <p:hf hdr="0" ftr="0" dt="0"/>
   <p:txStyles>
     <p:titleStyle>
       <a:lvl1pPr algn="l" defTabSz="457200" rtl="1" eaLnBrk="1" latinLnBrk="0" hangingPunct="1">
@@ -8716,6 +8722,35 @@
           </a:p>
         </p:txBody>
       </p:sp>
+      <p:sp>
+        <p:nvSpPr>
+          <p:cNvPr id="6" name="Slide Number Placeholder 5">
+            <a:extLst>
+              <a:ext uri="{FF2B5EF4-FFF2-40B4-BE49-F238E27FC236}">
+                <a16:creationId xmlns:a16="http://schemas.microsoft.com/office/drawing/2014/main" id="{9F963B29-2E43-44FA-9480-83202726BCDD}"/>
+              </a:ext>
+            </a:extLst>
+          </p:cNvPr>
+          <p:cNvSpPr>
+            <a:spLocks noGrp="1"/>
+          </p:cNvSpPr>
+          <p:nvPr>
+            <p:ph type="sldNum" sz="quarter" idx="12"/>
+          </p:nvPr>
+        </p:nvSpPr>
+        <p:spPr/>
+        <p:txBody>
+          <a:bodyPr/>
+          <a:lstStyle/>
+          <a:p>
+            <a:fld id="{BA3098F8-634C-4D3D-BA4A-4EDA128784B8}" type="slidenum">
+              <a:rPr lang="ar-SA" smtClean="0"/>
+              <a:t>14</a:t>
+            </a:fld>
+            <a:endParaRPr lang="ar-SA"/>
+          </a:p>
+        </p:txBody>
+      </p:sp>
     </p:spTree>
     <p:extLst>
       <p:ext uri="{BB962C8B-B14F-4D97-AF65-F5344CB8AC3E}">
@@ -9441,6 +9476,35 @@
               <a:effectLst/>
               <a:latin typeface="Arial" panose="020B0604020202020204" pitchFamily="34" charset="0"/>
             </a:endParaRPr>
+          </a:p>
+        </p:txBody>
+      </p:sp>
+      <p:sp>
+        <p:nvSpPr>
+          <p:cNvPr id="4" name="Slide Number Placeholder 3">
+            <a:extLst>
+              <a:ext uri="{FF2B5EF4-FFF2-40B4-BE49-F238E27FC236}">
+                <a16:creationId xmlns:a16="http://schemas.microsoft.com/office/drawing/2014/main" id="{9CFF0656-4804-461C-81FD-53037ABDE086}"/>
+              </a:ext>
+            </a:extLst>
+          </p:cNvPr>
+          <p:cNvSpPr>
+            <a:spLocks noGrp="1"/>
+          </p:cNvSpPr>
+          <p:nvPr>
+            <p:ph type="sldNum" sz="quarter" idx="12"/>
+          </p:nvPr>
+        </p:nvSpPr>
+        <p:spPr/>
+        <p:txBody>
+          <a:bodyPr/>
+          <a:lstStyle/>
+          <a:p>
+            <a:fld id="{BA3098F8-634C-4D3D-BA4A-4EDA128784B8}" type="slidenum">
+              <a:rPr lang="ar-SA" smtClean="0"/>
+              <a:t>15</a:t>
+            </a:fld>
+            <a:endParaRPr lang="ar-SA"/>
           </a:p>
         </p:txBody>
       </p:sp>
@@ -10107,6 +10171,35 @@
           </a:fontRef>
         </p:style>
       </p:cxnSp>
+      <p:sp>
+        <p:nvSpPr>
+          <p:cNvPr id="5" name="Slide Number Placeholder 4">
+            <a:extLst>
+              <a:ext uri="{FF2B5EF4-FFF2-40B4-BE49-F238E27FC236}">
+                <a16:creationId xmlns:a16="http://schemas.microsoft.com/office/drawing/2014/main" id="{67AD37C8-F9C5-494B-BBB0-9DD170CF5BBC}"/>
+              </a:ext>
+            </a:extLst>
+          </p:cNvPr>
+          <p:cNvSpPr>
+            <a:spLocks noGrp="1"/>
+          </p:cNvSpPr>
+          <p:nvPr>
+            <p:ph type="sldNum" sz="quarter" idx="12"/>
+          </p:nvPr>
+        </p:nvSpPr>
+        <p:spPr/>
+        <p:txBody>
+          <a:bodyPr/>
+          <a:lstStyle/>
+          <a:p>
+            <a:fld id="{BA3098F8-634C-4D3D-BA4A-4EDA128784B8}" type="slidenum">
+              <a:rPr lang="ar-SA" smtClean="0"/>
+              <a:t>16</a:t>
+            </a:fld>
+            <a:endParaRPr lang="ar-SA"/>
+          </a:p>
+        </p:txBody>
+      </p:sp>
     </p:spTree>
     <p:extLst>
       <p:ext uri="{BB962C8B-B14F-4D97-AF65-F5344CB8AC3E}">
@@ -10197,6 +10290,35 @@
           </a:prstGeom>
         </p:spPr>
       </p:pic>
+      <p:sp>
+        <p:nvSpPr>
+          <p:cNvPr id="5" name="Slide Number Placeholder 4">
+            <a:extLst>
+              <a:ext uri="{FF2B5EF4-FFF2-40B4-BE49-F238E27FC236}">
+                <a16:creationId xmlns:a16="http://schemas.microsoft.com/office/drawing/2014/main" id="{A2BC5404-B361-45A3-AA2E-CF9673B89CD6}"/>
+              </a:ext>
+            </a:extLst>
+          </p:cNvPr>
+          <p:cNvSpPr>
+            <a:spLocks noGrp="1"/>
+          </p:cNvSpPr>
+          <p:nvPr>
+            <p:ph type="sldNum" sz="quarter" idx="12"/>
+          </p:nvPr>
+        </p:nvSpPr>
+        <p:spPr/>
+        <p:txBody>
+          <a:bodyPr/>
+          <a:lstStyle/>
+          <a:p>
+            <a:fld id="{BA3098F8-634C-4D3D-BA4A-4EDA128784B8}" type="slidenum">
+              <a:rPr lang="ar-SA" smtClean="0"/>
+              <a:t>17</a:t>
+            </a:fld>
+            <a:endParaRPr lang="ar-SA"/>
+          </a:p>
+        </p:txBody>
+      </p:sp>
     </p:spTree>
     <p:extLst>
       <p:ext uri="{BB962C8B-B14F-4D97-AF65-F5344CB8AC3E}">
@@ -10823,6 +10945,35 @@
               <a:t>Xu[n]={1,0,0,2,0,0,3}</a:t>
             </a:r>
             <a:endParaRPr lang="ar-SA" dirty="0"/>
+          </a:p>
+        </p:txBody>
+      </p:sp>
+      <p:sp>
+        <p:nvSpPr>
+          <p:cNvPr id="5" name="Slide Number Placeholder 4">
+            <a:extLst>
+              <a:ext uri="{FF2B5EF4-FFF2-40B4-BE49-F238E27FC236}">
+                <a16:creationId xmlns:a16="http://schemas.microsoft.com/office/drawing/2014/main" id="{5B7899FD-3BA3-4A35-AE67-17853298A638}"/>
+              </a:ext>
+            </a:extLst>
+          </p:cNvPr>
+          <p:cNvSpPr>
+            <a:spLocks noGrp="1"/>
+          </p:cNvSpPr>
+          <p:nvPr>
+            <p:ph type="sldNum" sz="quarter" idx="12"/>
+          </p:nvPr>
+        </p:nvSpPr>
+        <p:spPr/>
+        <p:txBody>
+          <a:bodyPr/>
+          <a:lstStyle/>
+          <a:p>
+            <a:fld id="{BA3098F8-634C-4D3D-BA4A-4EDA128784B8}" type="slidenum">
+              <a:rPr lang="ar-SA" smtClean="0"/>
+              <a:t>18</a:t>
+            </a:fld>
+            <a:endParaRPr lang="ar-SA"/>
           </a:p>
         </p:txBody>
       </p:sp>
@@ -10916,6 +11067,35 @@
           </a:prstGeom>
         </p:spPr>
       </p:pic>
+      <p:sp>
+        <p:nvSpPr>
+          <p:cNvPr id="5" name="Slide Number Placeholder 4">
+            <a:extLst>
+              <a:ext uri="{FF2B5EF4-FFF2-40B4-BE49-F238E27FC236}">
+                <a16:creationId xmlns:a16="http://schemas.microsoft.com/office/drawing/2014/main" id="{0B00CFB6-DF31-4376-87E6-DDDB1687ECE6}"/>
+              </a:ext>
+            </a:extLst>
+          </p:cNvPr>
+          <p:cNvSpPr>
+            <a:spLocks noGrp="1"/>
+          </p:cNvSpPr>
+          <p:nvPr>
+            <p:ph type="sldNum" sz="quarter" idx="12"/>
+          </p:nvPr>
+        </p:nvSpPr>
+        <p:spPr/>
+        <p:txBody>
+          <a:bodyPr/>
+          <a:lstStyle/>
+          <a:p>
+            <a:fld id="{BA3098F8-634C-4D3D-BA4A-4EDA128784B8}" type="slidenum">
+              <a:rPr lang="ar-SA" smtClean="0"/>
+              <a:t>19</a:t>
+            </a:fld>
+            <a:endParaRPr lang="ar-SA"/>
+          </a:p>
+        </p:txBody>
+      </p:sp>
     </p:spTree>
     <p:extLst>
       <p:ext uri="{BB962C8B-B14F-4D97-AF65-F5344CB8AC3E}">
@@ -11342,6 +11522,35 @@
           </a:p>
         </p:txBody>
       </p:sp>
+      <p:sp>
+        <p:nvSpPr>
+          <p:cNvPr id="8" name="Slide Number Placeholder 7">
+            <a:extLst>
+              <a:ext uri="{FF2B5EF4-FFF2-40B4-BE49-F238E27FC236}">
+                <a16:creationId xmlns:a16="http://schemas.microsoft.com/office/drawing/2014/main" id="{3E0BE595-7AF5-4066-AF27-29916520A5A9}"/>
+              </a:ext>
+            </a:extLst>
+          </p:cNvPr>
+          <p:cNvSpPr>
+            <a:spLocks noGrp="1"/>
+          </p:cNvSpPr>
+          <p:nvPr>
+            <p:ph type="sldNum" sz="quarter" idx="12"/>
+          </p:nvPr>
+        </p:nvSpPr>
+        <p:spPr/>
+        <p:txBody>
+          <a:bodyPr/>
+          <a:lstStyle/>
+          <a:p>
+            <a:fld id="{BA3098F8-634C-4D3D-BA4A-4EDA128784B8}" type="slidenum">
+              <a:rPr lang="ar-SA" smtClean="0"/>
+              <a:t>2</a:t>
+            </a:fld>
+            <a:endParaRPr lang="ar-SA"/>
+          </a:p>
+        </p:txBody>
+      </p:sp>
     </p:spTree>
     <p:extLst>
       <p:ext uri="{BB962C8B-B14F-4D97-AF65-F5344CB8AC3E}">
@@ -11414,6 +11623,35 @@
           </a:p>
         </p:txBody>
       </p:sp>
+      <p:sp>
+        <p:nvSpPr>
+          <p:cNvPr id="4" name="Slide Number Placeholder 3">
+            <a:extLst>
+              <a:ext uri="{FF2B5EF4-FFF2-40B4-BE49-F238E27FC236}">
+                <a16:creationId xmlns:a16="http://schemas.microsoft.com/office/drawing/2014/main" id="{DB027F04-6083-4F51-8531-7B4C02927615}"/>
+              </a:ext>
+            </a:extLst>
+          </p:cNvPr>
+          <p:cNvSpPr>
+            <a:spLocks noGrp="1"/>
+          </p:cNvSpPr>
+          <p:nvPr>
+            <p:ph type="sldNum" sz="quarter" idx="12"/>
+          </p:nvPr>
+        </p:nvSpPr>
+        <p:spPr/>
+        <p:txBody>
+          <a:bodyPr/>
+          <a:lstStyle/>
+          <a:p>
+            <a:fld id="{BA3098F8-634C-4D3D-BA4A-4EDA128784B8}" type="slidenum">
+              <a:rPr lang="ar-SA" smtClean="0"/>
+              <a:t>20</a:t>
+            </a:fld>
+            <a:endParaRPr lang="ar-SA"/>
+          </a:p>
+        </p:txBody>
+      </p:sp>
     </p:spTree>
     <p:extLst>
       <p:ext uri="{BB962C8B-B14F-4D97-AF65-F5344CB8AC3E}">
@@ -11794,6 +12032,35 @@
           </a:prstGeom>
         </p:spPr>
       </p:pic>
+      <p:sp>
+        <p:nvSpPr>
+          <p:cNvPr id="5" name="Slide Number Placeholder 4">
+            <a:extLst>
+              <a:ext uri="{FF2B5EF4-FFF2-40B4-BE49-F238E27FC236}">
+                <a16:creationId xmlns:a16="http://schemas.microsoft.com/office/drawing/2014/main" id="{E4A7E418-4055-4E85-A811-31D2483507CC}"/>
+              </a:ext>
+            </a:extLst>
+          </p:cNvPr>
+          <p:cNvSpPr>
+            <a:spLocks noGrp="1"/>
+          </p:cNvSpPr>
+          <p:nvPr>
+            <p:ph type="sldNum" sz="quarter" idx="12"/>
+          </p:nvPr>
+        </p:nvSpPr>
+        <p:spPr/>
+        <p:txBody>
+          <a:bodyPr/>
+          <a:lstStyle/>
+          <a:p>
+            <a:fld id="{BA3098F8-634C-4D3D-BA4A-4EDA128784B8}" type="slidenum">
+              <a:rPr lang="ar-SA" smtClean="0"/>
+              <a:t>21</a:t>
+            </a:fld>
+            <a:endParaRPr lang="ar-SA"/>
+          </a:p>
+        </p:txBody>
+      </p:sp>
     </p:spTree>
     <p:extLst>
       <p:ext uri="{BB962C8B-B14F-4D97-AF65-F5344CB8AC3E}">
@@ -12702,6 +12969,35 @@
           </a:p>
         </p:txBody>
       </p:sp>
+      <p:sp>
+        <p:nvSpPr>
+          <p:cNvPr id="4" name="Slide Number Placeholder 3">
+            <a:extLst>
+              <a:ext uri="{FF2B5EF4-FFF2-40B4-BE49-F238E27FC236}">
+                <a16:creationId xmlns:a16="http://schemas.microsoft.com/office/drawing/2014/main" id="{C6F0EA55-4EFB-4CC1-9304-0467E3C95431}"/>
+              </a:ext>
+            </a:extLst>
+          </p:cNvPr>
+          <p:cNvSpPr>
+            <a:spLocks noGrp="1"/>
+          </p:cNvSpPr>
+          <p:nvPr>
+            <p:ph type="sldNum" sz="quarter" idx="12"/>
+          </p:nvPr>
+        </p:nvSpPr>
+        <p:spPr/>
+        <p:txBody>
+          <a:bodyPr/>
+          <a:lstStyle/>
+          <a:p>
+            <a:fld id="{BA3098F8-634C-4D3D-BA4A-4EDA128784B8}" type="slidenum">
+              <a:rPr lang="ar-SA" smtClean="0"/>
+              <a:t>22</a:t>
+            </a:fld>
+            <a:endParaRPr lang="ar-SA"/>
+          </a:p>
+        </p:txBody>
+      </p:sp>
     </p:spTree>
     <p:extLst>
       <p:ext uri="{BB962C8B-B14F-4D97-AF65-F5344CB8AC3E}">
@@ -13153,6 +13449,35 @@
           </a:fontRef>
         </p:style>
       </p:cxnSp>
+      <p:sp>
+        <p:nvSpPr>
+          <p:cNvPr id="7" name="Slide Number Placeholder 6">
+            <a:extLst>
+              <a:ext uri="{FF2B5EF4-FFF2-40B4-BE49-F238E27FC236}">
+                <a16:creationId xmlns:a16="http://schemas.microsoft.com/office/drawing/2014/main" id="{C66DEF56-043F-44F6-97CF-39D086AF4DC6}"/>
+              </a:ext>
+            </a:extLst>
+          </p:cNvPr>
+          <p:cNvSpPr>
+            <a:spLocks noGrp="1"/>
+          </p:cNvSpPr>
+          <p:nvPr>
+            <p:ph type="sldNum" sz="quarter" idx="12"/>
+          </p:nvPr>
+        </p:nvSpPr>
+        <p:spPr/>
+        <p:txBody>
+          <a:bodyPr/>
+          <a:lstStyle/>
+          <a:p>
+            <a:fld id="{BA3098F8-634C-4D3D-BA4A-4EDA128784B8}" type="slidenum">
+              <a:rPr lang="ar-SA" smtClean="0"/>
+              <a:t>23</a:t>
+            </a:fld>
+            <a:endParaRPr lang="ar-SA"/>
+          </a:p>
+        </p:txBody>
+      </p:sp>
     </p:spTree>
     <p:extLst>
       <p:ext uri="{BB962C8B-B14F-4D97-AF65-F5344CB8AC3E}">
@@ -13213,6 +13538,35 @@
           </a:prstGeom>
         </p:spPr>
       </p:pic>
+      <p:sp>
+        <p:nvSpPr>
+          <p:cNvPr id="4" name="Slide Number Placeholder 3">
+            <a:extLst>
+              <a:ext uri="{FF2B5EF4-FFF2-40B4-BE49-F238E27FC236}">
+                <a16:creationId xmlns:a16="http://schemas.microsoft.com/office/drawing/2014/main" id="{6267783B-D807-4627-9408-91FD00D9DDCB}"/>
+              </a:ext>
+            </a:extLst>
+          </p:cNvPr>
+          <p:cNvSpPr>
+            <a:spLocks noGrp="1"/>
+          </p:cNvSpPr>
+          <p:nvPr>
+            <p:ph type="sldNum" sz="quarter" idx="12"/>
+          </p:nvPr>
+        </p:nvSpPr>
+        <p:spPr/>
+        <p:txBody>
+          <a:bodyPr/>
+          <a:lstStyle/>
+          <a:p>
+            <a:fld id="{BA3098F8-634C-4D3D-BA4A-4EDA128784B8}" type="slidenum">
+              <a:rPr lang="ar-SA" smtClean="0"/>
+              <a:t>24</a:t>
+            </a:fld>
+            <a:endParaRPr lang="ar-SA"/>
+          </a:p>
+        </p:txBody>
+      </p:sp>
     </p:spTree>
     <p:extLst>
       <p:ext uri="{BB962C8B-B14F-4D97-AF65-F5344CB8AC3E}">
@@ -13682,6 +14036,35 @@
           </a:prstGeom>
         </p:spPr>
       </p:pic>
+      <p:sp>
+        <p:nvSpPr>
+          <p:cNvPr id="5" name="Slide Number Placeholder 4">
+            <a:extLst>
+              <a:ext uri="{FF2B5EF4-FFF2-40B4-BE49-F238E27FC236}">
+                <a16:creationId xmlns:a16="http://schemas.microsoft.com/office/drawing/2014/main" id="{59B6E146-8D5B-403A-A42F-ECEA76198D89}"/>
+              </a:ext>
+            </a:extLst>
+          </p:cNvPr>
+          <p:cNvSpPr>
+            <a:spLocks noGrp="1"/>
+          </p:cNvSpPr>
+          <p:nvPr>
+            <p:ph type="sldNum" sz="quarter" idx="12"/>
+          </p:nvPr>
+        </p:nvSpPr>
+        <p:spPr/>
+        <p:txBody>
+          <a:bodyPr/>
+          <a:lstStyle/>
+          <a:p>
+            <a:fld id="{BA3098F8-634C-4D3D-BA4A-4EDA128784B8}" type="slidenum">
+              <a:rPr lang="ar-SA" smtClean="0"/>
+              <a:t>25</a:t>
+            </a:fld>
+            <a:endParaRPr lang="ar-SA"/>
+          </a:p>
+        </p:txBody>
+      </p:sp>
     </p:spTree>
     <p:extLst>
       <p:ext uri="{BB962C8B-B14F-4D97-AF65-F5344CB8AC3E}">
@@ -13712,6 +14095,147 @@
           <a:chExt cx="0" cy="0"/>
         </a:xfrm>
       </p:grpSpPr>
+      <p:pic>
+        <p:nvPicPr>
+          <p:cNvPr id="3" name="Picture 2">
+            <a:extLst>
+              <a:ext uri="{FF2B5EF4-FFF2-40B4-BE49-F238E27FC236}">
+                <a16:creationId xmlns:a16="http://schemas.microsoft.com/office/drawing/2014/main" id="{D9E57936-6E3E-4824-B29B-2C0AC5A4EFAF}"/>
+              </a:ext>
+            </a:extLst>
+          </p:cNvPr>
+          <p:cNvPicPr>
+            <a:picLocks noChangeAspect="1"/>
+          </p:cNvPicPr>
+          <p:nvPr/>
+        </p:nvPicPr>
+        <p:blipFill>
+          <a:blip r:embed="rId2"/>
+          <a:stretch>
+            <a:fillRect/>
+          </a:stretch>
+        </p:blipFill>
+        <p:spPr>
+          <a:xfrm>
+            <a:off x="459910" y="1455786"/>
+            <a:ext cx="7952264" cy="2764521"/>
+          </a:xfrm>
+          <a:prstGeom prst="rect">
+            <a:avLst/>
+          </a:prstGeom>
+        </p:spPr>
+      </p:pic>
+      <p:sp>
+        <p:nvSpPr>
+          <p:cNvPr id="4" name="TextBox 3">
+            <a:extLst>
+              <a:ext uri="{FF2B5EF4-FFF2-40B4-BE49-F238E27FC236}">
+                <a16:creationId xmlns:a16="http://schemas.microsoft.com/office/drawing/2014/main" id="{3807F224-5CFE-4E11-8560-B6983AC5BC50}"/>
+              </a:ext>
+            </a:extLst>
+          </p:cNvPr>
+          <p:cNvSpPr txBox="1"/>
+          <p:nvPr/>
+        </p:nvSpPr>
+        <p:spPr>
+          <a:xfrm>
+            <a:off x="459910" y="506437"/>
+            <a:ext cx="3559126" cy="461665"/>
+          </a:xfrm>
+          <a:prstGeom prst="rect">
+            <a:avLst/>
+          </a:prstGeom>
+          <a:noFill/>
+        </p:spPr>
+        <p:txBody>
+          <a:bodyPr wrap="square" rtlCol="1">
+            <a:spAutoFit/>
+          </a:bodyPr>
+          <a:lstStyle/>
+          <a:p>
+            <a:pPr marL="342900" indent="-342900">
+              <a:buFont typeface="Wingdings" panose="05000000000000000000" pitchFamily="2" charset="2"/>
+              <a:buChar char="ü"/>
+            </a:pPr>
+            <a:r>
+              <a:rPr lang="en-US" sz="2400" dirty="0">
+                <a:solidFill>
+                  <a:schemeClr val="accent2">
+                    <a:lumMod val="50000"/>
+                  </a:schemeClr>
+                </a:solidFill>
+              </a:rPr>
+              <a:t>Filter command:</a:t>
+            </a:r>
+            <a:endParaRPr lang="ar-SA" sz="2400" dirty="0">
+              <a:solidFill>
+                <a:schemeClr val="accent2">
+                  <a:lumMod val="50000"/>
+                </a:schemeClr>
+              </a:solidFill>
+            </a:endParaRPr>
+          </a:p>
+        </p:txBody>
+      </p:sp>
+      <p:sp>
+        <p:nvSpPr>
+          <p:cNvPr id="6" name="Slide Number Placeholder 5">
+            <a:extLst>
+              <a:ext uri="{FF2B5EF4-FFF2-40B4-BE49-F238E27FC236}">
+                <a16:creationId xmlns:a16="http://schemas.microsoft.com/office/drawing/2014/main" id="{7210AA4E-7ED3-4F09-B591-89C576622A2E}"/>
+              </a:ext>
+            </a:extLst>
+          </p:cNvPr>
+          <p:cNvSpPr>
+            <a:spLocks noGrp="1"/>
+          </p:cNvSpPr>
+          <p:nvPr>
+            <p:ph type="sldNum" sz="quarter" idx="12"/>
+          </p:nvPr>
+        </p:nvSpPr>
+        <p:spPr/>
+        <p:txBody>
+          <a:bodyPr/>
+          <a:lstStyle/>
+          <a:p>
+            <a:fld id="{BA3098F8-634C-4D3D-BA4A-4EDA128784B8}" type="slidenum">
+              <a:rPr lang="ar-SA" smtClean="0"/>
+              <a:t>26</a:t>
+            </a:fld>
+            <a:endParaRPr lang="ar-SA"/>
+          </a:p>
+        </p:txBody>
+      </p:sp>
+    </p:spTree>
+    <p:extLst>
+      <p:ext uri="{BB962C8B-B14F-4D97-AF65-F5344CB8AC3E}">
+        <p14:creationId xmlns:p14="http://schemas.microsoft.com/office/powerpoint/2010/main" val="3558212890"/>
+      </p:ext>
+    </p:extLst>
+  </p:cSld>
+  <p:clrMapOvr>
+    <a:masterClrMapping/>
+  </p:clrMapOvr>
+</p:sld>
+</file>
+
+<file path=ppt/slides/slide27.xml><?xml version="1.0" encoding="utf-8"?>
+<p:sld xmlns:a="http://schemas.openxmlformats.org/drawingml/2006/main" xmlns:r="http://schemas.openxmlformats.org/officeDocument/2006/relationships" xmlns:p="http://schemas.openxmlformats.org/presentationml/2006/main">
+  <p:cSld>
+    <p:spTree>
+      <p:nvGrpSpPr>
+        <p:cNvPr id="1" name=""/>
+        <p:cNvGrpSpPr/>
+        <p:nvPr/>
+      </p:nvGrpSpPr>
+      <p:grpSpPr>
+        <a:xfrm>
+          <a:off x="0" y="0"/>
+          <a:ext cx="0" cy="0"/>
+          <a:chOff x="0" y="0"/>
+          <a:chExt cx="0" cy="0"/>
+        </a:xfrm>
+      </p:grpSpPr>
       <p:sp>
         <p:nvSpPr>
           <p:cNvPr id="2" name="Rectangle 1">
@@ -13889,6 +14413,35 @@
           </a:p>
           <a:p>
             <a:endParaRPr lang="ar-SA" dirty="0"/>
+          </a:p>
+        </p:txBody>
+      </p:sp>
+      <p:sp>
+        <p:nvSpPr>
+          <p:cNvPr id="5" name="Slide Number Placeholder 4">
+            <a:extLst>
+              <a:ext uri="{FF2B5EF4-FFF2-40B4-BE49-F238E27FC236}">
+                <a16:creationId xmlns:a16="http://schemas.microsoft.com/office/drawing/2014/main" id="{E819CF3C-D851-4432-A1C9-FF50E14886DD}"/>
+              </a:ext>
+            </a:extLst>
+          </p:cNvPr>
+          <p:cNvSpPr>
+            <a:spLocks noGrp="1"/>
+          </p:cNvSpPr>
+          <p:nvPr>
+            <p:ph type="sldNum" sz="quarter" idx="12"/>
+          </p:nvPr>
+        </p:nvSpPr>
+        <p:spPr/>
+        <p:txBody>
+          <a:bodyPr/>
+          <a:lstStyle/>
+          <a:p>
+            <a:fld id="{BA3098F8-634C-4D3D-BA4A-4EDA128784B8}" type="slidenum">
+              <a:rPr lang="ar-SA" smtClean="0"/>
+              <a:t>27</a:t>
+            </a:fld>
+            <a:endParaRPr lang="ar-SA"/>
           </a:p>
         </p:txBody>
       </p:sp>
@@ -13905,7 +14458,7 @@
 </p:sld>
 </file>
 
-<file path=ppt/slides/slide27.xml><?xml version="1.0" encoding="utf-8"?>
+<file path=ppt/slides/slide28.xml><?xml version="1.0" encoding="utf-8"?>
 <p:sld xmlns:a="http://schemas.openxmlformats.org/drawingml/2006/main" xmlns:r="http://schemas.openxmlformats.org/officeDocument/2006/relationships" xmlns:p="http://schemas.openxmlformats.org/presentationml/2006/main">
   <p:cSld>
     <p:spTree>
@@ -14520,10 +15073,143 @@
           </a:prstGeom>
         </p:spPr>
       </p:pic>
+      <p:sp>
+        <p:nvSpPr>
+          <p:cNvPr id="4" name="Slide Number Placeholder 3">
+            <a:extLst>
+              <a:ext uri="{FF2B5EF4-FFF2-40B4-BE49-F238E27FC236}">
+                <a16:creationId xmlns:a16="http://schemas.microsoft.com/office/drawing/2014/main" id="{76AED01E-1D78-4BB0-8CE6-269F0099CE87}"/>
+              </a:ext>
+            </a:extLst>
+          </p:cNvPr>
+          <p:cNvSpPr>
+            <a:spLocks noGrp="1"/>
+          </p:cNvSpPr>
+          <p:nvPr>
+            <p:ph type="sldNum" sz="quarter" idx="12"/>
+          </p:nvPr>
+        </p:nvSpPr>
+        <p:spPr/>
+        <p:txBody>
+          <a:bodyPr/>
+          <a:lstStyle/>
+          <a:p>
+            <a:fld id="{BA3098F8-634C-4D3D-BA4A-4EDA128784B8}" type="slidenum">
+              <a:rPr lang="ar-SA" smtClean="0"/>
+              <a:t>28</a:t>
+            </a:fld>
+            <a:endParaRPr lang="ar-SA"/>
+          </a:p>
+        </p:txBody>
+      </p:sp>
     </p:spTree>
     <p:extLst>
       <p:ext uri="{BB962C8B-B14F-4D97-AF65-F5344CB8AC3E}">
         <p14:creationId xmlns:p14="http://schemas.microsoft.com/office/powerpoint/2010/main" val="2746961094"/>
+      </p:ext>
+    </p:extLst>
+  </p:cSld>
+  <p:clrMapOvr>
+    <a:masterClrMapping/>
+  </p:clrMapOvr>
+</p:sld>
+</file>
+
+<file path=ppt/slides/slide29.xml><?xml version="1.0" encoding="utf-8"?>
+<p:sld xmlns:a="http://schemas.openxmlformats.org/drawingml/2006/main" xmlns:r="http://schemas.openxmlformats.org/officeDocument/2006/relationships" xmlns:p="http://schemas.openxmlformats.org/presentationml/2006/main">
+  <p:cSld>
+    <p:spTree>
+      <p:nvGrpSpPr>
+        <p:cNvPr id="1" name=""/>
+        <p:cNvGrpSpPr/>
+        <p:nvPr/>
+      </p:nvGrpSpPr>
+      <p:grpSpPr>
+        <a:xfrm>
+          <a:off x="0" y="0"/>
+          <a:ext cx="0" cy="0"/>
+          <a:chOff x="0" y="0"/>
+          <a:chExt cx="0" cy="0"/>
+        </a:xfrm>
+      </p:grpSpPr>
+      <p:sp>
+        <p:nvSpPr>
+          <p:cNvPr id="2" name="Rectangle 1">
+            <a:extLst>
+              <a:ext uri="{FF2B5EF4-FFF2-40B4-BE49-F238E27FC236}">
+                <a16:creationId xmlns:a16="http://schemas.microsoft.com/office/drawing/2014/main" id="{BB7A6A19-96C4-4335-8424-2FD68DB8DCB3}"/>
+              </a:ext>
+            </a:extLst>
+          </p:cNvPr>
+          <p:cNvSpPr/>
+          <p:nvPr/>
+        </p:nvSpPr>
+        <p:spPr>
+          <a:xfrm>
+            <a:off x="609512" y="613676"/>
+            <a:ext cx="3882858" cy="369332"/>
+          </a:xfrm>
+          <a:prstGeom prst="rect">
+            <a:avLst/>
+          </a:prstGeom>
+        </p:spPr>
+        <p:txBody>
+          <a:bodyPr wrap="none">
+            <a:spAutoFit/>
+          </a:bodyPr>
+          <a:lstStyle/>
+          <a:p>
+            <a:pPr marL="285750" indent="-285750">
+              <a:buFont typeface="Arial" panose="020B0604020202020204" pitchFamily="34" charset="0"/>
+              <a:buChar char="•"/>
+            </a:pPr>
+            <a:r>
+              <a:rPr lang="en-US" dirty="0">
+                <a:solidFill>
+                  <a:schemeClr val="accent1">
+                    <a:lumMod val="50000"/>
+                  </a:schemeClr>
+                </a:solidFill>
+              </a:rPr>
+              <a:t>Time-invariant Discrete Systems:</a:t>
+            </a:r>
+            <a:endParaRPr lang="ar-SA" dirty="0"/>
+          </a:p>
+        </p:txBody>
+      </p:sp>
+      <p:sp>
+        <p:nvSpPr>
+          <p:cNvPr id="4" name="Slide Number Placeholder 3">
+            <a:extLst>
+              <a:ext uri="{FF2B5EF4-FFF2-40B4-BE49-F238E27FC236}">
+                <a16:creationId xmlns:a16="http://schemas.microsoft.com/office/drawing/2014/main" id="{967AD871-C7D0-4B1B-B2D9-AEF152DBB1C9}"/>
+              </a:ext>
+            </a:extLst>
+          </p:cNvPr>
+          <p:cNvSpPr>
+            <a:spLocks noGrp="1"/>
+          </p:cNvSpPr>
+          <p:nvPr>
+            <p:ph type="sldNum" sz="quarter" idx="12"/>
+          </p:nvPr>
+        </p:nvSpPr>
+        <p:spPr/>
+        <p:txBody>
+          <a:bodyPr/>
+          <a:lstStyle/>
+          <a:p>
+            <a:fld id="{BA3098F8-634C-4D3D-BA4A-4EDA128784B8}" type="slidenum">
+              <a:rPr lang="ar-SA" smtClean="0"/>
+              <a:t>29</a:t>
+            </a:fld>
+            <a:endParaRPr lang="ar-SA"/>
+          </a:p>
+        </p:txBody>
+      </p:sp>
+    </p:spTree>
+    <p:extLst>
+      <p:ext uri="{BB962C8B-B14F-4D97-AF65-F5344CB8AC3E}">
+        <p14:creationId xmlns:p14="http://schemas.microsoft.com/office/powerpoint/2010/main" val="2116845578"/>
       </p:ext>
     </p:extLst>
   </p:cSld>
@@ -15080,6 +15766,882 @@
     <p:extLst>
       <p:ext uri="{BB962C8B-B14F-4D97-AF65-F5344CB8AC3E}">
         <p14:creationId xmlns:p14="http://schemas.microsoft.com/office/powerpoint/2010/main" val="3012519729"/>
+      </p:ext>
+    </p:extLst>
+  </p:cSld>
+  <p:clrMapOvr>
+    <a:masterClrMapping/>
+  </p:clrMapOvr>
+</p:sld>
+</file>
+
+<file path=ppt/slides/slide30.xml><?xml version="1.0" encoding="utf-8"?>
+<p:sld xmlns:a="http://schemas.openxmlformats.org/drawingml/2006/main" xmlns:r="http://schemas.openxmlformats.org/officeDocument/2006/relationships" xmlns:p="http://schemas.openxmlformats.org/presentationml/2006/main">
+  <p:cSld>
+    <p:spTree>
+      <p:nvGrpSpPr>
+        <p:cNvPr id="1" name=""/>
+        <p:cNvGrpSpPr/>
+        <p:nvPr/>
+      </p:nvGrpSpPr>
+      <p:grpSpPr>
+        <a:xfrm>
+          <a:off x="0" y="0"/>
+          <a:ext cx="0" cy="0"/>
+          <a:chOff x="0" y="0"/>
+          <a:chExt cx="0" cy="0"/>
+        </a:xfrm>
+      </p:grpSpPr>
+      <p:sp>
+        <p:nvSpPr>
+          <p:cNvPr id="2" name="Rectangle 1">
+            <a:extLst>
+              <a:ext uri="{FF2B5EF4-FFF2-40B4-BE49-F238E27FC236}">
+                <a16:creationId xmlns:a16="http://schemas.microsoft.com/office/drawing/2014/main" id="{88E76EF4-B826-4C50-9162-BF8EE656BD8F}"/>
+              </a:ext>
+            </a:extLst>
+          </p:cNvPr>
+          <p:cNvSpPr/>
+          <p:nvPr/>
+        </p:nvSpPr>
+        <p:spPr>
+          <a:xfrm>
+            <a:off x="217267" y="472493"/>
+            <a:ext cx="4415761" cy="400110"/>
+          </a:xfrm>
+          <a:prstGeom prst="rect">
+            <a:avLst/>
+          </a:prstGeom>
+        </p:spPr>
+        <p:txBody>
+          <a:bodyPr wrap="none">
+            <a:spAutoFit/>
+          </a:bodyPr>
+          <a:lstStyle/>
+          <a:p>
+            <a:pPr marL="742950" lvl="1" indent="-285750">
+              <a:buFont typeface="Arial" panose="020B0604020202020204" pitchFamily="34" charset="0"/>
+              <a:buChar char="•"/>
+            </a:pPr>
+            <a:r>
+              <a:rPr lang="en-US" sz="2000" dirty="0">
+                <a:solidFill>
+                  <a:schemeClr val="accent1">
+                    <a:lumMod val="50000"/>
+                  </a:schemeClr>
+                </a:solidFill>
+              </a:rPr>
+              <a:t>Causal Discrete Time Systems:</a:t>
+            </a:r>
+          </a:p>
+        </p:txBody>
+      </p:sp>
+      <p:sp>
+        <p:nvSpPr>
+          <p:cNvPr id="4" name="Rectangle 1">
+            <a:extLst>
+              <a:ext uri="{FF2B5EF4-FFF2-40B4-BE49-F238E27FC236}">
+                <a16:creationId xmlns:a16="http://schemas.microsoft.com/office/drawing/2014/main" id="{10CE5F2F-4417-4496-BFBF-74A091B13318}"/>
+              </a:ext>
+            </a:extLst>
+          </p:cNvPr>
+          <p:cNvSpPr>
+            <a:spLocks noChangeArrowheads="1"/>
+          </p:cNvSpPr>
+          <p:nvPr/>
+        </p:nvSpPr>
+        <p:spPr bwMode="auto">
+          <a:xfrm>
+            <a:off x="2357438" y="3414713"/>
+            <a:ext cx="12192000" cy="0"/>
+          </a:xfrm>
+          <a:prstGeom prst="rect">
+            <a:avLst/>
+          </a:prstGeom>
+          <a:noFill/>
+          <a:ln>
+            <a:noFill/>
+          </a:ln>
+          <a:effectLst/>
+          <a:extLst>
+            <a:ext uri="{909E8E84-426E-40DD-AFC4-6F175D3DCCD1}">
+              <a14:hiddenFill xmlns:a14="http://schemas.microsoft.com/office/drawing/2010/main">
+                <a:solidFill>
+                  <a:schemeClr val="accent1"/>
+                </a:solidFill>
+              </a14:hiddenFill>
+            </a:ext>
+            <a:ext uri="{91240B29-F687-4F45-9708-019B960494DF}">
+              <a14:hiddenLine xmlns:a14="http://schemas.microsoft.com/office/drawing/2010/main" w="9525">
+                <a:solidFill>
+                  <a:schemeClr val="tx1"/>
+                </a:solidFill>
+                <a:miter lim="800000"/>
+                <a:headEnd/>
+                <a:tailEnd/>
+              </a14:hiddenLine>
+            </a:ext>
+            <a:ext uri="{AF507438-7753-43E0-B8FC-AC1667EBCBE1}">
+              <a14:hiddenEffects xmlns:a14="http://schemas.microsoft.com/office/drawing/2010/main">
+                <a:effectLst>
+                  <a:outerShdw dist="35921" dir="2700000" algn="ctr" rotWithShape="0">
+                    <a:schemeClr val="bg2"/>
+                  </a:outerShdw>
+                </a:effectLst>
+              </a14:hiddenEffects>
+            </a:ext>
+          </a:extLst>
+        </p:spPr>
+        <p:txBody>
+          <a:bodyPr vert="horz" wrap="none" lIns="91440" tIns="45720" rIns="91440" bIns="45720" numCol="1" anchor="ctr" anchorCtr="0" compatLnSpc="1">
+            <a:prstTxWarp prst="textNoShape">
+              <a:avLst/>
+            </a:prstTxWarp>
+            <a:spAutoFit/>
+          </a:bodyPr>
+          <a:lstStyle/>
+          <a:p>
+            <a:pPr marL="0" marR="0" lvl="0" indent="0" algn="l" defTabSz="914400" rtl="0" eaLnBrk="0" fontAlgn="base" latinLnBrk="0" hangingPunct="0">
+              <a:lnSpc>
+                <a:spcPct val="100000"/>
+              </a:lnSpc>
+              <a:spcBef>
+                <a:spcPct val="0"/>
+              </a:spcBef>
+              <a:spcAft>
+                <a:spcPct val="0"/>
+              </a:spcAft>
+              <a:buClrTx/>
+              <a:buSzTx/>
+              <a:buFontTx/>
+              <a:buNone/>
+              <a:tabLst/>
+            </a:pPr>
+            <a:br>
+              <a:rPr kumimoji="0" lang="ar-SA" altLang="ar-SA" sz="1800" b="0" i="0" u="none" strike="noStrike" cap="none" normalizeH="0" baseline="0">
+                <a:ln>
+                  <a:noFill/>
+                </a:ln>
+                <a:solidFill>
+                  <a:schemeClr val="tx1"/>
+                </a:solidFill>
+                <a:effectLst/>
+                <a:latin typeface="Arial" panose="020B0604020202020204" pitchFamily="34" charset="0"/>
+              </a:rPr>
+            </a:br>
+            <a:endParaRPr kumimoji="0" lang="ar-SA" altLang="ar-SA" sz="1800" b="0" i="0" u="none" strike="noStrike" cap="none" normalizeH="0" baseline="0">
+              <a:ln>
+                <a:noFill/>
+              </a:ln>
+              <a:solidFill>
+                <a:schemeClr val="tx1"/>
+              </a:solidFill>
+              <a:effectLst/>
+              <a:latin typeface="Arial" panose="020B0604020202020204" pitchFamily="34" charset="0"/>
+            </a:endParaRPr>
+          </a:p>
+        </p:txBody>
+      </p:sp>
+      <p:sp>
+        <p:nvSpPr>
+          <p:cNvPr id="5" name="TextBox 4">
+            <a:extLst>
+              <a:ext uri="{FF2B5EF4-FFF2-40B4-BE49-F238E27FC236}">
+                <a16:creationId xmlns:a16="http://schemas.microsoft.com/office/drawing/2014/main" id="{782BE3ED-4708-426C-9B47-B4A2D325B7FF}"/>
+              </a:ext>
+            </a:extLst>
+          </p:cNvPr>
+          <p:cNvSpPr txBox="1"/>
+          <p:nvPr/>
+        </p:nvSpPr>
+        <p:spPr>
+          <a:xfrm>
+            <a:off x="901147" y="1318834"/>
+            <a:ext cx="8415130" cy="1015663"/>
+          </a:xfrm>
+          <a:prstGeom prst="rect">
+            <a:avLst/>
+          </a:prstGeom>
+          <a:noFill/>
+        </p:spPr>
+        <p:txBody>
+          <a:bodyPr wrap="square" rtlCol="1">
+            <a:spAutoFit/>
+          </a:bodyPr>
+          <a:lstStyle/>
+          <a:p>
+            <a:r>
+              <a:rPr lang="en-US" sz="2000" dirty="0">
+                <a:solidFill>
+                  <a:srgbClr val="000000"/>
+                </a:solidFill>
+                <a:latin typeface="TimesNewRomanPSMT"/>
+              </a:rPr>
+              <a:t>A system is said to be causal, if the </a:t>
+            </a:r>
+            <a:r>
+              <a:rPr lang="en-US" sz="2000" dirty="0">
+                <a:solidFill>
+                  <a:srgbClr val="002060"/>
+                </a:solidFill>
+                <a:latin typeface="TimesNewRomanPSMT"/>
+              </a:rPr>
+              <a:t>output</a:t>
+            </a:r>
+            <a:r>
+              <a:rPr lang="en-US" sz="2000" dirty="0">
+                <a:solidFill>
+                  <a:srgbClr val="000000"/>
+                </a:solidFill>
+                <a:latin typeface="TimesNewRomanPSMT"/>
+              </a:rPr>
+              <a:t> of the system at any time n (y(n)) depends </a:t>
+            </a:r>
+            <a:r>
+              <a:rPr lang="en-US" sz="2000" dirty="0">
+                <a:solidFill>
+                  <a:srgbClr val="C00000"/>
+                </a:solidFill>
+                <a:latin typeface="TimesNewRomanPSMT"/>
+              </a:rPr>
+              <a:t>only</a:t>
+            </a:r>
+            <a:r>
+              <a:rPr lang="en-US" sz="2000" dirty="0">
+                <a:solidFill>
+                  <a:srgbClr val="000000"/>
+                </a:solidFill>
+                <a:latin typeface="TimesNewRomanPSMT"/>
+              </a:rPr>
+              <a:t> on the </a:t>
+            </a:r>
+            <a:r>
+              <a:rPr lang="en-US" sz="2000" dirty="0">
+                <a:solidFill>
+                  <a:srgbClr val="002060"/>
+                </a:solidFill>
+                <a:latin typeface="TimesNewRomanPSMT"/>
+              </a:rPr>
+              <a:t>present</a:t>
+            </a:r>
+            <a:r>
+              <a:rPr lang="en-US" sz="2000" dirty="0">
+                <a:solidFill>
+                  <a:srgbClr val="000000"/>
+                </a:solidFill>
+                <a:latin typeface="TimesNewRomanPSMT"/>
+              </a:rPr>
+              <a:t> and </a:t>
+            </a:r>
+            <a:r>
+              <a:rPr lang="en-US" sz="2000" dirty="0">
+                <a:solidFill>
+                  <a:srgbClr val="002060"/>
+                </a:solidFill>
+                <a:latin typeface="TimesNewRomanPSMT"/>
+              </a:rPr>
+              <a:t>past</a:t>
+            </a:r>
+            <a:r>
+              <a:rPr lang="en-US" sz="2000" dirty="0">
+                <a:solidFill>
+                  <a:srgbClr val="000000"/>
+                </a:solidFill>
+                <a:latin typeface="TimesNewRomanPSMT"/>
+              </a:rPr>
+              <a:t> </a:t>
+            </a:r>
+            <a:r>
+              <a:rPr lang="en-US" sz="2000" dirty="0">
+                <a:solidFill>
+                  <a:srgbClr val="002060"/>
+                </a:solidFill>
+                <a:latin typeface="TimesNewRomanPSMT"/>
+              </a:rPr>
+              <a:t>inputs</a:t>
+            </a:r>
+            <a:r>
+              <a:rPr lang="en-US" sz="2000" dirty="0">
+                <a:solidFill>
+                  <a:srgbClr val="000000"/>
+                </a:solidFill>
+                <a:latin typeface="TimesNewRomanPSMT"/>
+              </a:rPr>
+              <a:t> ,But does not depend on future inputs</a:t>
+            </a:r>
+            <a:endParaRPr lang="ar-SA" sz="2000" dirty="0">
+              <a:solidFill>
+                <a:srgbClr val="000000"/>
+              </a:solidFill>
+              <a:latin typeface="TimesNewRomanPSMT"/>
+            </a:endParaRPr>
+          </a:p>
+        </p:txBody>
+      </p:sp>
+      <p:sp>
+        <p:nvSpPr>
+          <p:cNvPr id="6" name="TextBox 5">
+            <a:extLst>
+              <a:ext uri="{FF2B5EF4-FFF2-40B4-BE49-F238E27FC236}">
+                <a16:creationId xmlns:a16="http://schemas.microsoft.com/office/drawing/2014/main" id="{35DC2D1C-AD97-4D8B-8C83-1A7232855052}"/>
+              </a:ext>
+            </a:extLst>
+          </p:cNvPr>
+          <p:cNvSpPr txBox="1"/>
+          <p:nvPr/>
+        </p:nvSpPr>
+        <p:spPr>
+          <a:xfrm>
+            <a:off x="1498889" y="2780728"/>
+            <a:ext cx="6056244" cy="954107"/>
+          </a:xfrm>
+          <a:prstGeom prst="rect">
+            <a:avLst/>
+          </a:prstGeom>
+          <a:noFill/>
+        </p:spPr>
+        <p:txBody>
+          <a:bodyPr wrap="square" rtlCol="1">
+            <a:spAutoFit/>
+          </a:bodyPr>
+          <a:lstStyle/>
+          <a:p>
+            <a:r>
+              <a:rPr lang="en-US" dirty="0"/>
+              <a:t>Y[n] = X[n]       &gt;&gt;</a:t>
+            </a:r>
+            <a:r>
+              <a:rPr lang="en-US" dirty="0">
+                <a:solidFill>
+                  <a:schemeClr val="accent1">
+                    <a:lumMod val="50000"/>
+                  </a:schemeClr>
+                </a:solidFill>
+              </a:rPr>
+              <a:t> Causal</a:t>
+            </a:r>
+            <a:endParaRPr lang="en-US" dirty="0"/>
+          </a:p>
+          <a:p>
+            <a:r>
+              <a:rPr lang="en-US" dirty="0"/>
+              <a:t>Y[n] = X[n+1]   &gt;&gt;</a:t>
+            </a:r>
+            <a:r>
+              <a:rPr lang="en-US" dirty="0">
+                <a:solidFill>
+                  <a:schemeClr val="accent1">
+                    <a:lumMod val="50000"/>
+                  </a:schemeClr>
+                </a:solidFill>
+              </a:rPr>
+              <a:t> Non Causal</a:t>
+            </a:r>
+            <a:endParaRPr lang="en-US" dirty="0"/>
+          </a:p>
+          <a:p>
+            <a:r>
+              <a:rPr lang="en-US" dirty="0"/>
+              <a:t>Y[n] = X[n-1]    &gt;&gt;</a:t>
+            </a:r>
+            <a:r>
+              <a:rPr lang="en-US" dirty="0">
+                <a:solidFill>
+                  <a:schemeClr val="accent1">
+                    <a:lumMod val="50000"/>
+                  </a:schemeClr>
+                </a:solidFill>
+              </a:rPr>
+              <a:t> Causal</a:t>
+            </a:r>
+            <a:endParaRPr lang="ar-SA" dirty="0"/>
+          </a:p>
+        </p:txBody>
+      </p:sp>
+      <p:sp>
+        <p:nvSpPr>
+          <p:cNvPr id="7" name="Slide Number Placeholder 6">
+            <a:extLst>
+              <a:ext uri="{FF2B5EF4-FFF2-40B4-BE49-F238E27FC236}">
+                <a16:creationId xmlns:a16="http://schemas.microsoft.com/office/drawing/2014/main" id="{C63EDC89-AFCC-4D0B-A5DF-12D447D9EA1B}"/>
+              </a:ext>
+            </a:extLst>
+          </p:cNvPr>
+          <p:cNvSpPr>
+            <a:spLocks noGrp="1"/>
+          </p:cNvSpPr>
+          <p:nvPr>
+            <p:ph type="sldNum" sz="quarter" idx="12"/>
+          </p:nvPr>
+        </p:nvSpPr>
+        <p:spPr/>
+        <p:txBody>
+          <a:bodyPr/>
+          <a:lstStyle/>
+          <a:p>
+            <a:fld id="{BA3098F8-634C-4D3D-BA4A-4EDA128784B8}" type="slidenum">
+              <a:rPr lang="ar-SA" smtClean="0"/>
+              <a:t>30</a:t>
+            </a:fld>
+            <a:endParaRPr lang="ar-SA"/>
+          </a:p>
+        </p:txBody>
+      </p:sp>
+    </p:spTree>
+    <p:extLst>
+      <p:ext uri="{BB962C8B-B14F-4D97-AF65-F5344CB8AC3E}">
+        <p14:creationId xmlns:p14="http://schemas.microsoft.com/office/powerpoint/2010/main" val="1389013520"/>
+      </p:ext>
+    </p:extLst>
+  </p:cSld>
+  <p:clrMapOvr>
+    <a:masterClrMapping/>
+  </p:clrMapOvr>
+</p:sld>
+</file>
+
+<file path=ppt/slides/slide31.xml><?xml version="1.0" encoding="utf-8"?>
+<p:sld xmlns:a="http://schemas.openxmlformats.org/drawingml/2006/main" xmlns:r="http://schemas.openxmlformats.org/officeDocument/2006/relationships" xmlns:p="http://schemas.openxmlformats.org/presentationml/2006/main">
+  <p:cSld>
+    <p:spTree>
+      <p:nvGrpSpPr>
+        <p:cNvPr id="1" name=""/>
+        <p:cNvGrpSpPr/>
+        <p:nvPr/>
+      </p:nvGrpSpPr>
+      <p:grpSpPr>
+        <a:xfrm>
+          <a:off x="0" y="0"/>
+          <a:ext cx="0" cy="0"/>
+          <a:chOff x="0" y="0"/>
+          <a:chExt cx="0" cy="0"/>
+        </a:xfrm>
+      </p:grpSpPr>
+      <p:sp>
+        <p:nvSpPr>
+          <p:cNvPr id="2" name="TextBox 1">
+            <a:extLst>
+              <a:ext uri="{FF2B5EF4-FFF2-40B4-BE49-F238E27FC236}">
+                <a16:creationId xmlns:a16="http://schemas.microsoft.com/office/drawing/2014/main" id="{71B321EA-A19A-434E-ADBA-B81030087D2C}"/>
+              </a:ext>
+            </a:extLst>
+          </p:cNvPr>
+          <p:cNvSpPr txBox="1"/>
+          <p:nvPr/>
+        </p:nvSpPr>
+        <p:spPr>
+          <a:xfrm>
+            <a:off x="742122" y="702365"/>
+            <a:ext cx="3445565" cy="6309420"/>
+          </a:xfrm>
+          <a:prstGeom prst="rect">
+            <a:avLst/>
+          </a:prstGeom>
+          <a:noFill/>
+        </p:spPr>
+        <p:txBody>
+          <a:bodyPr wrap="square" rtlCol="1">
+            <a:spAutoFit/>
+          </a:bodyPr>
+          <a:lstStyle/>
+          <a:p>
+            <a:r>
+              <a:rPr lang="en-US" sz="1600" dirty="0"/>
+              <a:t>clc;</a:t>
+            </a:r>
+          </a:p>
+          <a:p>
+            <a:r>
+              <a:rPr lang="en-US" sz="1600" dirty="0"/>
+              <a:t>clear all;</a:t>
+            </a:r>
+          </a:p>
+          <a:p>
+            <a:r>
+              <a:rPr lang="en-US" sz="1600" dirty="0"/>
+              <a:t>close all;</a:t>
+            </a:r>
+          </a:p>
+          <a:p>
+            <a:r>
+              <a:rPr lang="en-US" sz="1600" dirty="0"/>
+              <a:t>%Properties of DT Systems(Causality)</a:t>
+            </a:r>
+          </a:p>
+          <a:p>
+            <a:r>
+              <a:rPr lang="en-US" sz="1600" dirty="0"/>
+              <a:t>%y(n)=x(-n);</a:t>
+            </a:r>
+          </a:p>
+          <a:p>
+            <a:r>
+              <a:rPr lang="ar-SA" sz="1600" dirty="0"/>
+              <a:t> </a:t>
+            </a:r>
+          </a:p>
+          <a:p>
+            <a:r>
+              <a:rPr lang="en-US" sz="1600" dirty="0"/>
+              <a:t>x1=input('Enter input sequence x1:');</a:t>
+            </a:r>
+          </a:p>
+          <a:p>
+            <a:r>
+              <a:rPr lang="en-US" sz="1600" dirty="0"/>
+              <a:t>n1=input('Enter lower limit n1:');</a:t>
+            </a:r>
+          </a:p>
+          <a:p>
+            <a:r>
+              <a:rPr lang="en-US" sz="1600" dirty="0"/>
+              <a:t>n2=input('Enter lower limit n2:');</a:t>
+            </a:r>
+          </a:p>
+          <a:p>
+            <a:r>
+              <a:rPr lang="en-US" sz="1600" dirty="0"/>
+              <a:t>flag=0;</a:t>
+            </a:r>
+          </a:p>
+          <a:p>
+            <a:r>
+              <a:rPr lang="en-US" sz="1600" dirty="0"/>
+              <a:t>for n=n1:n2</a:t>
+            </a:r>
+          </a:p>
+          <a:p>
+            <a:r>
+              <a:rPr lang="en-US" sz="1600" dirty="0" err="1"/>
+              <a:t>arg</a:t>
+            </a:r>
+            <a:r>
+              <a:rPr lang="en-US" sz="1600" dirty="0"/>
+              <a:t>=-n;</a:t>
+            </a:r>
+          </a:p>
+          <a:p>
+            <a:r>
+              <a:rPr lang="en-US" sz="1600" dirty="0"/>
+              <a:t>if </a:t>
+            </a:r>
+            <a:r>
+              <a:rPr lang="en-US" sz="1600" dirty="0" err="1"/>
+              <a:t>arg</a:t>
+            </a:r>
+            <a:r>
+              <a:rPr lang="en-US" sz="1600" dirty="0"/>
+              <a:t>&gt;n;</a:t>
+            </a:r>
+          </a:p>
+          <a:p>
+            <a:r>
+              <a:rPr lang="en-US" sz="1600" dirty="0"/>
+              <a:t>flag=1;</a:t>
+            </a:r>
+          </a:p>
+          <a:p>
+            <a:r>
+              <a:rPr lang="en-US" sz="1600" dirty="0"/>
+              <a:t>end;</a:t>
+            </a:r>
+          </a:p>
+          <a:p>
+            <a:r>
+              <a:rPr lang="en-US" sz="1600" dirty="0"/>
+              <a:t>end;</a:t>
+            </a:r>
+          </a:p>
+          <a:p>
+            <a:r>
+              <a:rPr lang="ar-SA" sz="1600" dirty="0"/>
+              <a:t> </a:t>
+            </a:r>
+          </a:p>
+          <a:p>
+            <a:r>
+              <a:rPr lang="en-US" sz="1600" dirty="0"/>
+              <a:t>if(flag==1)</a:t>
+            </a:r>
+          </a:p>
+          <a:p>
+            <a:r>
+              <a:rPr lang="en-US" sz="1600" dirty="0"/>
+              <a:t>display('system is causal');</a:t>
+            </a:r>
+          </a:p>
+          <a:p>
+            <a:r>
+              <a:rPr lang="en-US" sz="1600" dirty="0"/>
+              <a:t>else</a:t>
+            </a:r>
+          </a:p>
+          <a:p>
+            <a:r>
+              <a:rPr lang="en-US" sz="1600" dirty="0"/>
+              <a:t>    display('system is non-causal');</a:t>
+            </a:r>
+          </a:p>
+          <a:p>
+            <a:r>
+              <a:rPr lang="en-US" sz="1600" dirty="0"/>
+              <a:t>end;</a:t>
+            </a:r>
+          </a:p>
+          <a:p>
+            <a:endParaRPr lang="ar-SA" sz="1600" dirty="0"/>
+          </a:p>
+        </p:txBody>
+      </p:sp>
+      <p:sp>
+        <p:nvSpPr>
+          <p:cNvPr id="3" name="Rectangle 2">
+            <a:extLst>
+              <a:ext uri="{FF2B5EF4-FFF2-40B4-BE49-F238E27FC236}">
+                <a16:creationId xmlns:a16="http://schemas.microsoft.com/office/drawing/2014/main" id="{C356602E-6A99-4C95-A034-D07D63B2B133}"/>
+              </a:ext>
+            </a:extLst>
+          </p:cNvPr>
+          <p:cNvSpPr/>
+          <p:nvPr/>
+        </p:nvSpPr>
+        <p:spPr>
+          <a:xfrm>
+            <a:off x="564233" y="333033"/>
+            <a:ext cx="2105063" cy="369332"/>
+          </a:xfrm>
+          <a:prstGeom prst="rect">
+            <a:avLst/>
+          </a:prstGeom>
+        </p:spPr>
+        <p:txBody>
+          <a:bodyPr wrap="none">
+            <a:spAutoFit/>
+          </a:bodyPr>
+          <a:lstStyle/>
+          <a:p>
+            <a:r>
+              <a:rPr lang="en-US" dirty="0">
+                <a:solidFill>
+                  <a:schemeClr val="accent1">
+                    <a:lumMod val="50000"/>
+                  </a:schemeClr>
+                </a:solidFill>
+              </a:rPr>
+              <a:t>Implementation 2:</a:t>
+            </a:r>
+            <a:endParaRPr lang="ar-SA" dirty="0">
+              <a:solidFill>
+                <a:schemeClr val="accent1">
+                  <a:lumMod val="50000"/>
+                </a:schemeClr>
+              </a:solidFill>
+            </a:endParaRPr>
+          </a:p>
+        </p:txBody>
+      </p:sp>
+      <p:sp>
+        <p:nvSpPr>
+          <p:cNvPr id="5" name="Slide Number Placeholder 4">
+            <a:extLst>
+              <a:ext uri="{FF2B5EF4-FFF2-40B4-BE49-F238E27FC236}">
+                <a16:creationId xmlns:a16="http://schemas.microsoft.com/office/drawing/2014/main" id="{AB722B42-D171-42A8-A177-3F8B44EA204E}"/>
+              </a:ext>
+            </a:extLst>
+          </p:cNvPr>
+          <p:cNvSpPr>
+            <a:spLocks noGrp="1"/>
+          </p:cNvSpPr>
+          <p:nvPr>
+            <p:ph type="sldNum" sz="quarter" idx="12"/>
+          </p:nvPr>
+        </p:nvSpPr>
+        <p:spPr/>
+        <p:txBody>
+          <a:bodyPr/>
+          <a:lstStyle/>
+          <a:p>
+            <a:fld id="{BA3098F8-634C-4D3D-BA4A-4EDA128784B8}" type="slidenum">
+              <a:rPr lang="ar-SA" smtClean="0"/>
+              <a:t>31</a:t>
+            </a:fld>
+            <a:endParaRPr lang="ar-SA"/>
+          </a:p>
+        </p:txBody>
+      </p:sp>
+    </p:spTree>
+    <p:extLst>
+      <p:ext uri="{BB962C8B-B14F-4D97-AF65-F5344CB8AC3E}">
+        <p14:creationId xmlns:p14="http://schemas.microsoft.com/office/powerpoint/2010/main" val="2015208126"/>
+      </p:ext>
+    </p:extLst>
+  </p:cSld>
+  <p:clrMapOvr>
+    <a:masterClrMapping/>
+  </p:clrMapOvr>
+</p:sld>
+</file>
+
+<file path=ppt/slides/slide32.xml><?xml version="1.0" encoding="utf-8"?>
+<p:sld xmlns:a="http://schemas.openxmlformats.org/drawingml/2006/main" xmlns:r="http://schemas.openxmlformats.org/officeDocument/2006/relationships" xmlns:p="http://schemas.openxmlformats.org/presentationml/2006/main">
+  <p:cSld>
+    <p:spTree>
+      <p:nvGrpSpPr>
+        <p:cNvPr id="1" name=""/>
+        <p:cNvGrpSpPr/>
+        <p:nvPr/>
+      </p:nvGrpSpPr>
+      <p:grpSpPr>
+        <a:xfrm>
+          <a:off x="0" y="0"/>
+          <a:ext cx="0" cy="0"/>
+          <a:chOff x="0" y="0"/>
+          <a:chExt cx="0" cy="0"/>
+        </a:xfrm>
+      </p:grpSpPr>
+      <p:pic>
+        <p:nvPicPr>
+          <p:cNvPr id="2" name="Picture 1">
+            <a:extLst>
+              <a:ext uri="{FF2B5EF4-FFF2-40B4-BE49-F238E27FC236}">
+                <a16:creationId xmlns:a16="http://schemas.microsoft.com/office/drawing/2014/main" id="{75DBBCA1-8BB9-4611-AA4D-7679A5838BE1}"/>
+              </a:ext>
+            </a:extLst>
+          </p:cNvPr>
+          <p:cNvPicPr>
+            <a:picLocks noChangeAspect="1"/>
+          </p:cNvPicPr>
+          <p:nvPr/>
+        </p:nvPicPr>
+        <p:blipFill>
+          <a:blip r:embed="rId2"/>
+          <a:stretch>
+            <a:fillRect/>
+          </a:stretch>
+        </p:blipFill>
+        <p:spPr>
+          <a:xfrm>
+            <a:off x="475215" y="679588"/>
+            <a:ext cx="9106107" cy="5048250"/>
+          </a:xfrm>
+          <a:prstGeom prst="rect">
+            <a:avLst/>
+          </a:prstGeom>
+        </p:spPr>
+      </p:pic>
+      <p:cxnSp>
+        <p:nvCxnSpPr>
+          <p:cNvPr id="4" name="Straight Arrow Connector 3">
+            <a:extLst>
+              <a:ext uri="{FF2B5EF4-FFF2-40B4-BE49-F238E27FC236}">
+                <a16:creationId xmlns:a16="http://schemas.microsoft.com/office/drawing/2014/main" id="{B8D891DE-273F-41CB-BE42-47AA0D91FFE9}"/>
+              </a:ext>
+            </a:extLst>
+          </p:cNvPr>
+          <p:cNvCxnSpPr/>
+          <p:nvPr/>
+        </p:nvCxnSpPr>
+        <p:spPr>
+          <a:xfrm flipH="1" flipV="1">
+            <a:off x="1868557" y="1855304"/>
+            <a:ext cx="636104" cy="132522"/>
+          </a:xfrm>
+          <a:prstGeom prst="straightConnector1">
+            <a:avLst/>
+          </a:prstGeom>
+          <a:ln>
+            <a:tailEnd type="triangle"/>
+          </a:ln>
+        </p:spPr>
+        <p:style>
+          <a:lnRef idx="3">
+            <a:schemeClr val="accent1"/>
+          </a:lnRef>
+          <a:fillRef idx="0">
+            <a:schemeClr val="accent1"/>
+          </a:fillRef>
+          <a:effectRef idx="2">
+            <a:schemeClr val="accent1"/>
+          </a:effectRef>
+          <a:fontRef idx="minor">
+            <a:schemeClr val="tx1"/>
+          </a:fontRef>
+        </p:style>
+      </p:cxnSp>
+      <p:cxnSp>
+        <p:nvCxnSpPr>
+          <p:cNvPr id="6" name="Straight Arrow Connector 5">
+            <a:extLst>
+              <a:ext uri="{FF2B5EF4-FFF2-40B4-BE49-F238E27FC236}">
+                <a16:creationId xmlns:a16="http://schemas.microsoft.com/office/drawing/2014/main" id="{C8C501A5-649E-4CCD-AB1F-A7A91020C7CE}"/>
+              </a:ext>
+            </a:extLst>
+          </p:cNvPr>
+          <p:cNvCxnSpPr>
+            <a:cxnSpLocks/>
+          </p:cNvCxnSpPr>
+          <p:nvPr/>
+        </p:nvCxnSpPr>
+        <p:spPr>
+          <a:xfrm flipH="1" flipV="1">
+            <a:off x="1974574" y="5592417"/>
+            <a:ext cx="238539" cy="477079"/>
+          </a:xfrm>
+          <a:prstGeom prst="straightConnector1">
+            <a:avLst/>
+          </a:prstGeom>
+          <a:ln>
+            <a:tailEnd type="triangle"/>
+          </a:ln>
+        </p:spPr>
+        <p:style>
+          <a:lnRef idx="3">
+            <a:schemeClr val="accent1"/>
+          </a:lnRef>
+          <a:fillRef idx="0">
+            <a:schemeClr val="accent1"/>
+          </a:fillRef>
+          <a:effectRef idx="2">
+            <a:schemeClr val="accent1"/>
+          </a:effectRef>
+          <a:fontRef idx="minor">
+            <a:schemeClr val="tx1"/>
+          </a:fontRef>
+        </p:style>
+      </p:cxnSp>
+      <p:sp>
+        <p:nvSpPr>
+          <p:cNvPr id="5" name="Slide Number Placeholder 4">
+            <a:extLst>
+              <a:ext uri="{FF2B5EF4-FFF2-40B4-BE49-F238E27FC236}">
+                <a16:creationId xmlns:a16="http://schemas.microsoft.com/office/drawing/2014/main" id="{AC4C488B-5AF8-484A-8DB2-7B1D14BA20EC}"/>
+              </a:ext>
+            </a:extLst>
+          </p:cNvPr>
+          <p:cNvSpPr>
+            <a:spLocks noGrp="1"/>
+          </p:cNvSpPr>
+          <p:nvPr>
+            <p:ph type="sldNum" sz="quarter" idx="12"/>
+          </p:nvPr>
+        </p:nvSpPr>
+        <p:spPr/>
+        <p:txBody>
+          <a:bodyPr/>
+          <a:lstStyle/>
+          <a:p>
+            <a:fld id="{BA3098F8-634C-4D3D-BA4A-4EDA128784B8}" type="slidenum">
+              <a:rPr lang="ar-SA" smtClean="0"/>
+              <a:t>32</a:t>
+            </a:fld>
+            <a:endParaRPr lang="ar-SA"/>
+          </a:p>
+        </p:txBody>
+      </p:sp>
+    </p:spTree>
+    <p:extLst>
+      <p:ext uri="{BB962C8B-B14F-4D97-AF65-F5344CB8AC3E}">
+        <p14:creationId xmlns:p14="http://schemas.microsoft.com/office/powerpoint/2010/main" val="1316836092"/>
       </p:ext>
     </p:extLst>
   </p:cSld>

--- a/lec2.pptx
+++ b/lec2.pptx
@@ -27,16 +27,16 @@
     <p:sldId id="262" r:id="rId18"/>
     <p:sldId id="261" r:id="rId19"/>
     <p:sldId id="263" r:id="rId20"/>
-    <p:sldId id="264" r:id="rId21"/>
-    <p:sldId id="260" r:id="rId22"/>
-    <p:sldId id="265" r:id="rId23"/>
-    <p:sldId id="266" r:id="rId24"/>
-    <p:sldId id="267" r:id="rId25"/>
-    <p:sldId id="272" r:id="rId26"/>
-    <p:sldId id="291" r:id="rId27"/>
-    <p:sldId id="288" r:id="rId28"/>
-    <p:sldId id="289" r:id="rId29"/>
-    <p:sldId id="290" r:id="rId30"/>
+    <p:sldId id="260" r:id="rId21"/>
+    <p:sldId id="265" r:id="rId22"/>
+    <p:sldId id="266" r:id="rId23"/>
+    <p:sldId id="267" r:id="rId24"/>
+    <p:sldId id="272" r:id="rId25"/>
+    <p:sldId id="291" r:id="rId26"/>
+    <p:sldId id="288" r:id="rId27"/>
+    <p:sldId id="289" r:id="rId28"/>
+    <p:sldId id="290" r:id="rId29"/>
+    <p:sldId id="292" r:id="rId30"/>
     <p:sldId id="268" r:id="rId31"/>
     <p:sldId id="269" r:id="rId32"/>
     <p:sldId id="270" r:id="rId33"/>
@@ -571,6 +571,103 @@
     <p:extLst>
       <p:ext uri="{BB962C8B-B14F-4D97-AF65-F5344CB8AC3E}">
         <p14:creationId xmlns:p14="http://schemas.microsoft.com/office/powerpoint/2010/main" val="3091722723"/>
+      </p:ext>
+    </p:extLst>
+  </p:cSld>
+  <p:clrMapOvr>
+    <a:masterClrMapping/>
+  </p:clrMapOvr>
+</p:notes>
+</file>
+
+<file path=ppt/notesSlides/notesSlide2.xml><?xml version="1.0" encoding="utf-8"?>
+<p:notes xmlns:a="http://schemas.openxmlformats.org/drawingml/2006/main" xmlns:r="http://schemas.openxmlformats.org/officeDocument/2006/relationships" xmlns:p="http://schemas.openxmlformats.org/presentationml/2006/main">
+  <p:cSld>
+    <p:spTree>
+      <p:nvGrpSpPr>
+        <p:cNvPr id="1" name=""/>
+        <p:cNvGrpSpPr/>
+        <p:nvPr/>
+      </p:nvGrpSpPr>
+      <p:grpSpPr>
+        <a:xfrm>
+          <a:off x="0" y="0"/>
+          <a:ext cx="0" cy="0"/>
+          <a:chOff x="0" y="0"/>
+          <a:chExt cx="0" cy="0"/>
+        </a:xfrm>
+      </p:grpSpPr>
+      <p:sp>
+        <p:nvSpPr>
+          <p:cNvPr id="2" name="Slide Image Placeholder 1"/>
+          <p:cNvSpPr>
+            <a:spLocks noGrp="1" noRot="1" noChangeAspect="1"/>
+          </p:cNvSpPr>
+          <p:nvPr>
+            <p:ph type="sldImg"/>
+          </p:nvPr>
+        </p:nvSpPr>
+        <p:spPr/>
+      </p:sp>
+      <p:sp>
+        <p:nvSpPr>
+          <p:cNvPr id="3" name="Notes Placeholder 2"/>
+          <p:cNvSpPr>
+            <a:spLocks noGrp="1"/>
+          </p:cNvSpPr>
+          <p:nvPr>
+            <p:ph type="body" idx="1"/>
+          </p:nvPr>
+        </p:nvSpPr>
+        <p:spPr/>
+        <p:txBody>
+          <a:bodyPr/>
+          <a:lstStyle/>
+          <a:p>
+            <a:r>
+              <a:rPr lang="en-US" dirty="0"/>
+              <a:t>Down sample &gt;&gt; Decrease sampling rate</a:t>
+            </a:r>
+          </a:p>
+          <a:p>
+            <a:r>
+              <a:rPr lang="en-US" dirty="0"/>
+              <a:t>Up Sample &gt;&gt;  Increase sampling rate .</a:t>
+            </a:r>
+            <a:endParaRPr lang="ar-SA" dirty="0"/>
+          </a:p>
+          <a:p>
+            <a:endParaRPr lang="ar-SA" dirty="0"/>
+          </a:p>
+        </p:txBody>
+      </p:sp>
+      <p:sp>
+        <p:nvSpPr>
+          <p:cNvPr id="4" name="Slide Number Placeholder 3"/>
+          <p:cNvSpPr>
+            <a:spLocks noGrp="1"/>
+          </p:cNvSpPr>
+          <p:nvPr>
+            <p:ph type="sldNum" sz="quarter" idx="5"/>
+          </p:nvPr>
+        </p:nvSpPr>
+        <p:spPr/>
+        <p:txBody>
+          <a:bodyPr/>
+          <a:lstStyle/>
+          <a:p>
+            <a:fld id="{2A8CF0E9-D788-457C-BD76-978A3658D539}" type="slidenum">
+              <a:rPr lang="ar-SA" smtClean="0"/>
+              <a:t>18</a:t>
+            </a:fld>
+            <a:endParaRPr lang="ar-SA"/>
+          </a:p>
+        </p:txBody>
+      </p:sp>
+    </p:spTree>
+    <p:extLst>
+      <p:ext uri="{BB962C8B-B14F-4D97-AF65-F5344CB8AC3E}">
+        <p14:creationId xmlns:p14="http://schemas.microsoft.com/office/powerpoint/2010/main" val="3594049129"/>
       </p:ext>
     </p:extLst>
   </p:cSld>
@@ -10708,7 +10805,7 @@
           <p:nvPr/>
         </p:nvPicPr>
         <p:blipFill>
-          <a:blip r:embed="rId2"/>
+          <a:blip r:embed="rId3"/>
           <a:stretch>
             <a:fillRect/>
           </a:stretch>
@@ -11583,107 +11680,6 @@
       </p:grpSpPr>
       <p:sp>
         <p:nvSpPr>
-          <p:cNvPr id="2" name="TextBox 1">
-            <a:extLst>
-              <a:ext uri="{FF2B5EF4-FFF2-40B4-BE49-F238E27FC236}">
-                <a16:creationId xmlns:a16="http://schemas.microsoft.com/office/drawing/2014/main" id="{5293D87A-EA7A-403D-8829-FDD48D33D006}"/>
-              </a:ext>
-            </a:extLst>
-          </p:cNvPr>
-          <p:cNvSpPr txBox="1"/>
-          <p:nvPr/>
-        </p:nvSpPr>
-        <p:spPr>
-          <a:xfrm>
-            <a:off x="2173357" y="2199861"/>
-            <a:ext cx="5380382" cy="646331"/>
-          </a:xfrm>
-          <a:prstGeom prst="rect">
-            <a:avLst/>
-          </a:prstGeom>
-          <a:noFill/>
-        </p:spPr>
-        <p:txBody>
-          <a:bodyPr wrap="square" rtlCol="1">
-            <a:spAutoFit/>
-          </a:bodyPr>
-          <a:lstStyle/>
-          <a:p>
-            <a:r>
-              <a:rPr lang="en-US" dirty="0"/>
-              <a:t>Down sample &gt;&gt; Decrease sampling rate</a:t>
-            </a:r>
-          </a:p>
-          <a:p>
-            <a:r>
-              <a:rPr lang="en-US" dirty="0"/>
-              <a:t>Up Sample &gt;&gt;  Increase sampling rate .</a:t>
-            </a:r>
-            <a:endParaRPr lang="ar-SA" dirty="0"/>
-          </a:p>
-        </p:txBody>
-      </p:sp>
-      <p:sp>
-        <p:nvSpPr>
-          <p:cNvPr id="4" name="Slide Number Placeholder 3">
-            <a:extLst>
-              <a:ext uri="{FF2B5EF4-FFF2-40B4-BE49-F238E27FC236}">
-                <a16:creationId xmlns:a16="http://schemas.microsoft.com/office/drawing/2014/main" id="{DB027F04-6083-4F51-8531-7B4C02927615}"/>
-              </a:ext>
-            </a:extLst>
-          </p:cNvPr>
-          <p:cNvSpPr>
-            <a:spLocks noGrp="1"/>
-          </p:cNvSpPr>
-          <p:nvPr>
-            <p:ph type="sldNum" sz="quarter" idx="12"/>
-          </p:nvPr>
-        </p:nvSpPr>
-        <p:spPr/>
-        <p:txBody>
-          <a:bodyPr/>
-          <a:lstStyle/>
-          <a:p>
-            <a:fld id="{BA3098F8-634C-4D3D-BA4A-4EDA128784B8}" type="slidenum">
-              <a:rPr lang="ar-SA" smtClean="0"/>
-              <a:t>20</a:t>
-            </a:fld>
-            <a:endParaRPr lang="ar-SA"/>
-          </a:p>
-        </p:txBody>
-      </p:sp>
-    </p:spTree>
-    <p:extLst>
-      <p:ext uri="{BB962C8B-B14F-4D97-AF65-F5344CB8AC3E}">
-        <p14:creationId xmlns:p14="http://schemas.microsoft.com/office/powerpoint/2010/main" val="3327492597"/>
-      </p:ext>
-    </p:extLst>
-  </p:cSld>
-  <p:clrMapOvr>
-    <a:masterClrMapping/>
-  </p:clrMapOvr>
-</p:sld>
-</file>
-
-<file path=ppt/slides/slide21.xml><?xml version="1.0" encoding="utf-8"?>
-<p:sld xmlns:a="http://schemas.openxmlformats.org/drawingml/2006/main" xmlns:r="http://schemas.openxmlformats.org/officeDocument/2006/relationships" xmlns:p="http://schemas.openxmlformats.org/presentationml/2006/main">
-  <p:cSld>
-    <p:spTree>
-      <p:nvGrpSpPr>
-        <p:cNvPr id="1" name=""/>
-        <p:cNvGrpSpPr/>
-        <p:nvPr/>
-      </p:nvGrpSpPr>
-      <p:grpSpPr>
-        <a:xfrm>
-          <a:off x="0" y="0"/>
-          <a:ext cx="0" cy="0"/>
-          <a:chOff x="0" y="0"/>
-          <a:chExt cx="0" cy="0"/>
-        </a:xfrm>
-      </p:grpSpPr>
-      <p:sp>
-        <p:nvSpPr>
           <p:cNvPr id="3" name="TextBox 2">
             <a:extLst>
               <a:ext uri="{FF2B5EF4-FFF2-40B4-BE49-F238E27FC236}">
@@ -12055,7 +12051,7 @@
           <a:p>
             <a:fld id="{BA3098F8-634C-4D3D-BA4A-4EDA128784B8}" type="slidenum">
               <a:rPr lang="ar-SA" smtClean="0"/>
-              <a:t>21</a:t>
+              <a:t>20</a:t>
             </a:fld>
             <a:endParaRPr lang="ar-SA"/>
           </a:p>
@@ -12074,7 +12070,7 @@
 </p:sld>
 </file>
 
-<file path=ppt/slides/slide22.xml><?xml version="1.0" encoding="utf-8"?>
+<file path=ppt/slides/slide21.xml><?xml version="1.0" encoding="utf-8"?>
 <p:sld xmlns:a="http://schemas.openxmlformats.org/drawingml/2006/main" xmlns:r="http://schemas.openxmlformats.org/officeDocument/2006/relationships" xmlns:p="http://schemas.openxmlformats.org/presentationml/2006/main">
   <p:cSld>
     <p:spTree>
@@ -12992,7 +12988,7 @@
           <a:p>
             <a:fld id="{BA3098F8-634C-4D3D-BA4A-4EDA128784B8}" type="slidenum">
               <a:rPr lang="ar-SA" smtClean="0"/>
-              <a:t>22</a:t>
+              <a:t>21</a:t>
             </a:fld>
             <a:endParaRPr lang="ar-SA"/>
           </a:p>
@@ -13011,7 +13007,7 @@
 </p:sld>
 </file>
 
-<file path=ppt/slides/slide23.xml><?xml version="1.0" encoding="utf-8"?>
+<file path=ppt/slides/slide22.xml><?xml version="1.0" encoding="utf-8"?>
 <p:sld xmlns:a="http://schemas.openxmlformats.org/drawingml/2006/main" xmlns:r="http://schemas.openxmlformats.org/officeDocument/2006/relationships" xmlns:p="http://schemas.openxmlformats.org/presentationml/2006/main">
   <p:cSld>
     <p:spTree>
@@ -13472,7 +13468,7 @@
           <a:p>
             <a:fld id="{BA3098F8-634C-4D3D-BA4A-4EDA128784B8}" type="slidenum">
               <a:rPr lang="ar-SA" smtClean="0"/>
-              <a:t>23</a:t>
+              <a:t>22</a:t>
             </a:fld>
             <a:endParaRPr lang="ar-SA"/>
           </a:p>
@@ -13491,7 +13487,7 @@
 </p:sld>
 </file>
 
-<file path=ppt/slides/slide24.xml><?xml version="1.0" encoding="utf-8"?>
+<file path=ppt/slides/slide23.xml><?xml version="1.0" encoding="utf-8"?>
 <p:sld xmlns:a="http://schemas.openxmlformats.org/drawingml/2006/main" xmlns:r="http://schemas.openxmlformats.org/officeDocument/2006/relationships" xmlns:p="http://schemas.openxmlformats.org/presentationml/2006/main">
   <p:cSld>
     <p:spTree>
@@ -13561,7 +13557,7 @@
           <a:p>
             <a:fld id="{BA3098F8-634C-4D3D-BA4A-4EDA128784B8}" type="slidenum">
               <a:rPr lang="ar-SA" smtClean="0"/>
-              <a:t>24</a:t>
+              <a:t>23</a:t>
             </a:fld>
             <a:endParaRPr lang="ar-SA"/>
           </a:p>
@@ -13580,7 +13576,7 @@
 </p:sld>
 </file>
 
-<file path=ppt/slides/slide25.xml><?xml version="1.0" encoding="utf-8"?>
+<file path=ppt/slides/slide24.xml><?xml version="1.0" encoding="utf-8"?>
 <p:sld xmlns:a="http://schemas.openxmlformats.org/drawingml/2006/main" xmlns:r="http://schemas.openxmlformats.org/officeDocument/2006/relationships" xmlns:p="http://schemas.openxmlformats.org/presentationml/2006/main">
   <p:cSld>
     <p:spTree>
@@ -14059,7 +14055,7 @@
           <a:p>
             <a:fld id="{BA3098F8-634C-4D3D-BA4A-4EDA128784B8}" type="slidenum">
               <a:rPr lang="ar-SA" smtClean="0"/>
-              <a:t>25</a:t>
+              <a:t>24</a:t>
             </a:fld>
             <a:endParaRPr lang="ar-SA"/>
           </a:p>
@@ -14078,7 +14074,7 @@
 </p:sld>
 </file>
 
-<file path=ppt/slides/slide26.xml><?xml version="1.0" encoding="utf-8"?>
+<file path=ppt/slides/slide25.xml><?xml version="1.0" encoding="utf-8"?>
 <p:sld xmlns:a="http://schemas.openxmlformats.org/drawingml/2006/main" xmlns:r="http://schemas.openxmlformats.org/officeDocument/2006/relationships" xmlns:p="http://schemas.openxmlformats.org/presentationml/2006/main">
   <p:cSld>
     <p:spTree>
@@ -14200,7 +14196,7 @@
           <a:p>
             <a:fld id="{BA3098F8-634C-4D3D-BA4A-4EDA128784B8}" type="slidenum">
               <a:rPr lang="ar-SA" smtClean="0"/>
-              <a:t>26</a:t>
+              <a:t>25</a:t>
             </a:fld>
             <a:endParaRPr lang="ar-SA"/>
           </a:p>
@@ -14219,7 +14215,7 @@
 </p:sld>
 </file>
 
-<file path=ppt/slides/slide27.xml><?xml version="1.0" encoding="utf-8"?>
+<file path=ppt/slides/slide26.xml><?xml version="1.0" encoding="utf-8"?>
 <p:sld xmlns:a="http://schemas.openxmlformats.org/drawingml/2006/main" xmlns:r="http://schemas.openxmlformats.org/officeDocument/2006/relationships" xmlns:p="http://schemas.openxmlformats.org/presentationml/2006/main">
   <p:cSld>
     <p:spTree>
@@ -14439,7 +14435,7 @@
           <a:p>
             <a:fld id="{BA3098F8-634C-4D3D-BA4A-4EDA128784B8}" type="slidenum">
               <a:rPr lang="ar-SA" smtClean="0"/>
-              <a:t>27</a:t>
+              <a:t>26</a:t>
             </a:fld>
             <a:endParaRPr lang="ar-SA"/>
           </a:p>
@@ -14458,7 +14454,7 @@
 </p:sld>
 </file>
 
-<file path=ppt/slides/slide28.xml><?xml version="1.0" encoding="utf-8"?>
+<file path=ppt/slides/slide27.xml><?xml version="1.0" encoding="utf-8"?>
 <p:sld xmlns:a="http://schemas.openxmlformats.org/drawingml/2006/main" xmlns:r="http://schemas.openxmlformats.org/officeDocument/2006/relationships" xmlns:p="http://schemas.openxmlformats.org/presentationml/2006/main">
   <p:cSld>
     <p:spTree>
@@ -15096,7 +15092,7 @@
           <a:p>
             <a:fld id="{BA3098F8-634C-4D3D-BA4A-4EDA128784B8}" type="slidenum">
               <a:rPr lang="ar-SA" smtClean="0"/>
-              <a:t>28</a:t>
+              <a:t>27</a:t>
             </a:fld>
             <a:endParaRPr lang="ar-SA"/>
           </a:p>
@@ -15106,6 +15102,110 @@
     <p:extLst>
       <p:ext uri="{BB962C8B-B14F-4D97-AF65-F5344CB8AC3E}">
         <p14:creationId xmlns:p14="http://schemas.microsoft.com/office/powerpoint/2010/main" val="2746961094"/>
+      </p:ext>
+    </p:extLst>
+  </p:cSld>
+  <p:clrMapOvr>
+    <a:masterClrMapping/>
+  </p:clrMapOvr>
+</p:sld>
+</file>
+
+<file path=ppt/slides/slide28.xml><?xml version="1.0" encoding="utf-8"?>
+<p:sld xmlns:a="http://schemas.openxmlformats.org/drawingml/2006/main" xmlns:r="http://schemas.openxmlformats.org/officeDocument/2006/relationships" xmlns:p="http://schemas.openxmlformats.org/presentationml/2006/main">
+  <p:cSld>
+    <p:spTree>
+      <p:nvGrpSpPr>
+        <p:cNvPr id="1" name=""/>
+        <p:cNvGrpSpPr/>
+        <p:nvPr/>
+      </p:nvGrpSpPr>
+      <p:grpSpPr>
+        <a:xfrm>
+          <a:off x="0" y="0"/>
+          <a:ext cx="0" cy="0"/>
+          <a:chOff x="0" y="0"/>
+          <a:chExt cx="0" cy="0"/>
+        </a:xfrm>
+      </p:grpSpPr>
+      <p:sp>
+        <p:nvSpPr>
+          <p:cNvPr id="2" name="Rectangle 1">
+            <a:extLst>
+              <a:ext uri="{FF2B5EF4-FFF2-40B4-BE49-F238E27FC236}">
+                <a16:creationId xmlns:a16="http://schemas.microsoft.com/office/drawing/2014/main" id="{BB7A6A19-96C4-4335-8424-2FD68DB8DCB3}"/>
+              </a:ext>
+            </a:extLst>
+          </p:cNvPr>
+          <p:cNvSpPr/>
+          <p:nvPr/>
+        </p:nvSpPr>
+        <p:spPr>
+          <a:xfrm>
+            <a:off x="609512" y="613676"/>
+            <a:ext cx="4255267" cy="400110"/>
+          </a:xfrm>
+          <a:prstGeom prst="rect">
+            <a:avLst/>
+          </a:prstGeom>
+        </p:spPr>
+        <p:txBody>
+          <a:bodyPr wrap="none">
+            <a:spAutoFit/>
+          </a:bodyPr>
+          <a:lstStyle/>
+          <a:p>
+            <a:pPr marL="285750" indent="-285750">
+              <a:buFont typeface="Arial" panose="020B0604020202020204" pitchFamily="34" charset="0"/>
+              <a:buChar char="•"/>
+            </a:pPr>
+            <a:r>
+              <a:rPr lang="en-US" sz="2000" dirty="0">
+                <a:solidFill>
+                  <a:schemeClr val="accent1">
+                    <a:lumMod val="50000"/>
+                  </a:schemeClr>
+                </a:solidFill>
+              </a:rPr>
+              <a:t>Time-invariant Discrete Systems:</a:t>
+            </a:r>
+            <a:endParaRPr lang="ar-SA" sz="2000" dirty="0"/>
+          </a:p>
+        </p:txBody>
+      </p:sp>
+      <p:sp>
+        <p:nvSpPr>
+          <p:cNvPr id="4" name="Slide Number Placeholder 3">
+            <a:extLst>
+              <a:ext uri="{FF2B5EF4-FFF2-40B4-BE49-F238E27FC236}">
+                <a16:creationId xmlns:a16="http://schemas.microsoft.com/office/drawing/2014/main" id="{967AD871-C7D0-4B1B-B2D9-AEF152DBB1C9}"/>
+              </a:ext>
+            </a:extLst>
+          </p:cNvPr>
+          <p:cNvSpPr>
+            <a:spLocks noGrp="1"/>
+          </p:cNvSpPr>
+          <p:nvPr>
+            <p:ph type="sldNum" sz="quarter" idx="12"/>
+          </p:nvPr>
+        </p:nvSpPr>
+        <p:spPr/>
+        <p:txBody>
+          <a:bodyPr/>
+          <a:lstStyle/>
+          <a:p>
+            <a:fld id="{BA3098F8-634C-4D3D-BA4A-4EDA128784B8}" type="slidenum">
+              <a:rPr lang="ar-SA" smtClean="0"/>
+              <a:t>28</a:t>
+            </a:fld>
+            <a:endParaRPr lang="ar-SA"/>
+          </a:p>
+        </p:txBody>
+      </p:sp>
+    </p:spTree>
+    <p:extLst>
+      <p:ext uri="{BB962C8B-B14F-4D97-AF65-F5344CB8AC3E}">
+        <p14:creationId xmlns:p14="http://schemas.microsoft.com/office/powerpoint/2010/main" val="2116845578"/>
       </p:ext>
     </p:extLst>
   </p:cSld>
@@ -15134,55 +15234,10 @@
       </p:grpSpPr>
       <p:sp>
         <p:nvSpPr>
-          <p:cNvPr id="2" name="Rectangle 1">
+          <p:cNvPr id="2" name="Slide Number Placeholder 1">
             <a:extLst>
               <a:ext uri="{FF2B5EF4-FFF2-40B4-BE49-F238E27FC236}">
-                <a16:creationId xmlns:a16="http://schemas.microsoft.com/office/drawing/2014/main" id="{BB7A6A19-96C4-4335-8424-2FD68DB8DCB3}"/>
-              </a:ext>
-            </a:extLst>
-          </p:cNvPr>
-          <p:cNvSpPr/>
-          <p:nvPr/>
-        </p:nvSpPr>
-        <p:spPr>
-          <a:xfrm>
-            <a:off x="609512" y="613676"/>
-            <a:ext cx="3882858" cy="369332"/>
-          </a:xfrm>
-          <a:prstGeom prst="rect">
-            <a:avLst/>
-          </a:prstGeom>
-        </p:spPr>
-        <p:txBody>
-          <a:bodyPr wrap="none">
-            <a:spAutoFit/>
-          </a:bodyPr>
-          <a:lstStyle/>
-          <a:p>
-            <a:pPr marL="285750" indent="-285750">
-              <a:buFont typeface="Arial" panose="020B0604020202020204" pitchFamily="34" charset="0"/>
-              <a:buChar char="•"/>
-            </a:pPr>
-            <a:r>
-              <a:rPr lang="en-US" dirty="0">
-                <a:solidFill>
-                  <a:schemeClr val="accent1">
-                    <a:lumMod val="50000"/>
-                  </a:schemeClr>
-                </a:solidFill>
-              </a:rPr>
-              <a:t>Time-invariant Discrete Systems:</a:t>
-            </a:r>
-            <a:endParaRPr lang="ar-SA" dirty="0"/>
-          </a:p>
-        </p:txBody>
-      </p:sp>
-      <p:sp>
-        <p:nvSpPr>
-          <p:cNvPr id="4" name="Slide Number Placeholder 3">
-            <a:extLst>
-              <a:ext uri="{FF2B5EF4-FFF2-40B4-BE49-F238E27FC236}">
-                <a16:creationId xmlns:a16="http://schemas.microsoft.com/office/drawing/2014/main" id="{967AD871-C7D0-4B1B-B2D9-AEF152DBB1C9}"/>
+                <a16:creationId xmlns:a16="http://schemas.microsoft.com/office/drawing/2014/main" id="{EB0DBD25-177E-43EF-853D-C657C825EE29}"/>
               </a:ext>
             </a:extLst>
           </p:cNvPr>
@@ -15206,10 +15261,665 @@
           </a:p>
         </p:txBody>
       </p:sp>
+      <p:pic>
+        <p:nvPicPr>
+          <p:cNvPr id="3" name="Picture 2">
+            <a:extLst>
+              <a:ext uri="{FF2B5EF4-FFF2-40B4-BE49-F238E27FC236}">
+                <a16:creationId xmlns:a16="http://schemas.microsoft.com/office/drawing/2014/main" id="{D73A036C-062E-4299-BF95-FF048BADFC64}"/>
+              </a:ext>
+            </a:extLst>
+          </p:cNvPr>
+          <p:cNvPicPr>
+            <a:picLocks noChangeAspect="1"/>
+          </p:cNvPicPr>
+          <p:nvPr/>
+        </p:nvPicPr>
+        <p:blipFill>
+          <a:blip r:embed="rId2"/>
+          <a:stretch>
+            <a:fillRect/>
+          </a:stretch>
+        </p:blipFill>
+        <p:spPr>
+          <a:xfrm>
+            <a:off x="4821173" y="2193043"/>
+            <a:ext cx="4111159" cy="4469250"/>
+          </a:xfrm>
+          <a:prstGeom prst="rect">
+            <a:avLst/>
+          </a:prstGeom>
+        </p:spPr>
+      </p:pic>
+      <p:sp>
+        <p:nvSpPr>
+          <p:cNvPr id="4" name="Rectangle 3">
+            <a:extLst>
+              <a:ext uri="{FF2B5EF4-FFF2-40B4-BE49-F238E27FC236}">
+                <a16:creationId xmlns:a16="http://schemas.microsoft.com/office/drawing/2014/main" id="{4670D3D4-5452-4B7C-BA2D-EB73F5DD9B62}"/>
+              </a:ext>
+            </a:extLst>
+          </p:cNvPr>
+          <p:cNvSpPr/>
+          <p:nvPr/>
+        </p:nvSpPr>
+        <p:spPr>
+          <a:xfrm>
+            <a:off x="553338" y="-108791"/>
+            <a:ext cx="6096000" cy="6771084"/>
+          </a:xfrm>
+          <a:prstGeom prst="rect">
+            <a:avLst/>
+          </a:prstGeom>
+        </p:spPr>
+        <p:txBody>
+          <a:bodyPr>
+            <a:spAutoFit/>
+          </a:bodyPr>
+          <a:lstStyle/>
+          <a:p>
+            <a:r>
+              <a:rPr lang="ar-SA" sz="1400" dirty="0">
+                <a:solidFill>
+                  <a:srgbClr val="000000"/>
+                </a:solidFill>
+                <a:latin typeface="Courier New" panose="02070309020205020404" pitchFamily="49" charset="0"/>
+              </a:rPr>
+              <a:t> </a:t>
+            </a:r>
+          </a:p>
+          <a:p>
+            <a:r>
+              <a:rPr lang="en-US" sz="1400" dirty="0" err="1">
+                <a:solidFill>
+                  <a:srgbClr val="000000"/>
+                </a:solidFill>
+                <a:latin typeface="Courier New" panose="02070309020205020404" pitchFamily="49" charset="0"/>
+              </a:rPr>
+              <a:t>clf</a:t>
+            </a:r>
+            <a:endParaRPr lang="en-US" sz="1400" dirty="0">
+              <a:solidFill>
+                <a:srgbClr val="000000"/>
+              </a:solidFill>
+              <a:latin typeface="Courier New" panose="02070309020205020404" pitchFamily="49" charset="0"/>
+            </a:endParaRPr>
+          </a:p>
+          <a:p>
+            <a:r>
+              <a:rPr lang="en-US" sz="1400" dirty="0">
+                <a:solidFill>
+                  <a:srgbClr val="000000"/>
+                </a:solidFill>
+                <a:latin typeface="Courier New" panose="02070309020205020404" pitchFamily="49" charset="0"/>
+              </a:rPr>
+              <a:t>clc</a:t>
+            </a:r>
+          </a:p>
+          <a:p>
+            <a:r>
+              <a:rPr lang="en-US" sz="1400" dirty="0">
+                <a:solidFill>
+                  <a:srgbClr val="000000"/>
+                </a:solidFill>
+                <a:latin typeface="Courier New" panose="02070309020205020404" pitchFamily="49" charset="0"/>
+              </a:rPr>
+              <a:t>clear </a:t>
+            </a:r>
+            <a:r>
+              <a:rPr lang="en-US" sz="1400" dirty="0">
+                <a:solidFill>
+                  <a:srgbClr val="A020F0"/>
+                </a:solidFill>
+                <a:latin typeface="Courier New" panose="02070309020205020404" pitchFamily="49" charset="0"/>
+              </a:rPr>
+              <a:t>all</a:t>
+            </a:r>
+          </a:p>
+          <a:p>
+            <a:r>
+              <a:rPr lang="en-US" sz="1400" dirty="0">
+                <a:solidFill>
+                  <a:srgbClr val="000000"/>
+                </a:solidFill>
+                <a:latin typeface="Courier New" panose="02070309020205020404" pitchFamily="49" charset="0"/>
+              </a:rPr>
+              <a:t>num=[2.2403 2.4908 2.2403];</a:t>
+            </a:r>
+          </a:p>
+          <a:p>
+            <a:r>
+              <a:rPr lang="en-US" sz="1400" dirty="0">
+                <a:solidFill>
+                  <a:srgbClr val="000000"/>
+                </a:solidFill>
+                <a:latin typeface="Courier New" panose="02070309020205020404" pitchFamily="49" charset="0"/>
+              </a:rPr>
+              <a:t>den=[1 -0.4 0.75];</a:t>
+            </a:r>
+          </a:p>
+          <a:p>
+            <a:r>
+              <a:rPr lang="en-US" sz="1400" dirty="0">
+                <a:solidFill>
+                  <a:srgbClr val="000000"/>
+                </a:solidFill>
+                <a:latin typeface="Courier New" panose="02070309020205020404" pitchFamily="49" charset="0"/>
+              </a:rPr>
+              <a:t>n = 0:40;</a:t>
+            </a:r>
+          </a:p>
+          <a:p>
+            <a:r>
+              <a:rPr lang="en-US" sz="1400" dirty="0">
+                <a:solidFill>
+                  <a:srgbClr val="000000"/>
+                </a:solidFill>
+                <a:latin typeface="Courier New" panose="02070309020205020404" pitchFamily="49" charset="0"/>
+              </a:rPr>
+              <a:t>a = 3.0;</a:t>
+            </a:r>
+          </a:p>
+          <a:p>
+            <a:r>
+              <a:rPr lang="en-US" sz="1400" dirty="0">
+                <a:solidFill>
+                  <a:srgbClr val="000000"/>
+                </a:solidFill>
+                <a:latin typeface="Courier New" panose="02070309020205020404" pitchFamily="49" charset="0"/>
+              </a:rPr>
+              <a:t>b = -2;</a:t>
+            </a:r>
+          </a:p>
+          <a:p>
+            <a:r>
+              <a:rPr lang="en-US" sz="1400" dirty="0">
+                <a:solidFill>
+                  <a:srgbClr val="000000"/>
+                </a:solidFill>
+                <a:latin typeface="Courier New" panose="02070309020205020404" pitchFamily="49" charset="0"/>
+              </a:rPr>
+              <a:t>X1 = a*cos(2*pi*0.1*n) + b*cos(2*pi*0.4*n); </a:t>
+            </a:r>
+            <a:r>
+              <a:rPr lang="en-US" sz="1400" dirty="0">
+                <a:solidFill>
+                  <a:srgbClr val="228B22"/>
+                </a:solidFill>
+                <a:latin typeface="Courier New" panose="02070309020205020404" pitchFamily="49" charset="0"/>
+              </a:rPr>
+              <a:t>%without shift</a:t>
+            </a:r>
+          </a:p>
+          <a:p>
+            <a:r>
+              <a:rPr lang="en-US" sz="1400" dirty="0">
+                <a:solidFill>
+                  <a:srgbClr val="000000"/>
+                </a:solidFill>
+                <a:latin typeface="Courier New" panose="02070309020205020404" pitchFamily="49" charset="0"/>
+              </a:rPr>
+              <a:t>x1 = [0 X1 0]; </a:t>
+            </a:r>
+            <a:r>
+              <a:rPr lang="en-US" sz="1400" dirty="0">
+                <a:solidFill>
+                  <a:srgbClr val="228B22"/>
+                </a:solidFill>
+                <a:latin typeface="Courier New" panose="02070309020205020404" pitchFamily="49" charset="0"/>
+              </a:rPr>
+              <a:t>%with shift</a:t>
+            </a:r>
+          </a:p>
+          <a:p>
+            <a:r>
+              <a:rPr lang="en-US" sz="1400" dirty="0">
+                <a:solidFill>
+                  <a:srgbClr val="000000"/>
+                </a:solidFill>
+                <a:latin typeface="Courier New" panose="02070309020205020404" pitchFamily="49" charset="0"/>
+              </a:rPr>
+              <a:t>y1 = filter(num,den,x1); </a:t>
+            </a:r>
+          </a:p>
+          <a:p>
+            <a:r>
+              <a:rPr lang="en-US" sz="1400" dirty="0">
+                <a:solidFill>
+                  <a:srgbClr val="000000"/>
+                </a:solidFill>
+                <a:latin typeface="Courier New" panose="02070309020205020404" pitchFamily="49" charset="0"/>
+              </a:rPr>
+              <a:t>subplot(2,1,1);</a:t>
+            </a:r>
+          </a:p>
+          <a:p>
+            <a:r>
+              <a:rPr lang="en-US" sz="1400" dirty="0">
+                <a:solidFill>
+                  <a:srgbClr val="000000"/>
+                </a:solidFill>
+                <a:latin typeface="Courier New" panose="02070309020205020404" pitchFamily="49" charset="0"/>
+              </a:rPr>
+              <a:t>stem(y1);</a:t>
+            </a:r>
+          </a:p>
+          <a:p>
+            <a:r>
+              <a:rPr lang="en-US" sz="1400" dirty="0">
+                <a:solidFill>
+                  <a:srgbClr val="000000"/>
+                </a:solidFill>
+                <a:latin typeface="Courier New" panose="02070309020205020404" pitchFamily="49" charset="0"/>
+              </a:rPr>
+              <a:t>title(</a:t>
+            </a:r>
+            <a:r>
+              <a:rPr lang="en-US" sz="1400" dirty="0">
+                <a:solidFill>
+                  <a:srgbClr val="A020F0"/>
+                </a:solidFill>
+                <a:latin typeface="Courier New" panose="02070309020205020404" pitchFamily="49" charset="0"/>
+              </a:rPr>
+              <a:t>'x(n-no) shift before'</a:t>
+            </a:r>
+            <a:r>
+              <a:rPr lang="en-US" sz="1400" dirty="0">
+                <a:solidFill>
+                  <a:srgbClr val="000000"/>
+                </a:solidFill>
+                <a:latin typeface="Courier New" panose="02070309020205020404" pitchFamily="49" charset="0"/>
+              </a:rPr>
+              <a:t>);</a:t>
+            </a:r>
+          </a:p>
+          <a:p>
+            <a:r>
+              <a:rPr lang="en-US" sz="1400" dirty="0">
+                <a:solidFill>
+                  <a:srgbClr val="000000"/>
+                </a:solidFill>
+                <a:latin typeface="Courier New" panose="02070309020205020404" pitchFamily="49" charset="0"/>
+              </a:rPr>
+              <a:t>xlabel(</a:t>
+            </a:r>
+            <a:r>
+              <a:rPr lang="en-US" sz="1400" dirty="0">
+                <a:solidFill>
+                  <a:srgbClr val="A020F0"/>
+                </a:solidFill>
+                <a:latin typeface="Courier New" panose="02070309020205020404" pitchFamily="49" charset="0"/>
+              </a:rPr>
+              <a:t>'Time index (n)'</a:t>
+            </a:r>
+            <a:r>
+              <a:rPr lang="en-US" sz="1400" dirty="0">
+                <a:solidFill>
+                  <a:srgbClr val="000000"/>
+                </a:solidFill>
+                <a:latin typeface="Courier New" panose="02070309020205020404" pitchFamily="49" charset="0"/>
+              </a:rPr>
+              <a:t>);</a:t>
+            </a:r>
+          </a:p>
+          <a:p>
+            <a:r>
+              <a:rPr lang="en-US" sz="1400" dirty="0">
+                <a:solidFill>
+                  <a:srgbClr val="000000"/>
+                </a:solidFill>
+                <a:latin typeface="Courier New" panose="02070309020205020404" pitchFamily="49" charset="0"/>
+              </a:rPr>
+              <a:t>ylabel(</a:t>
+            </a:r>
+            <a:r>
+              <a:rPr lang="en-US" sz="1400" dirty="0">
+                <a:solidFill>
+                  <a:srgbClr val="A020F0"/>
+                </a:solidFill>
+                <a:latin typeface="Courier New" panose="02070309020205020404" pitchFamily="49" charset="0"/>
+              </a:rPr>
+              <a:t>'Amplitude'</a:t>
+            </a:r>
+            <a:r>
+              <a:rPr lang="en-US" sz="1400" dirty="0">
+                <a:solidFill>
+                  <a:srgbClr val="000000"/>
+                </a:solidFill>
+                <a:latin typeface="Courier New" panose="02070309020205020404" pitchFamily="49" charset="0"/>
+              </a:rPr>
+              <a:t>);</a:t>
+            </a:r>
+          </a:p>
+          <a:p>
+            <a:r>
+              <a:rPr lang="ar-SA" sz="1400" dirty="0">
+                <a:solidFill>
+                  <a:srgbClr val="000000"/>
+                </a:solidFill>
+                <a:latin typeface="Courier New" panose="02070309020205020404" pitchFamily="49" charset="0"/>
+              </a:rPr>
+              <a:t> </a:t>
+            </a:r>
+          </a:p>
+          <a:p>
+            <a:r>
+              <a:rPr lang="en-US" sz="1400" dirty="0">
+                <a:solidFill>
+                  <a:srgbClr val="000000"/>
+                </a:solidFill>
+                <a:latin typeface="Courier New" panose="02070309020205020404" pitchFamily="49" charset="0"/>
+              </a:rPr>
+              <a:t>z = filter(num,den,X1);</a:t>
+            </a:r>
+          </a:p>
+          <a:p>
+            <a:r>
+              <a:rPr lang="en-US" sz="1400" dirty="0">
+                <a:solidFill>
+                  <a:srgbClr val="000000"/>
+                </a:solidFill>
+                <a:latin typeface="Courier New" panose="02070309020205020404" pitchFamily="49" charset="0"/>
+              </a:rPr>
+              <a:t>y2 = [0 z 0];</a:t>
+            </a:r>
+            <a:r>
+              <a:rPr lang="en-US" sz="1400" dirty="0">
+                <a:solidFill>
+                  <a:srgbClr val="228B22"/>
+                </a:solidFill>
+                <a:latin typeface="Courier New" panose="02070309020205020404" pitchFamily="49" charset="0"/>
+              </a:rPr>
+              <a:t>%%shift after </a:t>
+            </a:r>
+          </a:p>
+          <a:p>
+            <a:r>
+              <a:rPr lang="en-US" sz="1400" dirty="0">
+                <a:solidFill>
+                  <a:srgbClr val="000000"/>
+                </a:solidFill>
+                <a:latin typeface="Courier New" panose="02070309020205020404" pitchFamily="49" charset="0"/>
+              </a:rPr>
+              <a:t>subplot(2,1,2);</a:t>
+            </a:r>
+          </a:p>
+          <a:p>
+            <a:r>
+              <a:rPr lang="en-US" sz="1400" dirty="0">
+                <a:solidFill>
+                  <a:srgbClr val="000000"/>
+                </a:solidFill>
+                <a:latin typeface="Courier New" panose="02070309020205020404" pitchFamily="49" charset="0"/>
+              </a:rPr>
+              <a:t>stem(y2);</a:t>
+            </a:r>
+          </a:p>
+          <a:p>
+            <a:r>
+              <a:rPr lang="en-US" sz="1400" dirty="0">
+                <a:solidFill>
+                  <a:srgbClr val="000000"/>
+                </a:solidFill>
+                <a:latin typeface="Courier New" panose="02070309020205020404" pitchFamily="49" charset="0"/>
+              </a:rPr>
+              <a:t>title(</a:t>
+            </a:r>
+            <a:r>
+              <a:rPr lang="en-US" sz="1400" dirty="0">
+                <a:solidFill>
+                  <a:srgbClr val="A020F0"/>
+                </a:solidFill>
+                <a:latin typeface="Courier New" panose="02070309020205020404" pitchFamily="49" charset="0"/>
+              </a:rPr>
+              <a:t>'y(n-no) &gt;&gt;shift after'</a:t>
+            </a:r>
+            <a:r>
+              <a:rPr lang="en-US" sz="1400" dirty="0">
+                <a:solidFill>
+                  <a:srgbClr val="000000"/>
+                </a:solidFill>
+                <a:latin typeface="Courier New" panose="02070309020205020404" pitchFamily="49" charset="0"/>
+              </a:rPr>
+              <a:t>);</a:t>
+            </a:r>
+          </a:p>
+          <a:p>
+            <a:r>
+              <a:rPr lang="en-US" sz="1400" dirty="0">
+                <a:solidFill>
+                  <a:srgbClr val="000000"/>
+                </a:solidFill>
+                <a:latin typeface="Courier New" panose="02070309020205020404" pitchFamily="49" charset="0"/>
+              </a:rPr>
+              <a:t>xlabel(</a:t>
+            </a:r>
+            <a:r>
+              <a:rPr lang="en-US" sz="1400" dirty="0">
+                <a:solidFill>
+                  <a:srgbClr val="A020F0"/>
+                </a:solidFill>
+                <a:latin typeface="Courier New" panose="02070309020205020404" pitchFamily="49" charset="0"/>
+              </a:rPr>
+              <a:t>'Time index (n)'</a:t>
+            </a:r>
+            <a:r>
+              <a:rPr lang="en-US" sz="1400" dirty="0">
+                <a:solidFill>
+                  <a:srgbClr val="000000"/>
+                </a:solidFill>
+                <a:latin typeface="Courier New" panose="02070309020205020404" pitchFamily="49" charset="0"/>
+              </a:rPr>
+              <a:t>);</a:t>
+            </a:r>
+          </a:p>
+          <a:p>
+            <a:r>
+              <a:rPr lang="en-US" sz="1400" dirty="0">
+                <a:solidFill>
+                  <a:srgbClr val="000000"/>
+                </a:solidFill>
+                <a:latin typeface="Courier New" panose="02070309020205020404" pitchFamily="49" charset="0"/>
+              </a:rPr>
+              <a:t>ylabel(</a:t>
+            </a:r>
+            <a:r>
+              <a:rPr lang="en-US" sz="1400" dirty="0">
+                <a:solidFill>
+                  <a:srgbClr val="A020F0"/>
+                </a:solidFill>
+                <a:latin typeface="Courier New" panose="02070309020205020404" pitchFamily="49" charset="0"/>
+              </a:rPr>
+              <a:t>'Amplitude'</a:t>
+            </a:r>
+            <a:r>
+              <a:rPr lang="en-US" sz="1400" dirty="0">
+                <a:solidFill>
+                  <a:srgbClr val="000000"/>
+                </a:solidFill>
+                <a:latin typeface="Courier New" panose="02070309020205020404" pitchFamily="49" charset="0"/>
+              </a:rPr>
+              <a:t>);</a:t>
+            </a:r>
+          </a:p>
+          <a:p>
+            <a:r>
+              <a:rPr lang="en-US" sz="1400" dirty="0">
+                <a:solidFill>
+                  <a:srgbClr val="0000FF"/>
+                </a:solidFill>
+                <a:latin typeface="Courier New" panose="02070309020205020404" pitchFamily="49" charset="0"/>
+              </a:rPr>
+              <a:t>if</a:t>
+            </a:r>
+            <a:r>
+              <a:rPr lang="en-US" sz="1400" dirty="0">
+                <a:solidFill>
+                  <a:srgbClr val="000000"/>
+                </a:solidFill>
+                <a:latin typeface="Courier New" panose="02070309020205020404" pitchFamily="49" charset="0"/>
+              </a:rPr>
+              <a:t> (y1-y2==0)</a:t>
+            </a:r>
+          </a:p>
+          <a:p>
+            <a:r>
+              <a:rPr lang="en-US" sz="1400" dirty="0">
+                <a:solidFill>
+                  <a:srgbClr val="000000"/>
+                </a:solidFill>
+                <a:latin typeface="Courier New" panose="02070309020205020404" pitchFamily="49" charset="0"/>
+              </a:rPr>
+              <a:t>    </a:t>
+            </a:r>
+            <a:r>
+              <a:rPr lang="en-US" sz="1400" dirty="0" err="1">
+                <a:solidFill>
+                  <a:srgbClr val="000000"/>
+                </a:solidFill>
+                <a:latin typeface="Courier New" panose="02070309020205020404" pitchFamily="49" charset="0"/>
+              </a:rPr>
+              <a:t>disp</a:t>
+            </a:r>
+            <a:r>
+              <a:rPr lang="en-US" sz="1400" dirty="0">
+                <a:solidFill>
+                  <a:srgbClr val="000000"/>
+                </a:solidFill>
+                <a:latin typeface="Courier New" panose="02070309020205020404" pitchFamily="49" charset="0"/>
+              </a:rPr>
+              <a:t>(</a:t>
+            </a:r>
+            <a:r>
+              <a:rPr lang="en-US" sz="1400" dirty="0">
+                <a:solidFill>
+                  <a:srgbClr val="A020F0"/>
+                </a:solidFill>
+                <a:latin typeface="Courier New" panose="02070309020205020404" pitchFamily="49" charset="0"/>
+              </a:rPr>
+              <a:t>'system is time </a:t>
+            </a:r>
+            <a:r>
+              <a:rPr lang="en-US" sz="1400" dirty="0" err="1">
+                <a:solidFill>
+                  <a:srgbClr val="A020F0"/>
+                </a:solidFill>
+                <a:latin typeface="Courier New" panose="02070309020205020404" pitchFamily="49" charset="0"/>
+              </a:rPr>
+              <a:t>Inverient</a:t>
+            </a:r>
+            <a:r>
+              <a:rPr lang="en-US" sz="1400" dirty="0">
+                <a:solidFill>
+                  <a:srgbClr val="A020F0"/>
+                </a:solidFill>
+                <a:latin typeface="Courier New" panose="02070309020205020404" pitchFamily="49" charset="0"/>
+              </a:rPr>
+              <a:t>'</a:t>
+            </a:r>
+            <a:r>
+              <a:rPr lang="en-US" sz="1400" dirty="0">
+                <a:solidFill>
+                  <a:srgbClr val="000000"/>
+                </a:solidFill>
+                <a:latin typeface="Courier New" panose="02070309020205020404" pitchFamily="49" charset="0"/>
+              </a:rPr>
+              <a:t>);</a:t>
+            </a:r>
+          </a:p>
+          <a:p>
+            <a:r>
+              <a:rPr lang="en-US" sz="1400" dirty="0">
+                <a:solidFill>
+                  <a:srgbClr val="0000FF"/>
+                </a:solidFill>
+                <a:latin typeface="Courier New" panose="02070309020205020404" pitchFamily="49" charset="0"/>
+              </a:rPr>
+              <a:t>else</a:t>
+            </a:r>
+          </a:p>
+          <a:p>
+            <a:r>
+              <a:rPr lang="en-US" sz="1400" dirty="0">
+                <a:solidFill>
+                  <a:srgbClr val="000000"/>
+                </a:solidFill>
+                <a:latin typeface="Courier New" panose="02070309020205020404" pitchFamily="49" charset="0"/>
+              </a:rPr>
+              <a:t>    </a:t>
+            </a:r>
+            <a:r>
+              <a:rPr lang="en-US" sz="1400" dirty="0" err="1">
+                <a:solidFill>
+                  <a:srgbClr val="000000"/>
+                </a:solidFill>
+                <a:latin typeface="Courier New" panose="02070309020205020404" pitchFamily="49" charset="0"/>
+              </a:rPr>
+              <a:t>disp</a:t>
+            </a:r>
+            <a:r>
+              <a:rPr lang="en-US" sz="1400" dirty="0">
+                <a:solidFill>
+                  <a:srgbClr val="000000"/>
+                </a:solidFill>
+                <a:latin typeface="Courier New" panose="02070309020205020404" pitchFamily="49" charset="0"/>
+              </a:rPr>
+              <a:t>(</a:t>
+            </a:r>
+            <a:r>
+              <a:rPr lang="en-US" sz="1400" dirty="0">
+                <a:solidFill>
+                  <a:srgbClr val="A020F0"/>
+                </a:solidFill>
+                <a:latin typeface="Courier New" panose="02070309020205020404" pitchFamily="49" charset="0"/>
+              </a:rPr>
+              <a:t>'system is time </a:t>
+            </a:r>
+            <a:r>
+              <a:rPr lang="en-US" sz="1400" dirty="0" err="1">
+                <a:solidFill>
+                  <a:srgbClr val="A020F0"/>
+                </a:solidFill>
+                <a:latin typeface="Courier New" panose="02070309020205020404" pitchFamily="49" charset="0"/>
+              </a:rPr>
+              <a:t>verient</a:t>
+            </a:r>
+            <a:r>
+              <a:rPr lang="en-US" sz="1400" dirty="0">
+                <a:solidFill>
+                  <a:srgbClr val="A020F0"/>
+                </a:solidFill>
+                <a:latin typeface="Courier New" panose="02070309020205020404" pitchFamily="49" charset="0"/>
+              </a:rPr>
+              <a:t>'</a:t>
+            </a:r>
+            <a:r>
+              <a:rPr lang="en-US" sz="1400" dirty="0">
+                <a:solidFill>
+                  <a:srgbClr val="000000"/>
+                </a:solidFill>
+                <a:latin typeface="Courier New" panose="02070309020205020404" pitchFamily="49" charset="0"/>
+              </a:rPr>
+              <a:t>)</a:t>
+            </a:r>
+          </a:p>
+          <a:p>
+            <a:r>
+              <a:rPr lang="en-US" sz="1400" dirty="0">
+                <a:solidFill>
+                  <a:srgbClr val="0000FF"/>
+                </a:solidFill>
+                <a:latin typeface="Courier New" panose="02070309020205020404" pitchFamily="49" charset="0"/>
+              </a:rPr>
+              <a:t>end</a:t>
+            </a:r>
+          </a:p>
+        </p:txBody>
+      </p:sp>
     </p:spTree>
     <p:extLst>
       <p:ext uri="{BB962C8B-B14F-4D97-AF65-F5344CB8AC3E}">
-        <p14:creationId xmlns:p14="http://schemas.microsoft.com/office/powerpoint/2010/main" val="2116845578"/>
+        <p14:creationId xmlns:p14="http://schemas.microsoft.com/office/powerpoint/2010/main" val="3034105163"/>
       </p:ext>
     </p:extLst>
   </p:cSld>
@@ -15299,7 +16009,9 @@
             <a:r>
               <a:rPr lang="en-US" sz="2800" dirty="0">
                 <a:solidFill>
-                  <a:srgbClr val="004B87"/>
+                  <a:schemeClr val="accent5">
+                    <a:lumMod val="50000"/>
+                  </a:schemeClr>
                 </a:solidFill>
                 <a:effectLst>
                   <a:outerShdw blurRad="38100" dist="38100" dir="2700000" algn="tl">
@@ -15310,7 +16022,23 @@
                 </a:effectLst>
                 <a:latin typeface="Arial" panose="020B0604020202020204" pitchFamily="34" charset="0"/>
               </a:rPr>
-              <a:t>Samples:</a:t>
+              <a:t>Samples</a:t>
+            </a:r>
+            <a:r>
+              <a:rPr lang="en-US" sz="2800" dirty="0">
+                <a:solidFill>
+                  <a:srgbClr val="004B87"/>
+                </a:solidFill>
+                <a:effectLst>
+                  <a:outerShdw blurRad="38100" dist="38100" dir="2700000" algn="tl">
+                    <a:srgbClr val="000000">
+                      <a:alpha val="43137"/>
+                    </a:srgbClr>
+                  </a:outerShdw>
+                </a:effectLst>
+                <a:latin typeface="Arial" panose="020B0604020202020204" pitchFamily="34" charset="0"/>
+              </a:rPr>
+              <a:t>:</a:t>
             </a:r>
             <a:endParaRPr lang="ar-SA" sz="2800" dirty="0">
               <a:solidFill>
@@ -15705,6 +16433,11 @@
             <a:avLst/>
           </a:prstGeom>
           <a:ln>
+            <a:solidFill>
+              <a:schemeClr val="accent3">
+                <a:lumMod val="75000"/>
+              </a:schemeClr>
+            </a:solidFill>
             <a:tailEnd type="triangle"/>
           </a:ln>
         </p:spPr>
@@ -15744,6 +16477,11 @@
             <a:avLst/>
           </a:prstGeom>
           <a:ln>
+            <a:solidFill>
+              <a:schemeClr val="accent3">
+                <a:lumMod val="75000"/>
+              </a:schemeClr>
+            </a:solidFill>
             <a:tailEnd type="triangle"/>
           </a:ln>
         </p:spPr>
@@ -17098,6 +17836,11 @@
             <a:avLst/>
           </a:prstGeom>
           <a:ln>
+            <a:solidFill>
+              <a:schemeClr val="accent3">
+                <a:lumMod val="75000"/>
+              </a:schemeClr>
+            </a:solidFill>
             <a:tailEnd type="triangle"/>
           </a:ln>
         </p:spPr>
@@ -17147,7 +17890,9 @@
             <a:r>
               <a:rPr lang="en-US" sz="2000" u="sng" dirty="0">
                 <a:solidFill>
-                  <a:srgbClr val="0070C0"/>
+                  <a:schemeClr val="accent5">
+                    <a:lumMod val="50000"/>
+                  </a:schemeClr>
                 </a:solidFill>
               </a:rPr>
               <a:t>NOTE:</a:t>
@@ -21007,7 +21752,7 @@
         </p:blipFill>
         <p:spPr>
           <a:xfrm>
-            <a:off x="633046" y="3429001"/>
+            <a:off x="478301" y="3462737"/>
             <a:ext cx="3717479" cy="2918328"/>
           </a:xfrm>
           <a:prstGeom prst="rect">
@@ -21037,7 +21782,7 @@
         </p:blipFill>
         <p:spPr>
           <a:xfrm>
-            <a:off x="4620115" y="3429000"/>
+            <a:off x="4195780" y="3462736"/>
             <a:ext cx="3848635" cy="2918329"/>
           </a:xfrm>
           <a:prstGeom prst="rect">
